--- a/Cellular Automata for Cloud Resource Allocation.pptx
+++ b/Cellular Automata for Cloud Resource Allocation.pptx
@@ -7,10 +7,10 @@
     <p:sldMasterId id="2147483670" r:id="rId3"/>
   </p:sldMasterIdLst>
   <p:notesMasterIdLst>
-    <p:notesMasterId r:id="rId21"/>
+    <p:notesMasterId r:id="rId23"/>
   </p:notesMasterIdLst>
   <p:handoutMasterIdLst>
-    <p:handoutMasterId r:id="rId22"/>
+    <p:handoutMasterId r:id="rId24"/>
   </p:handoutMasterIdLst>
   <p:sldIdLst>
     <p:sldId id="257" r:id="rId4"/>
@@ -18,18 +18,20 @@
     <p:sldId id="261" r:id="rId6"/>
     <p:sldId id="271" r:id="rId7"/>
     <p:sldId id="272" r:id="rId8"/>
-    <p:sldId id="273" r:id="rId9"/>
-    <p:sldId id="262" r:id="rId10"/>
-    <p:sldId id="259" r:id="rId11"/>
-    <p:sldId id="264" r:id="rId12"/>
-    <p:sldId id="263" r:id="rId13"/>
-    <p:sldId id="265" r:id="rId14"/>
-    <p:sldId id="266" r:id="rId15"/>
-    <p:sldId id="267" r:id="rId16"/>
-    <p:sldId id="268" r:id="rId17"/>
-    <p:sldId id="269" r:id="rId18"/>
-    <p:sldId id="270" r:id="rId19"/>
-    <p:sldId id="260" r:id="rId20"/>
+    <p:sldId id="274" r:id="rId9"/>
+    <p:sldId id="276" r:id="rId10"/>
+    <p:sldId id="273" r:id="rId11"/>
+    <p:sldId id="262" r:id="rId12"/>
+    <p:sldId id="259" r:id="rId13"/>
+    <p:sldId id="264" r:id="rId14"/>
+    <p:sldId id="263" r:id="rId15"/>
+    <p:sldId id="265" r:id="rId16"/>
+    <p:sldId id="266" r:id="rId17"/>
+    <p:sldId id="267" r:id="rId18"/>
+    <p:sldId id="268" r:id="rId19"/>
+    <p:sldId id="269" r:id="rId20"/>
+    <p:sldId id="270" r:id="rId21"/>
+    <p:sldId id="260" r:id="rId22"/>
   </p:sldIdLst>
   <p:sldSz cx="10980738" cy="6858000"/>
   <p:notesSz cx="6858000" cy="9144000"/>
@@ -138,6 +140,8 @@
             <p14:sldId id="261"/>
             <p14:sldId id="271"/>
             <p14:sldId id="272"/>
+            <p14:sldId id="274"/>
+            <p14:sldId id="276"/>
             <p14:sldId id="273"/>
             <p14:sldId id="262"/>
             <p14:sldId id="259"/>
@@ -850,7 +854,7 @@
           <a:p>
             <a:fld id="{99C63925-DBA6-4339-B321-5E323984BC19}" type="slidenum">
               <a:rPr lang="en-US" smtClean="0"/>
-              <a:t>10</a:t>
+              <a:t>12</a:t>
             </a:fld>
             <a:endParaRPr lang="en-US"/>
           </a:p>
@@ -934,7 +938,7 @@
           <a:p>
             <a:fld id="{99C63925-DBA6-4339-B321-5E323984BC19}" type="slidenum">
               <a:rPr lang="en-US" smtClean="0"/>
-              <a:t>13</a:t>
+              <a:t>15</a:t>
             </a:fld>
             <a:endParaRPr lang="en-US"/>
           </a:p>
@@ -1018,7 +1022,7 @@
           <a:p>
             <a:fld id="{99C63925-DBA6-4339-B321-5E323984BC19}" type="slidenum">
               <a:rPr lang="en-US" smtClean="0"/>
-              <a:t>15</a:t>
+              <a:t>17</a:t>
             </a:fld>
             <a:endParaRPr lang="en-US"/>
           </a:p>
@@ -1102,7 +1106,7 @@
           <a:p>
             <a:fld id="{99C63925-DBA6-4339-B321-5E323984BC19}" type="slidenum">
               <a:rPr lang="en-US" smtClean="0"/>
-              <a:t>16</a:t>
+              <a:t>18</a:t>
             </a:fld>
             <a:endParaRPr lang="en-US"/>
           </a:p>
@@ -1522,7 +1526,7 @@
           <a:p>
             <a:fld id="{99C63925-DBA6-4339-B321-5E323984BC19}" type="slidenum">
               <a:rPr lang="en-US" smtClean="0"/>
-              <a:t>6</a:t>
+              <a:t>8</a:t>
             </a:fld>
             <a:endParaRPr lang="en-US"/>
           </a:p>
@@ -1606,7 +1610,7 @@
           <a:p>
             <a:fld id="{99C63925-DBA6-4339-B321-5E323984BC19}" type="slidenum">
               <a:rPr lang="en-US" smtClean="0"/>
-              <a:t>7</a:t>
+              <a:t>9</a:t>
             </a:fld>
             <a:endParaRPr lang="en-US"/>
           </a:p>
@@ -1690,7 +1694,7 @@
           <a:p>
             <a:fld id="{99C63925-DBA6-4339-B321-5E323984BC19}" type="slidenum">
               <a:rPr lang="en-US" smtClean="0"/>
-              <a:t>8</a:t>
+              <a:t>10</a:t>
             </a:fld>
             <a:endParaRPr lang="en-US"/>
           </a:p>
@@ -1774,7 +1778,7 @@
           <a:p>
             <a:fld id="{99C63925-DBA6-4339-B321-5E323984BC19}" type="slidenum">
               <a:rPr lang="en-US" smtClean="0"/>
-              <a:t>9</a:t>
+              <a:t>11</a:t>
             </a:fld>
             <a:endParaRPr lang="en-US"/>
           </a:p>
@@ -8894,3010 +8898,6 @@
       </p:grpSpPr>
       <p:sp>
         <p:nvSpPr>
-          <p:cNvPr id="2" name="Title 1">
-            <a:extLst>
-              <a:ext uri="{FF2B5EF4-FFF2-40B4-BE49-F238E27FC236}">
-                <a16:creationId xmlns:a16="http://schemas.microsoft.com/office/drawing/2014/main" id="{33FE6824-F60D-4B79-8ADC-B39264A163B7}"/>
-              </a:ext>
-            </a:extLst>
-          </p:cNvPr>
-          <p:cNvSpPr>
-            <a:spLocks noGrp="1"/>
-          </p:cNvSpPr>
-          <p:nvPr>
-            <p:ph type="title"/>
-          </p:nvPr>
-        </p:nvSpPr>
-        <p:spPr/>
-        <p:txBody>
-          <a:bodyPr/>
-          <a:lstStyle/>
-          <a:p>
-            <a:r>
-              <a:rPr lang="en-IN" dirty="0"/>
-              <a:t>Wolfram Classification</a:t>
-            </a:r>
-          </a:p>
-        </p:txBody>
-      </p:sp>
-      <p:sp>
-        <p:nvSpPr>
-          <p:cNvPr id="3" name="Content Placeholder 2">
-            <a:extLst>
-              <a:ext uri="{FF2B5EF4-FFF2-40B4-BE49-F238E27FC236}">
-                <a16:creationId xmlns:a16="http://schemas.microsoft.com/office/drawing/2014/main" id="{04088B78-2CAC-4F7E-A8CB-E8EEA506B802}"/>
-              </a:ext>
-            </a:extLst>
-          </p:cNvPr>
-          <p:cNvSpPr>
-            <a:spLocks noGrp="1"/>
-          </p:cNvSpPr>
-          <p:nvPr>
-            <p:ph idx="1"/>
-          </p:nvPr>
-        </p:nvSpPr>
-        <p:spPr/>
-        <p:txBody>
-          <a:bodyPr/>
-          <a:lstStyle/>
-          <a:p>
-            <a:pPr marL="0" indent="0" algn="l">
-              <a:buNone/>
-            </a:pPr>
-            <a:r>
-              <a:rPr lang="en-US" sz="1800" dirty="0">
-                <a:latin typeface="Arial-BoldMT"/>
-              </a:rPr>
-              <a:t>Classification of rule from rule set when cellular automata and immediate </a:t>
-            </a:r>
-            <a:r>
-              <a:rPr lang="en-US" sz="1800" dirty="0" err="1">
-                <a:latin typeface="Arial-BoldMT"/>
-              </a:rPr>
-              <a:t>neighbours</a:t>
-            </a:r>
-            <a:r>
-              <a:rPr lang="en-US" sz="1800" dirty="0">
-                <a:latin typeface="Arial-BoldMT"/>
-              </a:rPr>
-              <a:t> are used for evolution. The total number of rules for evolution is 255. Some rules from these 255 rule set is classified into four classes as follows:</a:t>
-            </a:r>
-          </a:p>
-          <a:p>
-            <a:pPr marL="0" indent="0" algn="l">
-              <a:buNone/>
-            </a:pPr>
-            <a:endParaRPr lang="en-US" sz="1800" i="0" strike="noStrike" baseline="0" dirty="0">
-              <a:latin typeface="Arial-BoldMT"/>
-            </a:endParaRPr>
-          </a:p>
-          <a:p>
-            <a:pPr algn="l"/>
-            <a:r>
-              <a:rPr lang="en-US" sz="1800" b="1" i="0" u="sng" strike="noStrike" baseline="0" dirty="0">
-                <a:latin typeface="Arial-BoldMT"/>
-              </a:rPr>
-              <a:t>Class 1</a:t>
-            </a:r>
-            <a:r>
-              <a:rPr lang="en-US" sz="1800" b="1" i="0" u="none" strike="noStrike" baseline="0" dirty="0">
-                <a:latin typeface="Arial-BoldMT"/>
-              </a:rPr>
-              <a:t>: </a:t>
-            </a:r>
-            <a:r>
-              <a:rPr lang="en-US" sz="1800" b="0" i="0" u="none" strike="noStrike" baseline="0" dirty="0">
-                <a:latin typeface="ArialMT"/>
-              </a:rPr>
-              <a:t>Cellular automata which rapidly converge to a uniform state. Examples are rules 0, 32, 160 and 232.</a:t>
-            </a:r>
-          </a:p>
-          <a:p>
-            <a:pPr algn="l"/>
-            <a:r>
-              <a:rPr lang="en-US" sz="1800" b="1" i="0" u="sng" strike="noStrike" baseline="0" dirty="0">
-                <a:latin typeface="Arial-BoldMT"/>
-              </a:rPr>
-              <a:t>Class 2:</a:t>
-            </a:r>
-            <a:r>
-              <a:rPr lang="en-US" sz="1800" b="1" i="0" u="none" strike="noStrike" baseline="0" dirty="0">
-                <a:latin typeface="Arial-BoldMT"/>
-              </a:rPr>
-              <a:t> </a:t>
-            </a:r>
-            <a:r>
-              <a:rPr lang="en-US" sz="1800" b="0" i="0" u="none" strike="noStrike" baseline="0" dirty="0">
-                <a:latin typeface="ArialMT"/>
-              </a:rPr>
-              <a:t>Cellular automata which rapidly converge to a repetitive or stable state. Examples are rules 4, 108, 218 and 250.</a:t>
-            </a:r>
-          </a:p>
-          <a:p>
-            <a:pPr algn="l"/>
-            <a:r>
-              <a:rPr lang="en-US" sz="1800" b="1" i="0" u="sng" strike="noStrike" baseline="0" dirty="0">
-                <a:latin typeface="Arial-BoldMT"/>
-              </a:rPr>
-              <a:t>Class 3:</a:t>
-            </a:r>
-            <a:r>
-              <a:rPr lang="en-US" sz="1800" b="1" i="0" u="none" strike="noStrike" baseline="0" dirty="0">
-                <a:latin typeface="Arial-BoldMT"/>
-              </a:rPr>
-              <a:t> </a:t>
-            </a:r>
-            <a:r>
-              <a:rPr lang="en-US" sz="1800" b="0" i="0" u="none" strike="noStrike" baseline="0" dirty="0">
-                <a:latin typeface="ArialMT"/>
-              </a:rPr>
-              <a:t>Cellular automata which appear to remain in a random state. Examples are rules 22, 30, 126, 150, 182.</a:t>
-            </a:r>
-          </a:p>
-          <a:p>
-            <a:pPr algn="l"/>
-            <a:r>
-              <a:rPr lang="en-US" sz="1800" b="1" i="0" u="sng" strike="noStrike" baseline="0" dirty="0">
-                <a:latin typeface="Arial-BoldMT"/>
-              </a:rPr>
-              <a:t>Class 4:</a:t>
-            </a:r>
-            <a:r>
-              <a:rPr lang="en-US" sz="1800" b="1" i="0" u="none" strike="noStrike" baseline="0" dirty="0">
-                <a:latin typeface="Arial-BoldMT"/>
-              </a:rPr>
-              <a:t> </a:t>
-            </a:r>
-            <a:r>
-              <a:rPr lang="en-US" sz="1800" b="0" i="0" u="none" strike="noStrike" baseline="0" dirty="0">
-                <a:latin typeface="ArialMT"/>
-              </a:rPr>
-              <a:t>Cellular automata which form areas of repetitive or stable states, but also form structures that interact with each other in complicated ways. An example is rule 110.</a:t>
-            </a:r>
-            <a:endParaRPr lang="en-IN" dirty="0"/>
-          </a:p>
-        </p:txBody>
-      </p:sp>
-      <p:sp>
-        <p:nvSpPr>
-          <p:cNvPr id="4" name="Slide Number Placeholder 3">
-            <a:extLst>
-              <a:ext uri="{FF2B5EF4-FFF2-40B4-BE49-F238E27FC236}">
-                <a16:creationId xmlns:a16="http://schemas.microsoft.com/office/drawing/2014/main" id="{4BF2BF6E-2663-4E5A-B76B-24960FDE8599}"/>
-              </a:ext>
-            </a:extLst>
-          </p:cNvPr>
-          <p:cNvSpPr>
-            <a:spLocks noGrp="1"/>
-          </p:cNvSpPr>
-          <p:nvPr>
-            <p:ph type="sldNum" sz="quarter" idx="12"/>
-          </p:nvPr>
-        </p:nvSpPr>
-        <p:spPr/>
-        <p:txBody>
-          <a:bodyPr/>
-          <a:lstStyle/>
-          <a:p>
-            <a:fld id="{ACA2A22D-43A3-4325-8000-B0F614F5476E}" type="slidenum">
-              <a:rPr lang="en-US" smtClean="0"/>
-              <a:pPr/>
-              <a:t>10</a:t>
-            </a:fld>
-            <a:endParaRPr lang="en-US"/>
-          </a:p>
-        </p:txBody>
-      </p:sp>
-    </p:spTree>
-    <p:extLst>
-      <p:ext uri="{BB962C8B-B14F-4D97-AF65-F5344CB8AC3E}">
-        <p14:creationId xmlns:p14="http://schemas.microsoft.com/office/powerpoint/2010/main" val="1377198174"/>
-      </p:ext>
-    </p:extLst>
-  </p:cSld>
-  <p:clrMapOvr>
-    <a:masterClrMapping/>
-  </p:clrMapOvr>
-  <mc:AlternateContent xmlns:mc="http://schemas.openxmlformats.org/markup-compatibility/2006" xmlns:p14="http://schemas.microsoft.com/office/powerpoint/2010/main">
-    <mc:Choice Requires="p14">
-      <p:transition spd="med" p14:dur="700">
-        <p:fade/>
-      </p:transition>
-    </mc:Choice>
-    <mc:Fallback xmlns="">
-      <p:transition spd="med">
-        <p:fade/>
-      </p:transition>
-    </mc:Fallback>
-  </mc:AlternateContent>
-</p:sld>
-</file>
-
-<file path=ppt/slides/slide11.xml><?xml version="1.0" encoding="utf-8"?>
-<p:sld xmlns:a="http://schemas.openxmlformats.org/drawingml/2006/main" xmlns:r="http://schemas.openxmlformats.org/officeDocument/2006/relationships" xmlns:p="http://schemas.openxmlformats.org/presentationml/2006/main">
-  <p:cSld>
-    <p:spTree>
-      <p:nvGrpSpPr>
-        <p:cNvPr id="1" name=""/>
-        <p:cNvGrpSpPr/>
-        <p:nvPr/>
-      </p:nvGrpSpPr>
-      <p:grpSpPr>
-        <a:xfrm>
-          <a:off x="0" y="0"/>
-          <a:ext cx="0" cy="0"/>
-          <a:chOff x="0" y="0"/>
-          <a:chExt cx="0" cy="0"/>
-        </a:xfrm>
-      </p:grpSpPr>
-      <p:sp>
-        <p:nvSpPr>
-          <p:cNvPr id="2" name="Title 1">
-            <a:extLst>
-              <a:ext uri="{FF2B5EF4-FFF2-40B4-BE49-F238E27FC236}">
-                <a16:creationId xmlns:a16="http://schemas.microsoft.com/office/drawing/2014/main" id="{C8D934DD-5444-49C1-809D-AA3CC903D687}"/>
-              </a:ext>
-            </a:extLst>
-          </p:cNvPr>
-          <p:cNvSpPr>
-            <a:spLocks noGrp="1"/>
-          </p:cNvSpPr>
-          <p:nvPr>
-            <p:ph type="title"/>
-          </p:nvPr>
-        </p:nvSpPr>
-        <p:spPr/>
-        <p:txBody>
-          <a:bodyPr/>
-          <a:lstStyle/>
-          <a:p>
-            <a:r>
-              <a:rPr lang="en-IN" dirty="0"/>
-              <a:t>Results</a:t>
-            </a:r>
-          </a:p>
-        </p:txBody>
-      </p:sp>
-      <p:sp>
-        <p:nvSpPr>
-          <p:cNvPr id="3" name="Content Placeholder 2">
-            <a:extLst>
-              <a:ext uri="{FF2B5EF4-FFF2-40B4-BE49-F238E27FC236}">
-                <a16:creationId xmlns:a16="http://schemas.microsoft.com/office/drawing/2014/main" id="{D7A80969-652E-44C3-897C-75B57E50186D}"/>
-              </a:ext>
-            </a:extLst>
-          </p:cNvPr>
-          <p:cNvSpPr>
-            <a:spLocks noGrp="1"/>
-          </p:cNvSpPr>
-          <p:nvPr>
-            <p:ph idx="1"/>
-          </p:nvPr>
-        </p:nvSpPr>
-        <p:spPr/>
-        <p:txBody>
-          <a:bodyPr/>
-          <a:lstStyle/>
-          <a:p>
-            <a:r>
-              <a:rPr lang="en-IN" dirty="0"/>
-              <a:t>From Rule 23 and Rule 232.</a:t>
-            </a:r>
-          </a:p>
-          <a:p>
-            <a:pPr marL="0" indent="0">
-              <a:buNone/>
-            </a:pPr>
-            <a:endParaRPr lang="en-IN" dirty="0"/>
-          </a:p>
-        </p:txBody>
-      </p:sp>
-      <p:sp>
-        <p:nvSpPr>
-          <p:cNvPr id="4" name="Slide Number Placeholder 3">
-            <a:extLst>
-              <a:ext uri="{FF2B5EF4-FFF2-40B4-BE49-F238E27FC236}">
-                <a16:creationId xmlns:a16="http://schemas.microsoft.com/office/drawing/2014/main" id="{FB33BC86-DDB9-4A1D-BCDA-4EDCAEE96ACD}"/>
-              </a:ext>
-            </a:extLst>
-          </p:cNvPr>
-          <p:cNvSpPr>
-            <a:spLocks noGrp="1"/>
-          </p:cNvSpPr>
-          <p:nvPr>
-            <p:ph type="sldNum" sz="quarter" idx="12"/>
-          </p:nvPr>
-        </p:nvSpPr>
-        <p:spPr/>
-        <p:txBody>
-          <a:bodyPr/>
-          <a:lstStyle/>
-          <a:p>
-            <a:fld id="{ACA2A22D-43A3-4325-8000-B0F614F5476E}" type="slidenum">
-              <a:rPr lang="en-US" smtClean="0"/>
-              <a:pPr/>
-              <a:t>11</a:t>
-            </a:fld>
-            <a:endParaRPr lang="en-US"/>
-          </a:p>
-        </p:txBody>
-      </p:sp>
-      <p:pic>
-        <p:nvPicPr>
-          <p:cNvPr id="6" name="Picture 5">
-            <a:extLst>
-              <a:ext uri="{FF2B5EF4-FFF2-40B4-BE49-F238E27FC236}">
-                <a16:creationId xmlns:a16="http://schemas.microsoft.com/office/drawing/2014/main" id="{D9800189-2828-4FA1-A9F5-36FC70C30E00}"/>
-              </a:ext>
-            </a:extLst>
-          </p:cNvPr>
-          <p:cNvPicPr>
-            <a:picLocks noChangeAspect="1"/>
-          </p:cNvPicPr>
-          <p:nvPr/>
-        </p:nvPicPr>
-        <p:blipFill>
-          <a:blip r:embed="rId2"/>
-          <a:stretch>
-            <a:fillRect/>
-          </a:stretch>
-        </p:blipFill>
-        <p:spPr>
-          <a:xfrm>
-            <a:off x="2898081" y="1628800"/>
-            <a:ext cx="4922947" cy="4519052"/>
-          </a:xfrm>
-          <a:prstGeom prst="rect">
-            <a:avLst/>
-          </a:prstGeom>
-        </p:spPr>
-      </p:pic>
-    </p:spTree>
-    <p:extLst>
-      <p:ext uri="{BB962C8B-B14F-4D97-AF65-F5344CB8AC3E}">
-        <p14:creationId xmlns:p14="http://schemas.microsoft.com/office/powerpoint/2010/main" val="2799450002"/>
-      </p:ext>
-    </p:extLst>
-  </p:cSld>
-  <p:clrMapOvr>
-    <a:masterClrMapping/>
-  </p:clrMapOvr>
-  <mc:AlternateContent xmlns:mc="http://schemas.openxmlformats.org/markup-compatibility/2006" xmlns:p14="http://schemas.microsoft.com/office/powerpoint/2010/main">
-    <mc:Choice Requires="p14">
-      <p:transition spd="med" p14:dur="700">
-        <p:fade/>
-      </p:transition>
-    </mc:Choice>
-    <mc:Fallback xmlns="">
-      <p:transition spd="med">
-        <p:fade/>
-      </p:transition>
-    </mc:Fallback>
-  </mc:AlternateContent>
-</p:sld>
-</file>
-
-<file path=ppt/slides/slide12.xml><?xml version="1.0" encoding="utf-8"?>
-<p:sld xmlns:a="http://schemas.openxmlformats.org/drawingml/2006/main" xmlns:r="http://schemas.openxmlformats.org/officeDocument/2006/relationships" xmlns:p="http://schemas.openxmlformats.org/presentationml/2006/main">
-  <p:cSld>
-    <p:spTree>
-      <p:nvGrpSpPr>
-        <p:cNvPr id="1" name=""/>
-        <p:cNvGrpSpPr/>
-        <p:nvPr/>
-      </p:nvGrpSpPr>
-      <p:grpSpPr>
-        <a:xfrm>
-          <a:off x="0" y="0"/>
-          <a:ext cx="0" cy="0"/>
-          <a:chOff x="0" y="0"/>
-          <a:chExt cx="0" cy="0"/>
-        </a:xfrm>
-      </p:grpSpPr>
-      <p:sp>
-        <p:nvSpPr>
-          <p:cNvPr id="2" name="Title 1">
-            <a:extLst>
-              <a:ext uri="{FF2B5EF4-FFF2-40B4-BE49-F238E27FC236}">
-                <a16:creationId xmlns:a16="http://schemas.microsoft.com/office/drawing/2014/main" id="{87589BC9-1119-4918-8E45-1E9FB97EB586}"/>
-              </a:ext>
-            </a:extLst>
-          </p:cNvPr>
-          <p:cNvSpPr>
-            <a:spLocks noGrp="1"/>
-          </p:cNvSpPr>
-          <p:nvPr>
-            <p:ph type="title"/>
-          </p:nvPr>
-        </p:nvSpPr>
-        <p:spPr/>
-        <p:txBody>
-          <a:bodyPr/>
-          <a:lstStyle/>
-          <a:p>
-            <a:r>
-              <a:rPr lang="en-IN" dirty="0"/>
-              <a:t>Results</a:t>
-            </a:r>
-          </a:p>
-        </p:txBody>
-      </p:sp>
-      <p:sp>
-        <p:nvSpPr>
-          <p:cNvPr id="3" name="Content Placeholder 2">
-            <a:extLst>
-              <a:ext uri="{FF2B5EF4-FFF2-40B4-BE49-F238E27FC236}">
-                <a16:creationId xmlns:a16="http://schemas.microsoft.com/office/drawing/2014/main" id="{0D02B596-ABCF-48D3-A87C-750E0D7B0A9D}"/>
-              </a:ext>
-            </a:extLst>
-          </p:cNvPr>
-          <p:cNvSpPr>
-            <a:spLocks noGrp="1"/>
-          </p:cNvSpPr>
-          <p:nvPr>
-            <p:ph idx="1"/>
-          </p:nvPr>
-        </p:nvSpPr>
-        <p:spPr/>
-        <p:txBody>
-          <a:bodyPr/>
-          <a:lstStyle/>
-          <a:p>
-            <a:r>
-              <a:rPr lang="en-IN" dirty="0"/>
-              <a:t>From Wolfram’s rules</a:t>
-            </a:r>
-          </a:p>
-          <a:p>
-            <a:pPr marL="0" indent="0">
-              <a:buNone/>
-            </a:pPr>
-            <a:endParaRPr lang="en-IN" dirty="0"/>
-          </a:p>
-        </p:txBody>
-      </p:sp>
-      <p:sp>
-        <p:nvSpPr>
-          <p:cNvPr id="4" name="Slide Number Placeholder 3">
-            <a:extLst>
-              <a:ext uri="{FF2B5EF4-FFF2-40B4-BE49-F238E27FC236}">
-                <a16:creationId xmlns:a16="http://schemas.microsoft.com/office/drawing/2014/main" id="{8329DB29-DC3C-4C27-8E9A-9CB0FEBB09A5}"/>
-              </a:ext>
-            </a:extLst>
-          </p:cNvPr>
-          <p:cNvSpPr>
-            <a:spLocks noGrp="1"/>
-          </p:cNvSpPr>
-          <p:nvPr>
-            <p:ph type="sldNum" sz="quarter" idx="12"/>
-          </p:nvPr>
-        </p:nvSpPr>
-        <p:spPr/>
-        <p:txBody>
-          <a:bodyPr/>
-          <a:lstStyle/>
-          <a:p>
-            <a:fld id="{ACA2A22D-43A3-4325-8000-B0F614F5476E}" type="slidenum">
-              <a:rPr lang="en-US" smtClean="0"/>
-              <a:pPr/>
-              <a:t>12</a:t>
-            </a:fld>
-            <a:endParaRPr lang="en-US"/>
-          </a:p>
-        </p:txBody>
-      </p:sp>
-      <p:pic>
-        <p:nvPicPr>
-          <p:cNvPr id="6" name="Picture 5">
-            <a:extLst>
-              <a:ext uri="{FF2B5EF4-FFF2-40B4-BE49-F238E27FC236}">
-                <a16:creationId xmlns:a16="http://schemas.microsoft.com/office/drawing/2014/main" id="{5C1FB04F-F32E-4960-B3E3-EF4FDB459AE2}"/>
-              </a:ext>
-            </a:extLst>
-          </p:cNvPr>
-          <p:cNvPicPr>
-            <a:picLocks noChangeAspect="1"/>
-          </p:cNvPicPr>
-          <p:nvPr/>
-        </p:nvPicPr>
-        <p:blipFill>
-          <a:blip r:embed="rId2"/>
-          <a:stretch>
-            <a:fillRect/>
-          </a:stretch>
-        </p:blipFill>
-        <p:spPr>
-          <a:xfrm>
-            <a:off x="3082240" y="1628800"/>
-            <a:ext cx="4816257" cy="4488569"/>
-          </a:xfrm>
-          <a:prstGeom prst="rect">
-            <a:avLst/>
-          </a:prstGeom>
-        </p:spPr>
-      </p:pic>
-    </p:spTree>
-    <p:extLst>
-      <p:ext uri="{BB962C8B-B14F-4D97-AF65-F5344CB8AC3E}">
-        <p14:creationId xmlns:p14="http://schemas.microsoft.com/office/powerpoint/2010/main" val="3007552922"/>
-      </p:ext>
-    </p:extLst>
-  </p:cSld>
-  <p:clrMapOvr>
-    <a:masterClrMapping/>
-  </p:clrMapOvr>
-  <mc:AlternateContent xmlns:mc="http://schemas.openxmlformats.org/markup-compatibility/2006" xmlns:p14="http://schemas.microsoft.com/office/powerpoint/2010/main">
-    <mc:Choice Requires="p14">
-      <p:transition spd="med" p14:dur="700">
-        <p:fade/>
-      </p:transition>
-    </mc:Choice>
-    <mc:Fallback xmlns="">
-      <p:transition spd="med">
-        <p:fade/>
-      </p:transition>
-    </mc:Fallback>
-  </mc:AlternateContent>
-</p:sld>
-</file>
-
-<file path=ppt/slides/slide13.xml><?xml version="1.0" encoding="utf-8"?>
-<p:sld xmlns:a="http://schemas.openxmlformats.org/drawingml/2006/main" xmlns:r="http://schemas.openxmlformats.org/officeDocument/2006/relationships" xmlns:p="http://schemas.openxmlformats.org/presentationml/2006/main">
-  <p:cSld>
-    <p:spTree>
-      <p:nvGrpSpPr>
-        <p:cNvPr id="1" name=""/>
-        <p:cNvGrpSpPr/>
-        <p:nvPr/>
-      </p:nvGrpSpPr>
-      <p:grpSpPr>
-        <a:xfrm>
-          <a:off x="0" y="0"/>
-          <a:ext cx="0" cy="0"/>
-          <a:chOff x="0" y="0"/>
-          <a:chExt cx="0" cy="0"/>
-        </a:xfrm>
-      </p:grpSpPr>
-      <p:sp>
-        <p:nvSpPr>
-          <p:cNvPr id="2" name="Title 1">
-            <a:extLst>
-              <a:ext uri="{FF2B5EF4-FFF2-40B4-BE49-F238E27FC236}">
-                <a16:creationId xmlns:a16="http://schemas.microsoft.com/office/drawing/2014/main" id="{DE583A26-C97E-498E-A31E-7AEF8D290F4D}"/>
-              </a:ext>
-            </a:extLst>
-          </p:cNvPr>
-          <p:cNvSpPr>
-            <a:spLocks noGrp="1"/>
-          </p:cNvSpPr>
-          <p:nvPr>
-            <p:ph type="title"/>
-          </p:nvPr>
-        </p:nvSpPr>
-        <p:spPr/>
-        <p:txBody>
-          <a:bodyPr/>
-          <a:lstStyle/>
-          <a:p>
-            <a:r>
-              <a:rPr lang="en-IN" dirty="0"/>
-              <a:t>Conclusion</a:t>
-            </a:r>
-          </a:p>
-        </p:txBody>
-      </p:sp>
-      <p:sp>
-        <p:nvSpPr>
-          <p:cNvPr id="3" name="Content Placeholder 2">
-            <a:extLst>
-              <a:ext uri="{FF2B5EF4-FFF2-40B4-BE49-F238E27FC236}">
-                <a16:creationId xmlns:a16="http://schemas.microsoft.com/office/drawing/2014/main" id="{025EC8A6-6C84-49E7-A563-681B67329728}"/>
-              </a:ext>
-            </a:extLst>
-          </p:cNvPr>
-          <p:cNvSpPr>
-            <a:spLocks noGrp="1"/>
-          </p:cNvSpPr>
-          <p:nvPr>
-            <p:ph idx="1"/>
-          </p:nvPr>
-        </p:nvSpPr>
-        <p:spPr/>
-        <p:txBody>
-          <a:bodyPr/>
-          <a:lstStyle/>
-          <a:p>
-            <a:r>
-              <a:rPr lang="en-IN" dirty="0"/>
-              <a:t>The Rule 23 evolution form a hot spot in the data </a:t>
-            </a:r>
-            <a:r>
-              <a:rPr lang="en-IN" dirty="0" err="1"/>
-              <a:t>center</a:t>
-            </a:r>
-            <a:r>
-              <a:rPr lang="en-IN" dirty="0"/>
-              <a:t> by allocating VM in the location where temperature is already high.</a:t>
-            </a:r>
-          </a:p>
-          <a:p>
-            <a:r>
-              <a:rPr lang="en-IN" dirty="0"/>
-              <a:t>The Rule 232 evolution distributes the temperature in the data </a:t>
-            </a:r>
-            <a:r>
-              <a:rPr lang="en-IN" dirty="0" err="1"/>
-              <a:t>center</a:t>
-            </a:r>
-            <a:r>
-              <a:rPr lang="en-IN" dirty="0"/>
-              <a:t> by not allocating the VM in the location where temperature is already high.</a:t>
-            </a:r>
-          </a:p>
-          <a:p>
-            <a:r>
-              <a:rPr lang="en-IN" dirty="0"/>
-              <a:t>From the results we can conclude when the temperature is distributed in the data </a:t>
-            </a:r>
-            <a:r>
-              <a:rPr lang="en-IN" dirty="0" err="1"/>
-              <a:t>center</a:t>
-            </a:r>
-            <a:r>
-              <a:rPr lang="en-IN" dirty="0"/>
-              <a:t> the cooling cost of the data </a:t>
-            </a:r>
-            <a:r>
-              <a:rPr lang="en-IN" dirty="0" err="1"/>
-              <a:t>center</a:t>
-            </a:r>
-            <a:r>
-              <a:rPr lang="en-IN" dirty="0"/>
-              <a:t> reduces.</a:t>
-            </a:r>
-          </a:p>
-          <a:p>
-            <a:r>
-              <a:rPr lang="en-IN" dirty="0"/>
-              <a:t>From the results from Wolfram classification graph the order of performance is class 3 &gt; class 2 &gt; class 4 &gt; class 1. But class 3 remains in random state, so it is not possible say it is better. Therefore from results, we can say class 2 has better performance. </a:t>
-            </a:r>
-          </a:p>
-        </p:txBody>
-      </p:sp>
-      <p:sp>
-        <p:nvSpPr>
-          <p:cNvPr id="4" name="Slide Number Placeholder 3">
-            <a:extLst>
-              <a:ext uri="{FF2B5EF4-FFF2-40B4-BE49-F238E27FC236}">
-                <a16:creationId xmlns:a16="http://schemas.microsoft.com/office/drawing/2014/main" id="{BA298A0A-742A-4AF0-AE6C-E43D83736E7D}"/>
-              </a:ext>
-            </a:extLst>
-          </p:cNvPr>
-          <p:cNvSpPr>
-            <a:spLocks noGrp="1"/>
-          </p:cNvSpPr>
-          <p:nvPr>
-            <p:ph type="sldNum" sz="quarter" idx="12"/>
-          </p:nvPr>
-        </p:nvSpPr>
-        <p:spPr/>
-        <p:txBody>
-          <a:bodyPr/>
-          <a:lstStyle/>
-          <a:p>
-            <a:fld id="{ACA2A22D-43A3-4325-8000-B0F614F5476E}" type="slidenum">
-              <a:rPr lang="en-US" smtClean="0"/>
-              <a:pPr/>
-              <a:t>13</a:t>
-            </a:fld>
-            <a:endParaRPr lang="en-US"/>
-          </a:p>
-        </p:txBody>
-      </p:sp>
-    </p:spTree>
-    <p:extLst>
-      <p:ext uri="{BB962C8B-B14F-4D97-AF65-F5344CB8AC3E}">
-        <p14:creationId xmlns:p14="http://schemas.microsoft.com/office/powerpoint/2010/main" val="3211534244"/>
-      </p:ext>
-    </p:extLst>
-  </p:cSld>
-  <p:clrMapOvr>
-    <a:masterClrMapping/>
-  </p:clrMapOvr>
-  <mc:AlternateContent xmlns:mc="http://schemas.openxmlformats.org/markup-compatibility/2006" xmlns:p14="http://schemas.microsoft.com/office/powerpoint/2010/main">
-    <mc:Choice Requires="p14">
-      <p:transition spd="med" p14:dur="700">
-        <p:fade/>
-      </p:transition>
-    </mc:Choice>
-    <mc:Fallback xmlns="">
-      <p:transition spd="med">
-        <p:fade/>
-      </p:transition>
-    </mc:Fallback>
-  </mc:AlternateContent>
-</p:sld>
-</file>
-
-<file path=ppt/slides/slide14.xml><?xml version="1.0" encoding="utf-8"?>
-<p:sld xmlns:a="http://schemas.openxmlformats.org/drawingml/2006/main" xmlns:r="http://schemas.openxmlformats.org/officeDocument/2006/relationships" xmlns:p="http://schemas.openxmlformats.org/presentationml/2006/main">
-  <p:cSld>
-    <p:spTree>
-      <p:nvGrpSpPr>
-        <p:cNvPr id="1" name=""/>
-        <p:cNvGrpSpPr/>
-        <p:nvPr/>
-      </p:nvGrpSpPr>
-      <p:grpSpPr>
-        <a:xfrm>
-          <a:off x="0" y="0"/>
-          <a:ext cx="0" cy="0"/>
-          <a:chOff x="0" y="0"/>
-          <a:chExt cx="0" cy="0"/>
-        </a:xfrm>
-      </p:grpSpPr>
-      <p:sp>
-        <p:nvSpPr>
-          <p:cNvPr id="2" name="Title 1">
-            <a:extLst>
-              <a:ext uri="{FF2B5EF4-FFF2-40B4-BE49-F238E27FC236}">
-                <a16:creationId xmlns:a16="http://schemas.microsoft.com/office/drawing/2014/main" id="{017E93CF-6285-4B75-8E06-90F01C5D9061}"/>
-              </a:ext>
-            </a:extLst>
-          </p:cNvPr>
-          <p:cNvSpPr>
-            <a:spLocks noGrp="1"/>
-          </p:cNvSpPr>
-          <p:nvPr>
-            <p:ph type="title"/>
-          </p:nvPr>
-        </p:nvSpPr>
-        <p:spPr/>
-        <p:txBody>
-          <a:bodyPr/>
-          <a:lstStyle/>
-          <a:p>
-            <a:r>
-              <a:rPr lang="en-IN" dirty="0"/>
-              <a:t>Future Work</a:t>
-            </a:r>
-          </a:p>
-        </p:txBody>
-      </p:sp>
-      <p:sp>
-        <p:nvSpPr>
-          <p:cNvPr id="3" name="Content Placeholder 2">
-            <a:extLst>
-              <a:ext uri="{FF2B5EF4-FFF2-40B4-BE49-F238E27FC236}">
-                <a16:creationId xmlns:a16="http://schemas.microsoft.com/office/drawing/2014/main" id="{37DE9728-87C0-48ED-8805-AAD366DB0446}"/>
-              </a:ext>
-            </a:extLst>
-          </p:cNvPr>
-          <p:cNvSpPr>
-            <a:spLocks noGrp="1"/>
-          </p:cNvSpPr>
-          <p:nvPr>
-            <p:ph idx="1"/>
-          </p:nvPr>
-        </p:nvSpPr>
-        <p:spPr/>
-        <p:txBody>
-          <a:bodyPr/>
-          <a:lstStyle/>
-          <a:p>
-            <a:r>
-              <a:rPr lang="en-IN" dirty="0"/>
-              <a:t>Study on performance of rules from different Wolfram’s classes.</a:t>
-            </a:r>
-          </a:p>
-          <a:p>
-            <a:r>
-              <a:rPr lang="en-IN" dirty="0"/>
-              <a:t>Study on relation and performance of rules from same class.</a:t>
-            </a:r>
-          </a:p>
-          <a:p>
-            <a:r>
-              <a:rPr lang="en-IN" dirty="0"/>
-              <a:t>Comparing cellular automata resource allocation result from other related works.</a:t>
-            </a:r>
-          </a:p>
-        </p:txBody>
-      </p:sp>
-      <p:sp>
-        <p:nvSpPr>
-          <p:cNvPr id="4" name="Slide Number Placeholder 3">
-            <a:extLst>
-              <a:ext uri="{FF2B5EF4-FFF2-40B4-BE49-F238E27FC236}">
-                <a16:creationId xmlns:a16="http://schemas.microsoft.com/office/drawing/2014/main" id="{53541180-CEA0-4097-9D73-4B7563E91A34}"/>
-              </a:ext>
-            </a:extLst>
-          </p:cNvPr>
-          <p:cNvSpPr>
-            <a:spLocks noGrp="1"/>
-          </p:cNvSpPr>
-          <p:nvPr>
-            <p:ph type="sldNum" sz="quarter" idx="12"/>
-          </p:nvPr>
-        </p:nvSpPr>
-        <p:spPr/>
-        <p:txBody>
-          <a:bodyPr/>
-          <a:lstStyle/>
-          <a:p>
-            <a:fld id="{ACA2A22D-43A3-4325-8000-B0F614F5476E}" type="slidenum">
-              <a:rPr lang="en-US" smtClean="0"/>
-              <a:pPr/>
-              <a:t>14</a:t>
-            </a:fld>
-            <a:endParaRPr lang="en-US"/>
-          </a:p>
-        </p:txBody>
-      </p:sp>
-    </p:spTree>
-    <p:extLst>
-      <p:ext uri="{BB962C8B-B14F-4D97-AF65-F5344CB8AC3E}">
-        <p14:creationId xmlns:p14="http://schemas.microsoft.com/office/powerpoint/2010/main" val="4179575701"/>
-      </p:ext>
-    </p:extLst>
-  </p:cSld>
-  <p:clrMapOvr>
-    <a:masterClrMapping/>
-  </p:clrMapOvr>
-  <mc:AlternateContent xmlns:mc="http://schemas.openxmlformats.org/markup-compatibility/2006" xmlns:p14="http://schemas.microsoft.com/office/powerpoint/2010/main">
-    <mc:Choice Requires="p14">
-      <p:transition spd="med" p14:dur="700">
-        <p:fade/>
-      </p:transition>
-    </mc:Choice>
-    <mc:Fallback xmlns="">
-      <p:transition spd="med">
-        <p:fade/>
-      </p:transition>
-    </mc:Fallback>
-  </mc:AlternateContent>
-</p:sld>
-</file>
-
-<file path=ppt/slides/slide15.xml><?xml version="1.0" encoding="utf-8"?>
-<p:sld xmlns:a="http://schemas.openxmlformats.org/drawingml/2006/main" xmlns:r="http://schemas.openxmlformats.org/officeDocument/2006/relationships" xmlns:p="http://schemas.openxmlformats.org/presentationml/2006/main">
-  <p:cSld>
-    <p:spTree>
-      <p:nvGrpSpPr>
-        <p:cNvPr id="1" name=""/>
-        <p:cNvGrpSpPr/>
-        <p:nvPr/>
-      </p:nvGrpSpPr>
-      <p:grpSpPr>
-        <a:xfrm>
-          <a:off x="0" y="0"/>
-          <a:ext cx="0" cy="0"/>
-          <a:chOff x="0" y="0"/>
-          <a:chExt cx="0" cy="0"/>
-        </a:xfrm>
-      </p:grpSpPr>
-      <p:sp>
-        <p:nvSpPr>
-          <p:cNvPr id="2" name="Title 1">
-            <a:extLst>
-              <a:ext uri="{FF2B5EF4-FFF2-40B4-BE49-F238E27FC236}">
-                <a16:creationId xmlns:a16="http://schemas.microsoft.com/office/drawing/2014/main" id="{47145846-815A-4594-B619-EC7AB2BA8800}"/>
-              </a:ext>
-            </a:extLst>
-          </p:cNvPr>
-          <p:cNvSpPr>
-            <a:spLocks noGrp="1"/>
-          </p:cNvSpPr>
-          <p:nvPr>
-            <p:ph type="title"/>
-          </p:nvPr>
-        </p:nvSpPr>
-        <p:spPr/>
-        <p:txBody>
-          <a:bodyPr/>
-          <a:lstStyle/>
-          <a:p>
-            <a:r>
-              <a:rPr lang="en-IN" dirty="0"/>
-              <a:t>References</a:t>
-            </a:r>
-          </a:p>
-        </p:txBody>
-      </p:sp>
-      <p:sp>
-        <p:nvSpPr>
-          <p:cNvPr id="3" name="Content Placeholder 2">
-            <a:extLst>
-              <a:ext uri="{FF2B5EF4-FFF2-40B4-BE49-F238E27FC236}">
-                <a16:creationId xmlns:a16="http://schemas.microsoft.com/office/drawing/2014/main" id="{94D2C21C-D7DF-41EB-AE9D-DC34467702C3}"/>
-              </a:ext>
-            </a:extLst>
-          </p:cNvPr>
-          <p:cNvSpPr>
-            <a:spLocks noGrp="1"/>
-          </p:cNvSpPr>
-          <p:nvPr>
-            <p:ph idx="1"/>
-          </p:nvPr>
-        </p:nvSpPr>
-        <p:spPr/>
-        <p:txBody>
-          <a:bodyPr/>
-          <a:lstStyle/>
-          <a:p>
-            <a:pPr algn="l"/>
-            <a:r>
-              <a:rPr lang="en-IN" sz="1800" b="0" i="0" u="none" strike="noStrike" baseline="0" dirty="0">
-                <a:latin typeface="TeXGyreTermesX-Regular"/>
-              </a:rPr>
-              <a:t>V. D. Reddy, B. </a:t>
-            </a:r>
-            <a:r>
-              <a:rPr lang="en-IN" sz="1800" b="0" i="0" u="none" strike="noStrike" baseline="0" dirty="0" err="1">
-                <a:latin typeface="TeXGyreTermesX-Regular"/>
-              </a:rPr>
-              <a:t>Setz</a:t>
-            </a:r>
-            <a:r>
-              <a:rPr lang="en-IN" sz="1800" b="0" i="0" u="none" strike="noStrike" baseline="0" dirty="0">
-                <a:latin typeface="TeXGyreTermesX-Regular"/>
-              </a:rPr>
-              <a:t>, G. S. V. R. K. Rao, G. R. </a:t>
-            </a:r>
-            <a:r>
-              <a:rPr lang="en-IN" sz="1800" b="0" i="0" u="none" strike="noStrike" baseline="0" dirty="0" err="1">
-                <a:latin typeface="TeXGyreTermesX-Regular"/>
-              </a:rPr>
-              <a:t>Gangadharan</a:t>
-            </a:r>
-            <a:r>
-              <a:rPr lang="en-IN" sz="1800" b="0" i="0" u="none" strike="noStrike" baseline="0" dirty="0">
-                <a:latin typeface="TeXGyreTermesX-Regular"/>
-              </a:rPr>
-              <a:t> and M. Aiello, "Metrics for Sustainable Data </a:t>
-            </a:r>
-            <a:r>
-              <a:rPr lang="en-IN" sz="1800" b="0" i="0" u="none" strike="noStrike" baseline="0" dirty="0" err="1">
-                <a:latin typeface="TeXGyreTermesX-Regular"/>
-              </a:rPr>
-              <a:t>Centers</a:t>
-            </a:r>
-            <a:r>
-              <a:rPr lang="en-IN" sz="1800" b="0" i="0" u="none" strike="noStrike" baseline="0" dirty="0">
-                <a:latin typeface="TeXGyreTermesX-Regular"/>
-              </a:rPr>
-              <a:t>," in IEEE Transactions on Sustainable Computing, vol. 2, no. 3, pp. 290-303, 1 July-Sept. 2017, </a:t>
-            </a:r>
-            <a:r>
-              <a:rPr lang="en-IN" sz="1800" b="0" i="0" u="none" strike="noStrike" baseline="0" dirty="0" err="1">
-                <a:latin typeface="TeXGyreTermesX-Regular"/>
-              </a:rPr>
-              <a:t>doi</a:t>
-            </a:r>
-            <a:r>
-              <a:rPr lang="en-IN" sz="1800" b="0" i="0" u="none" strike="noStrike" baseline="0" dirty="0">
-                <a:latin typeface="TeXGyreTermesX-Regular"/>
-              </a:rPr>
-              <a:t>: 10.1109/TSUSC.2017.2701883.</a:t>
-            </a:r>
-          </a:p>
-          <a:p>
-            <a:pPr algn="l"/>
-            <a:r>
-              <a:rPr lang="en-IN" sz="1800" b="0" i="0" u="none" strike="noStrike" baseline="0" dirty="0">
-                <a:latin typeface="TeXGyreTermesX-Regular"/>
-              </a:rPr>
-              <a:t>Goyal, </a:t>
-            </a:r>
-            <a:r>
-              <a:rPr lang="en-IN" sz="1800" b="0" i="0" u="none" strike="noStrike" baseline="0" dirty="0" err="1">
-                <a:latin typeface="TeXGyreTermesX-Regular"/>
-              </a:rPr>
-              <a:t>Tarun</a:t>
-            </a:r>
-            <a:r>
-              <a:rPr lang="en-IN" sz="1800" b="0" i="0" u="none" strike="noStrike" baseline="0" dirty="0">
-                <a:latin typeface="TeXGyreTermesX-Regular"/>
-              </a:rPr>
-              <a:t> Singh, </a:t>
-            </a:r>
-            <a:r>
-              <a:rPr lang="en-IN" sz="1800" b="0" i="0" u="none" strike="noStrike" baseline="0" dirty="0" err="1">
-                <a:latin typeface="TeXGyreTermesX-Regular"/>
-              </a:rPr>
-              <a:t>Ajit</a:t>
-            </a:r>
-            <a:r>
-              <a:rPr lang="en-IN" sz="1800" b="0" i="0" u="none" strike="noStrike" baseline="0" dirty="0">
-                <a:latin typeface="TeXGyreTermesX-Regular"/>
-              </a:rPr>
-              <a:t> Agrawal, </a:t>
-            </a:r>
-            <a:r>
-              <a:rPr lang="en-IN" sz="1800" b="0" i="0" u="none" strike="noStrike" baseline="0" dirty="0" err="1">
-                <a:latin typeface="TeXGyreTermesX-Regular"/>
-              </a:rPr>
-              <a:t>Aakanksha</a:t>
-            </a:r>
-            <a:r>
-              <a:rPr lang="en-IN" sz="1800" b="0" i="0" u="none" strike="noStrike" baseline="0" dirty="0">
-                <a:latin typeface="TeXGyreTermesX-Regular"/>
-              </a:rPr>
-              <a:t>. (2012). </a:t>
-            </a:r>
-            <a:r>
-              <a:rPr lang="en-IN" sz="1800" b="0" i="0" u="none" strike="noStrike" baseline="0" dirty="0" err="1">
-                <a:latin typeface="TeXGyreTermesX-Regular"/>
-              </a:rPr>
-              <a:t>Cloudsim</a:t>
-            </a:r>
-            <a:r>
-              <a:rPr lang="en-IN" sz="1800" b="0" i="0" u="none" strike="noStrike" baseline="0" dirty="0">
-                <a:latin typeface="TeXGyreTermesX-Regular"/>
-              </a:rPr>
-              <a:t>: Simulator for</a:t>
-            </a:r>
-            <a:r>
-              <a:rPr lang="en-US" sz="1800" b="0" i="0" u="none" strike="noStrike" baseline="0" dirty="0">
-                <a:latin typeface="TeXGyreTermesX-Regular"/>
-              </a:rPr>
-              <a:t>cloud computing infrastructure and modeling. Procedia Engineering. 38. 3566-3572.</a:t>
-            </a:r>
-            <a:r>
-              <a:rPr lang="en-IN" sz="1800" b="0" i="0" u="none" strike="noStrike" baseline="0" dirty="0">
-                <a:latin typeface="TeXGyreTermesX-Regular"/>
-              </a:rPr>
-              <a:t>10.1016/j.proeng.2012.06.412.</a:t>
-            </a:r>
-          </a:p>
-          <a:p>
-            <a:pPr algn="l"/>
-            <a:r>
-              <a:rPr lang="en-US" sz="1800" b="0" i="0" u="none" strike="noStrike" baseline="0" dirty="0">
-                <a:latin typeface="TeXGyreTermesX-Regular"/>
-              </a:rPr>
-              <a:t>Q. Tang, S. K. S. Gupta and G. </a:t>
-            </a:r>
-            <a:r>
-              <a:rPr lang="en-US" sz="1800" b="0" i="0" u="none" strike="noStrike" baseline="0" dirty="0" err="1">
-                <a:latin typeface="TeXGyreTermesX-Regular"/>
-              </a:rPr>
-              <a:t>Varsamopoulos</a:t>
-            </a:r>
-            <a:r>
-              <a:rPr lang="en-US" sz="1800" b="0" i="0" u="none" strike="noStrike" baseline="0" dirty="0">
-                <a:latin typeface="TeXGyreTermesX-Regular"/>
-              </a:rPr>
-              <a:t>, "Thermal-aware task scheduling for data centers through minimizing heat recirculation,"2007 IEEE International Conference on Cluster Computing, Austin, TX, 2007, pp. 129-138, </a:t>
-            </a:r>
-            <a:r>
-              <a:rPr lang="en-US" sz="1800" b="0" i="0" u="none" strike="noStrike" baseline="0" dirty="0" err="1">
-                <a:latin typeface="TeXGyreTermesX-Regular"/>
-              </a:rPr>
-              <a:t>doi</a:t>
-            </a:r>
-            <a:r>
-              <a:rPr lang="en-US" sz="1800" b="0" i="0" u="none" strike="noStrike" baseline="0" dirty="0">
-                <a:latin typeface="TeXGyreTermesX-Regular"/>
-              </a:rPr>
-              <a:t>: 10.1109/CLUSTR.2007.4629225.</a:t>
-            </a:r>
-          </a:p>
-          <a:p>
-            <a:pPr algn="l"/>
-            <a:r>
-              <a:rPr lang="en-IN" sz="1800" b="0" i="0" u="none" strike="noStrike" baseline="0" dirty="0" err="1">
-                <a:latin typeface="TeXGyreTermesX-Regular"/>
-              </a:rPr>
-              <a:t>Mhedheb</a:t>
-            </a:r>
-            <a:r>
-              <a:rPr lang="en-IN" sz="1800" b="0" i="0" u="none" strike="noStrike" baseline="0" dirty="0">
-                <a:latin typeface="TeXGyreTermesX-Regular"/>
-              </a:rPr>
-              <a:t> Y., </a:t>
-            </a:r>
-            <a:r>
-              <a:rPr lang="en-IN" sz="1800" b="0" i="0" u="none" strike="noStrike" baseline="0" dirty="0" err="1">
-                <a:latin typeface="TeXGyreTermesX-Regular"/>
-              </a:rPr>
-              <a:t>Jrad</a:t>
-            </a:r>
-            <a:r>
-              <a:rPr lang="en-IN" sz="1800" b="0" i="0" u="none" strike="noStrike" baseline="0" dirty="0">
-                <a:latin typeface="TeXGyreTermesX-Regular"/>
-              </a:rPr>
-              <a:t> F., Tao J., Zhao J., </a:t>
-            </a:r>
-            <a:r>
-              <a:rPr lang="en-IN" sz="1800" b="0" i="0" u="none" strike="noStrike" baseline="0" dirty="0" err="1">
-                <a:latin typeface="TeXGyreTermesX-Regular"/>
-              </a:rPr>
-              <a:t>Kołodziej</a:t>
-            </a:r>
-            <a:r>
-              <a:rPr lang="en-IN" sz="1800" b="0" i="0" u="none" strike="noStrike" baseline="0" dirty="0">
-                <a:latin typeface="TeXGyreTermesX-Regular"/>
-              </a:rPr>
-              <a:t> J., </a:t>
-            </a:r>
-            <a:r>
-              <a:rPr lang="en-IN" sz="1800" b="0" i="0" u="none" strike="noStrike" baseline="0" dirty="0" err="1">
-                <a:latin typeface="TeXGyreTermesX-Regular"/>
-              </a:rPr>
-              <a:t>Streit</a:t>
-            </a:r>
-            <a:r>
-              <a:rPr lang="en-IN" sz="1800" b="0" i="0" u="none" strike="noStrike" baseline="0" dirty="0">
-                <a:latin typeface="TeXGyreTermesX-Regular"/>
-              </a:rPr>
-              <a:t> A. (2013) Load and Thermal-</a:t>
-            </a:r>
-            <a:r>
-              <a:rPr lang="en-IN" sz="1800" b="0" i="0" u="none" strike="noStrike" baseline="0" dirty="0" err="1">
-                <a:latin typeface="TeXGyreTermesX-Regular"/>
-              </a:rPr>
-              <a:t>AwareVM</a:t>
-            </a:r>
-            <a:r>
-              <a:rPr lang="en-IN" sz="1800" dirty="0">
-                <a:latin typeface="TeXGyreTermesX-Regular"/>
-              </a:rPr>
-              <a:t> </a:t>
-            </a:r>
-            <a:r>
-              <a:rPr lang="en-IN" sz="1800" b="0" i="0" u="none" strike="noStrike" baseline="0" dirty="0">
-                <a:latin typeface="TeXGyreTermesX-Regular"/>
-              </a:rPr>
-              <a:t>Scheduling on the Cloud. In: </a:t>
-            </a:r>
-            <a:r>
-              <a:rPr lang="en-IN" sz="1800" b="0" i="0" u="none" strike="noStrike" baseline="0" dirty="0" err="1">
-                <a:latin typeface="TeXGyreTermesX-Regular"/>
-              </a:rPr>
-              <a:t>Kołodziej</a:t>
-            </a:r>
-            <a:r>
-              <a:rPr lang="en-IN" sz="1800" b="0" i="0" u="none" strike="noStrike" baseline="0" dirty="0">
-                <a:latin typeface="TeXGyreTermesX-Regular"/>
-              </a:rPr>
-              <a:t> J., Di Martino B., Talia D., </a:t>
-            </a:r>
-            <a:r>
-              <a:rPr lang="en-IN" sz="1800" b="0" i="0" u="none" strike="noStrike" baseline="0" dirty="0" err="1">
-                <a:latin typeface="TeXGyreTermesX-Regular"/>
-              </a:rPr>
-              <a:t>Xiong</a:t>
-            </a:r>
-            <a:r>
-              <a:rPr lang="en-IN" sz="1800" b="0" i="0" u="none" strike="noStrike" baseline="0" dirty="0">
-                <a:latin typeface="TeXGyreTermesX-Regular"/>
-              </a:rPr>
-              <a:t> K. (eds) Algorithms </a:t>
-            </a:r>
-            <a:r>
-              <a:rPr lang="en-US" sz="1800" b="0" i="0" u="none" strike="noStrike" baseline="0" dirty="0">
-                <a:latin typeface="TeXGyreTermesX-Regular"/>
-              </a:rPr>
-              <a:t>and Architectures for Parallel Processing. ICA3PP 2013. Lecture Notes in Computer Science, </a:t>
-            </a:r>
-            <a:r>
-              <a:rPr lang="en-IN" sz="1800" b="0" i="0" u="none" strike="noStrike" baseline="0" dirty="0">
-                <a:latin typeface="TeXGyreTermesX-Regular"/>
-              </a:rPr>
-              <a:t>vol 8285. Springer, Cham. </a:t>
-            </a:r>
-            <a:r>
-              <a:rPr lang="en-IN" sz="1800" b="0" i="0" u="none" strike="noStrike" baseline="0" dirty="0">
-                <a:latin typeface="TeXGyreTermesX-Regular"/>
-                <a:hlinkClick r:id="rId3"/>
-              </a:rPr>
-              <a:t>https://doi.org/10.1007/978-3-319-03859-9_8</a:t>
-            </a:r>
-            <a:r>
-              <a:rPr lang="en-IN" sz="1800" b="0" i="0" u="none" strike="noStrike" baseline="0" dirty="0">
-                <a:latin typeface="TeXGyreTermesX-Regular"/>
-              </a:rPr>
-              <a:t>.</a:t>
-            </a:r>
-          </a:p>
-          <a:p>
-            <a:r>
-              <a:rPr lang="en-IN" sz="1800" b="0" i="0" u="none" strike="noStrike" baseline="0" dirty="0">
-                <a:latin typeface="TeXGyreTermesX-Regular"/>
-              </a:rPr>
-              <a:t>Dinesh Reddy, V., </a:t>
-            </a:r>
-            <a:r>
-              <a:rPr lang="en-IN" sz="1800" b="0" i="0" u="none" strike="noStrike" baseline="0" dirty="0" err="1">
-                <a:latin typeface="TeXGyreTermesX-Regular"/>
-              </a:rPr>
-              <a:t>Gangadharan</a:t>
-            </a:r>
-            <a:r>
-              <a:rPr lang="en-IN" sz="1800" b="0" i="0" u="none" strike="noStrike" baseline="0" dirty="0">
-                <a:latin typeface="TeXGyreTermesX-Regular"/>
-              </a:rPr>
-              <a:t>, G.R. Rao, G.S.V.R.K. Energy-aware virtual machine </a:t>
-            </a:r>
-            <a:r>
-              <a:rPr lang="en-US" sz="1800" b="0" i="0" u="none" strike="noStrike" baseline="0" dirty="0">
-                <a:latin typeface="TeXGyreTermesX-Regular"/>
-              </a:rPr>
-              <a:t>allocation and selection in cloud data centers. Soft </a:t>
-            </a:r>
-            <a:r>
-              <a:rPr lang="en-US" sz="1800" b="0" i="0" u="none" strike="noStrike" baseline="0" dirty="0" err="1">
-                <a:latin typeface="TeXGyreTermesX-Regular"/>
-              </a:rPr>
-              <a:t>Comput</a:t>
-            </a:r>
-            <a:r>
-              <a:rPr lang="en-US" sz="1800" b="0" i="0" u="none" strike="noStrike" baseline="0" dirty="0">
-                <a:latin typeface="TeXGyreTermesX-Regular"/>
-              </a:rPr>
-              <a:t> 23, 1917–1932 (2019). </a:t>
-            </a:r>
-            <a:r>
-              <a:rPr lang="en-IN" sz="1800" b="0" i="0" u="none" strike="noStrike" baseline="0" dirty="0">
-                <a:latin typeface="TeXGyreTermesX-Regular"/>
-              </a:rPr>
-              <a:t>https://doi.org/10.1007/s00500-017-2905-z.</a:t>
-            </a:r>
-          </a:p>
-          <a:p>
-            <a:pPr algn="l"/>
-            <a:endParaRPr lang="en-IN" sz="1800" b="0" i="0" u="none" strike="noStrike" baseline="0" dirty="0">
-              <a:latin typeface="TeXGyreTermesX-Regular"/>
-            </a:endParaRPr>
-          </a:p>
-        </p:txBody>
-      </p:sp>
-      <p:sp>
-        <p:nvSpPr>
-          <p:cNvPr id="4" name="Slide Number Placeholder 3">
-            <a:extLst>
-              <a:ext uri="{FF2B5EF4-FFF2-40B4-BE49-F238E27FC236}">
-                <a16:creationId xmlns:a16="http://schemas.microsoft.com/office/drawing/2014/main" id="{AD420248-C34E-47DB-9522-95D9ED54323D}"/>
-              </a:ext>
-            </a:extLst>
-          </p:cNvPr>
-          <p:cNvSpPr>
-            <a:spLocks noGrp="1"/>
-          </p:cNvSpPr>
-          <p:nvPr>
-            <p:ph type="sldNum" sz="quarter" idx="12"/>
-          </p:nvPr>
-        </p:nvSpPr>
-        <p:spPr/>
-        <p:txBody>
-          <a:bodyPr/>
-          <a:lstStyle/>
-          <a:p>
-            <a:fld id="{ACA2A22D-43A3-4325-8000-B0F614F5476E}" type="slidenum">
-              <a:rPr lang="en-US" smtClean="0"/>
-              <a:pPr/>
-              <a:t>15</a:t>
-            </a:fld>
-            <a:endParaRPr lang="en-US"/>
-          </a:p>
-        </p:txBody>
-      </p:sp>
-    </p:spTree>
-    <p:extLst>
-      <p:ext uri="{BB962C8B-B14F-4D97-AF65-F5344CB8AC3E}">
-        <p14:creationId xmlns:p14="http://schemas.microsoft.com/office/powerpoint/2010/main" val="2199242433"/>
-      </p:ext>
-    </p:extLst>
-  </p:cSld>
-  <p:clrMapOvr>
-    <a:masterClrMapping/>
-  </p:clrMapOvr>
-  <mc:AlternateContent xmlns:mc="http://schemas.openxmlformats.org/markup-compatibility/2006" xmlns:p14="http://schemas.microsoft.com/office/powerpoint/2010/main">
-    <mc:Choice Requires="p14">
-      <p:transition spd="med" p14:dur="700">
-        <p:fade/>
-      </p:transition>
-    </mc:Choice>
-    <mc:Fallback xmlns="">
-      <p:transition spd="med">
-        <p:fade/>
-      </p:transition>
-    </mc:Fallback>
-  </mc:AlternateContent>
-</p:sld>
-</file>
-
-<file path=ppt/slides/slide16.xml><?xml version="1.0" encoding="utf-8"?>
-<p:sld xmlns:a="http://schemas.openxmlformats.org/drawingml/2006/main" xmlns:r="http://schemas.openxmlformats.org/officeDocument/2006/relationships" xmlns:p="http://schemas.openxmlformats.org/presentationml/2006/main">
-  <p:cSld>
-    <p:spTree>
-      <p:nvGrpSpPr>
-        <p:cNvPr id="1" name=""/>
-        <p:cNvGrpSpPr/>
-        <p:nvPr/>
-      </p:nvGrpSpPr>
-      <p:grpSpPr>
-        <a:xfrm>
-          <a:off x="0" y="0"/>
-          <a:ext cx="0" cy="0"/>
-          <a:chOff x="0" y="0"/>
-          <a:chExt cx="0" cy="0"/>
-        </a:xfrm>
-      </p:grpSpPr>
-      <p:sp>
-        <p:nvSpPr>
-          <p:cNvPr id="2" name="Title 1">
-            <a:extLst>
-              <a:ext uri="{FF2B5EF4-FFF2-40B4-BE49-F238E27FC236}">
-                <a16:creationId xmlns:a16="http://schemas.microsoft.com/office/drawing/2014/main" id="{5C7E21CC-72F4-4356-A602-8A3506C3C7D3}"/>
-              </a:ext>
-            </a:extLst>
-          </p:cNvPr>
-          <p:cNvSpPr>
-            <a:spLocks noGrp="1"/>
-          </p:cNvSpPr>
-          <p:nvPr>
-            <p:ph type="title"/>
-          </p:nvPr>
-        </p:nvSpPr>
-        <p:spPr/>
-        <p:txBody>
-          <a:bodyPr/>
-          <a:lstStyle/>
-          <a:p>
-            <a:r>
-              <a:rPr lang="en-IN" dirty="0"/>
-              <a:t>References</a:t>
-            </a:r>
-          </a:p>
-        </p:txBody>
-      </p:sp>
-      <p:sp>
-        <p:nvSpPr>
-          <p:cNvPr id="3" name="Content Placeholder 2">
-            <a:extLst>
-              <a:ext uri="{FF2B5EF4-FFF2-40B4-BE49-F238E27FC236}">
-                <a16:creationId xmlns:a16="http://schemas.microsoft.com/office/drawing/2014/main" id="{B1CB3336-25F0-45C4-8648-A7488A880F33}"/>
-              </a:ext>
-            </a:extLst>
-          </p:cNvPr>
-          <p:cNvSpPr>
-            <a:spLocks noGrp="1"/>
-          </p:cNvSpPr>
-          <p:nvPr>
-            <p:ph idx="1"/>
-          </p:nvPr>
-        </p:nvSpPr>
-        <p:spPr/>
-        <p:txBody>
-          <a:bodyPr/>
-          <a:lstStyle/>
-          <a:p>
-            <a:pPr algn="l"/>
-            <a:r>
-              <a:rPr lang="en-IN" sz="1800" b="0" i="0" u="none" strike="noStrike" baseline="0" dirty="0" err="1">
-                <a:latin typeface="TeXGyreTermesX-Regular"/>
-              </a:rPr>
-              <a:t>Sukhpal</a:t>
-            </a:r>
-            <a:r>
-              <a:rPr lang="en-IN" sz="1800" b="0" i="0" u="none" strike="noStrike" baseline="0" dirty="0">
-                <a:latin typeface="TeXGyreTermesX-Regular"/>
-              </a:rPr>
-              <a:t> Singh Gill, </a:t>
-            </a:r>
-            <a:r>
-              <a:rPr lang="en-IN" sz="1800" b="0" i="0" u="none" strike="noStrike" baseline="0" dirty="0" err="1">
-                <a:latin typeface="TeXGyreTermesX-Regular"/>
-              </a:rPr>
-              <a:t>Shreshth</a:t>
-            </a:r>
-            <a:r>
-              <a:rPr lang="en-IN" sz="1800" b="0" i="0" u="none" strike="noStrike" baseline="0" dirty="0">
-                <a:latin typeface="TeXGyreTermesX-Regular"/>
-              </a:rPr>
-              <a:t> Tuli, Adel </a:t>
-            </a:r>
-            <a:r>
-              <a:rPr lang="en-IN" sz="1800" b="0" i="0" u="none" strike="noStrike" baseline="0" dirty="0" err="1">
-                <a:latin typeface="TeXGyreTermesX-Regular"/>
-              </a:rPr>
-              <a:t>Nadjaran</a:t>
-            </a:r>
-            <a:r>
-              <a:rPr lang="en-IN" sz="1800" b="0" i="0" u="none" strike="noStrike" baseline="0" dirty="0">
-                <a:latin typeface="TeXGyreTermesX-Regular"/>
-              </a:rPr>
-              <a:t> </a:t>
-            </a:r>
-            <a:r>
-              <a:rPr lang="en-IN" sz="1800" b="0" i="0" u="none" strike="noStrike" baseline="0" dirty="0" err="1">
-                <a:latin typeface="TeXGyreTermesX-Regular"/>
-              </a:rPr>
-              <a:t>Toosi</a:t>
-            </a:r>
-            <a:r>
-              <a:rPr lang="en-IN" sz="1800" b="0" i="0" u="none" strike="noStrike" baseline="0" dirty="0">
-                <a:latin typeface="TeXGyreTermesX-Regular"/>
-              </a:rPr>
-              <a:t>, Felix </a:t>
-            </a:r>
-            <a:r>
-              <a:rPr lang="en-IN" sz="1800" b="0" i="0" u="none" strike="noStrike" baseline="0" dirty="0" err="1">
-                <a:latin typeface="TeXGyreTermesX-Regular"/>
-              </a:rPr>
-              <a:t>Cuadrado</a:t>
-            </a:r>
-            <a:r>
-              <a:rPr lang="en-IN" sz="1800" b="0" i="0" u="none" strike="noStrike" baseline="0" dirty="0">
-                <a:latin typeface="TeXGyreTermesX-Regular"/>
-              </a:rPr>
-              <a:t>, Peter </a:t>
-            </a:r>
-            <a:r>
-              <a:rPr lang="en-IN" sz="1800" b="0" i="0" u="none" strike="noStrike" baseline="0" dirty="0" err="1">
-                <a:latin typeface="TeXGyreTermesX-Regular"/>
-              </a:rPr>
-              <a:t>Garraghan</a:t>
-            </a:r>
-            <a:r>
-              <a:rPr lang="en-IN" sz="1800" b="0" i="0" u="none" strike="noStrike" baseline="0" dirty="0">
-                <a:latin typeface="TeXGyreTermesX-Regular"/>
-              </a:rPr>
-              <a:t>, Rami </a:t>
-            </a:r>
-            <a:r>
-              <a:rPr lang="en-IN" sz="1800" b="0" i="0" u="none" strike="noStrike" baseline="0" dirty="0" err="1">
-                <a:latin typeface="TeXGyreTermesX-Regular"/>
-              </a:rPr>
-              <a:t>Bahsoon</a:t>
-            </a:r>
-            <a:r>
-              <a:rPr lang="en-IN" sz="1800" b="0" i="0" u="none" strike="noStrike" baseline="0" dirty="0">
-                <a:latin typeface="TeXGyreTermesX-Regular"/>
-              </a:rPr>
-              <a:t>, Hanan </a:t>
-            </a:r>
-            <a:r>
-              <a:rPr lang="en-IN" sz="1800" b="0" i="0" u="none" strike="noStrike" baseline="0" dirty="0" err="1">
-                <a:latin typeface="TeXGyreTermesX-Regular"/>
-              </a:rPr>
-              <a:t>Lutfiyya</a:t>
-            </a:r>
-            <a:r>
-              <a:rPr lang="en-IN" sz="1800" b="0" i="0" u="none" strike="noStrike" baseline="0" dirty="0">
-                <a:latin typeface="TeXGyreTermesX-Regular"/>
-              </a:rPr>
-              <a:t>, </a:t>
-            </a:r>
-            <a:r>
-              <a:rPr lang="en-IN" sz="1800" b="0" i="0" u="none" strike="noStrike" baseline="0" dirty="0" err="1">
-                <a:latin typeface="TeXGyreTermesX-Regular"/>
-              </a:rPr>
-              <a:t>Rizos</a:t>
-            </a:r>
-            <a:r>
-              <a:rPr lang="en-IN" sz="1800" b="0" i="0" u="none" strike="noStrike" baseline="0" dirty="0">
-                <a:latin typeface="TeXGyreTermesX-Regular"/>
-              </a:rPr>
-              <a:t> </a:t>
-            </a:r>
-            <a:r>
-              <a:rPr lang="en-IN" sz="1800" b="0" i="0" u="none" strike="noStrike" baseline="0" dirty="0" err="1">
-                <a:latin typeface="TeXGyreTermesX-Regular"/>
-              </a:rPr>
-              <a:t>Sakellariou</a:t>
-            </a:r>
-            <a:r>
-              <a:rPr lang="en-IN" sz="1800" b="0" i="0" u="none" strike="noStrike" baseline="0" dirty="0">
-                <a:latin typeface="TeXGyreTermesX-Regular"/>
-              </a:rPr>
-              <a:t>, Omer Rana, </a:t>
-            </a:r>
-            <a:r>
-              <a:rPr lang="en-IN" sz="1800" b="0" i="0" u="none" strike="noStrike" baseline="0" dirty="0" err="1">
-                <a:latin typeface="TeXGyreTermesX-Regular"/>
-              </a:rPr>
-              <a:t>Schahram</a:t>
-            </a:r>
-            <a:r>
-              <a:rPr lang="en-IN" sz="1800" b="0" i="0" u="none" strike="noStrike" baseline="0" dirty="0">
-                <a:latin typeface="TeXGyreTermesX-Regular"/>
-              </a:rPr>
-              <a:t> </a:t>
-            </a:r>
-            <a:r>
-              <a:rPr lang="en-IN" sz="1800" b="0" i="0" u="none" strike="noStrike" baseline="0" dirty="0" err="1">
-                <a:latin typeface="TeXGyreTermesX-Regular"/>
-              </a:rPr>
-              <a:t>Dustdar</a:t>
-            </a:r>
-            <a:r>
-              <a:rPr lang="en-IN" sz="1800" b="0" i="0" u="none" strike="noStrike" baseline="0" dirty="0">
-                <a:latin typeface="TeXGyreTermesX-Regular"/>
-              </a:rPr>
-              <a:t>, Rajkumar </a:t>
-            </a:r>
-            <a:r>
-              <a:rPr lang="en-IN" sz="1800" b="0" i="0" u="none" strike="noStrike" baseline="0" dirty="0" err="1">
-                <a:latin typeface="TeXGyreTermesX-Regular"/>
-              </a:rPr>
-              <a:t>Buyya</a:t>
-            </a:r>
-            <a:r>
-              <a:rPr lang="en-IN" sz="1800" b="0" i="0" u="none" strike="noStrike" baseline="0" dirty="0">
-                <a:latin typeface="TeXGyreTermesX-Regular"/>
-              </a:rPr>
-              <a:t>, </a:t>
-            </a:r>
-            <a:r>
-              <a:rPr lang="en-US" sz="1800" b="0" i="0" u="none" strike="noStrike" baseline="0" dirty="0" err="1">
-                <a:latin typeface="TeXGyreTermesX-Regular"/>
-              </a:rPr>
-              <a:t>ThermoSim</a:t>
-            </a:r>
-            <a:r>
-              <a:rPr lang="en-US" sz="1800" b="0" i="0" u="none" strike="noStrike" baseline="0" dirty="0">
-                <a:latin typeface="TeXGyreTermesX-Regular"/>
-              </a:rPr>
-              <a:t>: Deep learning based framework for modeling and simulation of thermal-aware resource management for cloud computing environments, Journal of Systems and Software, </a:t>
-            </a:r>
-            <a:r>
-              <a:rPr lang="en-IN" sz="1800" b="0" i="0" u="none" strike="noStrike" baseline="0" dirty="0">
-                <a:latin typeface="TeXGyreTermesX-Regular"/>
-              </a:rPr>
-              <a:t>Volume 166, 2020, 110596, ISSN 0164-1212, </a:t>
-            </a:r>
-            <a:r>
-              <a:rPr lang="en-IN" sz="1800" b="0" i="0" u="none" strike="noStrike" baseline="0" dirty="0">
-                <a:latin typeface="TeXGyreTermesX-Regular"/>
-                <a:hlinkClick r:id="rId3"/>
-              </a:rPr>
-              <a:t>https://doi.org/10.1016/j.jss.2020.110596</a:t>
-            </a:r>
-            <a:r>
-              <a:rPr lang="en-IN" sz="1800" b="0" i="0" u="none" strike="noStrike" baseline="0" dirty="0">
-                <a:latin typeface="TeXGyreTermesX-Regular"/>
-              </a:rPr>
-              <a:t>. (</a:t>
-            </a:r>
-            <a:r>
-              <a:rPr lang="en-IN" sz="1800" b="0" i="0" u="none" strike="noStrike" baseline="0" dirty="0">
-                <a:latin typeface="TeXGyreTermesX-Regular"/>
-                <a:hlinkClick r:id="rId4"/>
-              </a:rPr>
-              <a:t>http://www.sciencedirect.com/science/article/pii/S0164121220300753</a:t>
-            </a:r>
-            <a:r>
-              <a:rPr lang="en-IN" sz="1800" b="0" i="0" u="none" strike="noStrike" baseline="0" dirty="0">
-                <a:latin typeface="TeXGyreTermesX-Regular"/>
-              </a:rPr>
-              <a:t>).</a:t>
-            </a:r>
-          </a:p>
-          <a:p>
-            <a:pPr algn="l"/>
-            <a:r>
-              <a:rPr lang="en-US" sz="1800" b="0" i="0" u="none" strike="noStrike" baseline="0" dirty="0">
-                <a:latin typeface="TeXGyreTermesX-Regular"/>
-              </a:rPr>
-              <a:t>Z. Chen, J. Hu and G. Min, "Learning-Based Resource Allocation in Cloud Data Center using</a:t>
-            </a:r>
-            <a:r>
-              <a:rPr lang="en-IN" sz="1800" b="0" i="0" u="none" strike="noStrike" baseline="0" dirty="0">
-                <a:latin typeface="TeXGyreTermesX-Regular"/>
-              </a:rPr>
-              <a:t>Advantage Actor-</a:t>
-            </a:r>
-            <a:r>
-              <a:rPr lang="en-IN" sz="1800" b="0" i="0" u="none" strike="noStrike" baseline="0" dirty="0" err="1">
-                <a:latin typeface="TeXGyreTermesX-Regular"/>
-              </a:rPr>
-              <a:t>Critic,ÏCC</a:t>
-            </a:r>
-            <a:r>
-              <a:rPr lang="en-IN" sz="1800" b="0" i="0" u="none" strike="noStrike" baseline="0" dirty="0">
-                <a:latin typeface="TeXGyreTermesX-Regular"/>
-              </a:rPr>
-              <a:t> 2019 - 2019 IEEE International Conference on Communications(ICC), Shanghai, China, 2019, pp. 1-6, </a:t>
-            </a:r>
-            <a:r>
-              <a:rPr lang="en-IN" sz="1800" b="0" i="0" u="none" strike="noStrike" baseline="0" dirty="0" err="1">
-                <a:latin typeface="TeXGyreTermesX-Regular"/>
-              </a:rPr>
-              <a:t>doi</a:t>
-            </a:r>
-            <a:r>
-              <a:rPr lang="en-IN" sz="1800" b="0" i="0" u="none" strike="noStrike" baseline="0" dirty="0">
-                <a:latin typeface="TeXGyreTermesX-Regular"/>
-              </a:rPr>
-              <a:t>: 10.1109/ICC.2019.8761309.</a:t>
-            </a:r>
-          </a:p>
-          <a:p>
-            <a:pPr algn="l"/>
-            <a:r>
-              <a:rPr lang="en-US" sz="1800" b="0" i="0" u="none" strike="noStrike" baseline="0" dirty="0">
-                <a:latin typeface="TeXGyreTermesX-Regular"/>
-              </a:rPr>
-              <a:t>M. Ghosh, R. Kumar, M. </a:t>
-            </a:r>
-            <a:r>
-              <a:rPr lang="en-US" sz="1800" b="0" i="0" u="none" strike="noStrike" baseline="0" dirty="0" err="1">
-                <a:latin typeface="TeXGyreTermesX-Regular"/>
-              </a:rPr>
-              <a:t>Saha</a:t>
-            </a:r>
-            <a:r>
-              <a:rPr lang="en-US" sz="1800" b="0" i="0" u="none" strike="noStrike" baseline="0" dirty="0">
-                <a:latin typeface="TeXGyreTermesX-Regular"/>
-              </a:rPr>
-              <a:t> and B. K. </a:t>
-            </a:r>
-            <a:r>
-              <a:rPr lang="en-US" sz="1800" b="0" i="0" u="none" strike="noStrike" baseline="0" dirty="0" err="1">
-                <a:latin typeface="TeXGyreTermesX-Regular"/>
-              </a:rPr>
-              <a:t>Sikdar</a:t>
-            </a:r>
-            <a:r>
-              <a:rPr lang="en-US" sz="1800" b="0" i="0" u="none" strike="noStrike" baseline="0" dirty="0">
-                <a:latin typeface="TeXGyreTermesX-Regular"/>
-              </a:rPr>
-              <a:t>, "Cellular Automata and Its Applications,"2018 IEEE International Conference on Automatic Control and Intelligent Systems (I2CACIS), Shah </a:t>
-            </a:r>
-            <a:r>
-              <a:rPr lang="pt-BR" sz="1800" b="0" i="0" u="none" strike="noStrike" baseline="0" dirty="0">
-                <a:latin typeface="TeXGyreTermesX-Regular"/>
-              </a:rPr>
-              <a:t>Alam, 2018, pp. 52-56, doi: 10.1109/I2CACIS.2018.8603689.</a:t>
-            </a:r>
-          </a:p>
-          <a:p>
-            <a:pPr algn="l"/>
-            <a:r>
-              <a:rPr lang="en-IN" sz="1800" dirty="0">
-                <a:latin typeface="TeXGyreTermesX-Regular"/>
-              </a:rPr>
-              <a:t>Martinez, Genaro J. &amp; </a:t>
-            </a:r>
-            <a:r>
-              <a:rPr lang="en-IN" sz="1800" dirty="0" err="1">
-                <a:latin typeface="TeXGyreTermesX-Regular"/>
-              </a:rPr>
-              <a:t>Seck</a:t>
-            </a:r>
-            <a:r>
-              <a:rPr lang="en-IN" sz="1800" dirty="0">
-                <a:latin typeface="TeXGyreTermesX-Regular"/>
-              </a:rPr>
-              <a:t> </a:t>
-            </a:r>
-            <a:r>
-              <a:rPr lang="en-IN" sz="1800" dirty="0" err="1">
-                <a:latin typeface="TeXGyreTermesX-Regular"/>
-              </a:rPr>
-              <a:t>Tuoh</a:t>
-            </a:r>
-            <a:r>
-              <a:rPr lang="en-IN" sz="1800" dirty="0">
-                <a:latin typeface="TeXGyreTermesX-Regular"/>
-              </a:rPr>
-              <a:t> Mora, Juan &amp; </a:t>
-            </a:r>
-            <a:r>
-              <a:rPr lang="en-IN" sz="1800" dirty="0" err="1">
-                <a:latin typeface="TeXGyreTermesX-Regular"/>
-              </a:rPr>
-              <a:t>Zenil</a:t>
-            </a:r>
-            <a:r>
-              <a:rPr lang="en-IN" sz="1800" dirty="0">
-                <a:latin typeface="TeXGyreTermesX-Regular"/>
-              </a:rPr>
-              <a:t>, Hector. (2012). Wolfram's Classification and Computation in Cellular Automata </a:t>
-            </a:r>
-            <a:r>
-              <a:rPr lang="en-IN" sz="1800" dirty="0" err="1">
-                <a:latin typeface="TeXGyreTermesX-Regular"/>
-              </a:rPr>
-              <a:t>ClassesIII</a:t>
-            </a:r>
-            <a:r>
-              <a:rPr lang="en-IN" sz="1800" dirty="0">
-                <a:latin typeface="TeXGyreTermesX-Regular"/>
-              </a:rPr>
-              <a:t> and IV. 10.1007/978-3-642-35482-3_17. </a:t>
-            </a:r>
-          </a:p>
-        </p:txBody>
-      </p:sp>
-      <p:sp>
-        <p:nvSpPr>
-          <p:cNvPr id="4" name="Slide Number Placeholder 3">
-            <a:extLst>
-              <a:ext uri="{FF2B5EF4-FFF2-40B4-BE49-F238E27FC236}">
-                <a16:creationId xmlns:a16="http://schemas.microsoft.com/office/drawing/2014/main" id="{36F3B883-491B-479E-A388-43FCA39D54B9}"/>
-              </a:ext>
-            </a:extLst>
-          </p:cNvPr>
-          <p:cNvSpPr>
-            <a:spLocks noGrp="1"/>
-          </p:cNvSpPr>
-          <p:nvPr>
-            <p:ph type="sldNum" sz="quarter" idx="12"/>
-          </p:nvPr>
-        </p:nvSpPr>
-        <p:spPr/>
-        <p:txBody>
-          <a:bodyPr/>
-          <a:lstStyle/>
-          <a:p>
-            <a:fld id="{ACA2A22D-43A3-4325-8000-B0F614F5476E}" type="slidenum">
-              <a:rPr lang="en-US" smtClean="0"/>
-              <a:pPr/>
-              <a:t>16</a:t>
-            </a:fld>
-            <a:endParaRPr lang="en-US"/>
-          </a:p>
-        </p:txBody>
-      </p:sp>
-    </p:spTree>
-    <p:extLst>
-      <p:ext uri="{BB962C8B-B14F-4D97-AF65-F5344CB8AC3E}">
-        <p14:creationId xmlns:p14="http://schemas.microsoft.com/office/powerpoint/2010/main" val="4239051467"/>
-      </p:ext>
-    </p:extLst>
-  </p:cSld>
-  <p:clrMapOvr>
-    <a:masterClrMapping/>
-  </p:clrMapOvr>
-  <mc:AlternateContent xmlns:mc="http://schemas.openxmlformats.org/markup-compatibility/2006" xmlns:p14="http://schemas.microsoft.com/office/powerpoint/2010/main">
-    <mc:Choice Requires="p14">
-      <p:transition spd="med" p14:dur="700">
-        <p:fade/>
-      </p:transition>
-    </mc:Choice>
-    <mc:Fallback xmlns="">
-      <p:transition spd="med">
-        <p:fade/>
-      </p:transition>
-    </mc:Fallback>
-  </mc:AlternateContent>
-</p:sld>
-</file>
-
-<file path=ppt/slides/slide17.xml><?xml version="1.0" encoding="utf-8"?>
-<p:sld xmlns:a="http://schemas.openxmlformats.org/drawingml/2006/main" xmlns:r="http://schemas.openxmlformats.org/officeDocument/2006/relationships" xmlns:p="http://schemas.openxmlformats.org/presentationml/2006/main">
-  <p:cSld>
-    <p:spTree>
-      <p:nvGrpSpPr>
-        <p:cNvPr id="1" name=""/>
-        <p:cNvGrpSpPr/>
-        <p:nvPr/>
-      </p:nvGrpSpPr>
-      <p:grpSpPr>
-        <a:xfrm>
-          <a:off x="0" y="0"/>
-          <a:ext cx="0" cy="0"/>
-          <a:chOff x="0" y="0"/>
-          <a:chExt cx="0" cy="0"/>
-        </a:xfrm>
-      </p:grpSpPr>
-      <p:sp>
-        <p:nvSpPr>
-          <p:cNvPr id="7" name="Titel 6"/>
-          <p:cNvSpPr>
-            <a:spLocks noGrp="1"/>
-          </p:cNvSpPr>
-          <p:nvPr>
-            <p:ph type="title"/>
-          </p:nvPr>
-        </p:nvSpPr>
-        <p:spPr/>
-        <p:txBody>
-          <a:bodyPr/>
-          <a:lstStyle/>
-          <a:p>
-            <a:r>
-              <a:rPr lang="de-DE" dirty="0"/>
-              <a:t>Thank you!</a:t>
-            </a:r>
-          </a:p>
-        </p:txBody>
-      </p:sp>
-    </p:spTree>
-    <p:extLst>
-      <p:ext uri="{BB962C8B-B14F-4D97-AF65-F5344CB8AC3E}">
-        <p14:creationId xmlns:p14="http://schemas.microsoft.com/office/powerpoint/2010/main" val="4188520193"/>
-      </p:ext>
-    </p:extLst>
-  </p:cSld>
-  <p:clrMapOvr>
-    <a:masterClrMapping/>
-  </p:clrMapOvr>
-  <mc:AlternateContent xmlns:mc="http://schemas.openxmlformats.org/markup-compatibility/2006" xmlns:p14="http://schemas.microsoft.com/office/powerpoint/2010/main">
-    <mc:Choice Requires="p14">
-      <p:transition spd="slow" p14:dur="1400">
-        <p14:ripple/>
-      </p:transition>
-    </mc:Choice>
-    <mc:Fallback xmlns="">
-      <p:transition spd="slow">
-        <p:fade/>
-      </p:transition>
-    </mc:Fallback>
-  </mc:AlternateContent>
-</p:sld>
-</file>
-
-<file path=ppt/slides/slide2.xml><?xml version="1.0" encoding="utf-8"?>
-<p:sld xmlns:a="http://schemas.openxmlformats.org/drawingml/2006/main" xmlns:r="http://schemas.openxmlformats.org/officeDocument/2006/relationships" xmlns:p="http://schemas.openxmlformats.org/presentationml/2006/main">
-  <p:cSld>
-    <p:spTree>
-      <p:nvGrpSpPr>
-        <p:cNvPr id="1" name=""/>
-        <p:cNvGrpSpPr/>
-        <p:nvPr/>
-      </p:nvGrpSpPr>
-      <p:grpSpPr>
-        <a:xfrm>
-          <a:off x="0" y="0"/>
-          <a:ext cx="0" cy="0"/>
-          <a:chOff x="0" y="0"/>
-          <a:chExt cx="0" cy="0"/>
-        </a:xfrm>
-      </p:grpSpPr>
-      <p:sp>
-        <p:nvSpPr>
-          <p:cNvPr id="5" name="Titel 4"/>
-          <p:cNvSpPr>
-            <a:spLocks noGrp="1"/>
-          </p:cNvSpPr>
-          <p:nvPr>
-            <p:ph type="title"/>
-          </p:nvPr>
-        </p:nvSpPr>
-        <p:spPr/>
-        <p:txBody>
-          <a:bodyPr/>
-          <a:lstStyle/>
-          <a:p>
-            <a:r>
-              <a:rPr lang="de-DE" dirty="0"/>
-              <a:t>Overview</a:t>
-            </a:r>
-          </a:p>
-        </p:txBody>
-      </p:sp>
-      <p:sp>
-        <p:nvSpPr>
-          <p:cNvPr id="6" name="Inhaltsplatzhalter 5"/>
-          <p:cNvSpPr>
-            <a:spLocks noGrp="1"/>
-          </p:cNvSpPr>
-          <p:nvPr>
-            <p:ph idx="1"/>
-          </p:nvPr>
-        </p:nvSpPr>
-        <p:spPr/>
-        <p:txBody>
-          <a:bodyPr/>
-          <a:lstStyle/>
-          <a:p>
-            <a:r>
-              <a:rPr lang="de-DE" dirty="0"/>
-              <a:t>Introduction</a:t>
-            </a:r>
-          </a:p>
-          <a:p>
-            <a:r>
-              <a:rPr lang="de-DE" dirty="0"/>
-              <a:t>Modelling and Simulation</a:t>
-            </a:r>
-          </a:p>
-          <a:p>
-            <a:r>
-              <a:rPr lang="de-DE" dirty="0"/>
-              <a:t>Optimization Algorithm</a:t>
-            </a:r>
-          </a:p>
-          <a:p>
-            <a:r>
-              <a:rPr lang="de-DE" dirty="0"/>
-              <a:t>Rule 23 and Rule 232</a:t>
-            </a:r>
-          </a:p>
-          <a:p>
-            <a:r>
-              <a:rPr lang="de-DE" dirty="0"/>
-              <a:t>Wolfram classification</a:t>
-            </a:r>
-          </a:p>
-          <a:p>
-            <a:r>
-              <a:rPr lang="de-DE" dirty="0"/>
-              <a:t>Result</a:t>
-            </a:r>
-          </a:p>
-          <a:p>
-            <a:r>
-              <a:rPr lang="de-DE" dirty="0"/>
-              <a:t>Conclusion</a:t>
-            </a:r>
-          </a:p>
-          <a:p>
-            <a:r>
-              <a:rPr lang="de-DE" dirty="0"/>
-              <a:t>Future Work</a:t>
-            </a:r>
-          </a:p>
-          <a:p>
-            <a:r>
-              <a:rPr lang="de-DE" dirty="0"/>
-              <a:t>References</a:t>
-            </a:r>
-          </a:p>
-          <a:p>
-            <a:pPr marL="457200" lvl="1" indent="0">
-              <a:buNone/>
-            </a:pPr>
-            <a:endParaRPr lang="de-DE" dirty="0"/>
-          </a:p>
-        </p:txBody>
-      </p:sp>
-    </p:spTree>
-    <p:extLst>
-      <p:ext uri="{BB962C8B-B14F-4D97-AF65-F5344CB8AC3E}">
-        <p14:creationId xmlns:p14="http://schemas.microsoft.com/office/powerpoint/2010/main" val="3205123493"/>
-      </p:ext>
-    </p:extLst>
-  </p:cSld>
-  <p:clrMapOvr>
-    <a:masterClrMapping/>
-  </p:clrMapOvr>
-  <mc:AlternateContent xmlns:mc="http://schemas.openxmlformats.org/markup-compatibility/2006" xmlns:p14="http://schemas.microsoft.com/office/powerpoint/2010/main">
-    <mc:Choice Requires="p14">
-      <p:transition spd="med" p14:dur="700">
-        <p:fade/>
-      </p:transition>
-    </mc:Choice>
-    <mc:Fallback xmlns="">
-      <p:transition spd="med">
-        <p:fade/>
-      </p:transition>
-    </mc:Fallback>
-  </mc:AlternateContent>
-</p:sld>
-</file>
-
-<file path=ppt/slides/slide3.xml><?xml version="1.0" encoding="utf-8"?>
-<p:sld xmlns:a="http://schemas.openxmlformats.org/drawingml/2006/main" xmlns:r="http://schemas.openxmlformats.org/officeDocument/2006/relationships" xmlns:p="http://schemas.openxmlformats.org/presentationml/2006/main">
-  <p:cSld>
-    <p:spTree>
-      <p:nvGrpSpPr>
-        <p:cNvPr id="1" name=""/>
-        <p:cNvGrpSpPr/>
-        <p:nvPr/>
-      </p:nvGrpSpPr>
-      <p:grpSpPr>
-        <a:xfrm>
-          <a:off x="0" y="0"/>
-          <a:ext cx="0" cy="0"/>
-          <a:chOff x="0" y="0"/>
-          <a:chExt cx="0" cy="0"/>
-        </a:xfrm>
-      </p:grpSpPr>
-      <p:sp>
-        <p:nvSpPr>
-          <p:cNvPr id="2" name="Title 1">
-            <a:extLst>
-              <a:ext uri="{FF2B5EF4-FFF2-40B4-BE49-F238E27FC236}">
-                <a16:creationId xmlns:a16="http://schemas.microsoft.com/office/drawing/2014/main" id="{2DF92882-B9C8-43BD-A90C-9AA1A3624951}"/>
-              </a:ext>
-            </a:extLst>
-          </p:cNvPr>
-          <p:cNvSpPr>
-            <a:spLocks noGrp="1"/>
-          </p:cNvSpPr>
-          <p:nvPr>
-            <p:ph type="title"/>
-          </p:nvPr>
-        </p:nvSpPr>
-        <p:spPr/>
-        <p:txBody>
-          <a:bodyPr/>
-          <a:lstStyle/>
-          <a:p>
-            <a:r>
-              <a:rPr lang="en-IN" dirty="0"/>
-              <a:t>Introduction</a:t>
-            </a:r>
-          </a:p>
-        </p:txBody>
-      </p:sp>
-      <p:sp>
-        <p:nvSpPr>
-          <p:cNvPr id="3" name="Content Placeholder 2">
-            <a:extLst>
-              <a:ext uri="{FF2B5EF4-FFF2-40B4-BE49-F238E27FC236}">
-                <a16:creationId xmlns:a16="http://schemas.microsoft.com/office/drawing/2014/main" id="{155343C9-531B-4F65-827A-98948005EB16}"/>
-              </a:ext>
-            </a:extLst>
-          </p:cNvPr>
-          <p:cNvSpPr>
-            <a:spLocks noGrp="1"/>
-          </p:cNvSpPr>
-          <p:nvPr>
-            <p:ph idx="1"/>
-          </p:nvPr>
-        </p:nvSpPr>
-        <p:spPr/>
-        <p:txBody>
-          <a:bodyPr/>
-          <a:lstStyle/>
-          <a:p>
-            <a:r>
-              <a:rPr lang="en-IN" b="1" u="sng" dirty="0"/>
-              <a:t>Cellular Automata:</a:t>
-            </a:r>
-          </a:p>
-          <a:p>
-            <a:pPr lvl="1"/>
-            <a:r>
-              <a:rPr lang="en-IN" dirty="0"/>
-              <a:t>A cell on grid that represent a state of a instance in a system is called a Cellular Automata. Collection of Cellular Automata is called a Cellular Automaton.</a:t>
-            </a:r>
-          </a:p>
-          <a:p>
-            <a:pPr lvl="1"/>
-            <a:r>
-              <a:rPr lang="en-IN" dirty="0"/>
-              <a:t>Cellular Automata can be used to represent complex systems.</a:t>
-            </a:r>
-          </a:p>
-          <a:p>
-            <a:pPr lvl="1"/>
-            <a:r>
-              <a:rPr lang="en-IN" dirty="0"/>
-              <a:t>State of the Cellular Automata can be evolved as a function of state of itself and its neighbours from previous generation. The function can be defined by the rule.</a:t>
-            </a:r>
-          </a:p>
-          <a:p>
-            <a:pPr marL="457200" lvl="1" indent="0">
-              <a:buNone/>
-            </a:pPr>
-            <a:endParaRPr lang="en-IN" b="1" u="sng" dirty="0"/>
-          </a:p>
-          <a:p>
-            <a:r>
-              <a:rPr lang="en-IN" b="1" u="sng" dirty="0"/>
-              <a:t>Cooling Cost in Data </a:t>
-            </a:r>
-            <a:r>
-              <a:rPr lang="en-IN" b="1" u="sng" dirty="0" err="1"/>
-              <a:t>Center</a:t>
-            </a:r>
-            <a:r>
-              <a:rPr lang="en-IN" b="1" u="sng" dirty="0"/>
-              <a:t>:</a:t>
-            </a:r>
-          </a:p>
-          <a:p>
-            <a:pPr lvl="1"/>
-            <a:r>
-              <a:rPr lang="en-IN" dirty="0"/>
-              <a:t>One of metrics considered in sustainable data </a:t>
-            </a:r>
-            <a:r>
-              <a:rPr lang="en-IN" dirty="0" err="1"/>
-              <a:t>center</a:t>
-            </a:r>
-            <a:r>
-              <a:rPr lang="en-IN" dirty="0"/>
-              <a:t> is cooling cost. The energy consumed by the data </a:t>
-            </a:r>
-            <a:r>
-              <a:rPr lang="en-IN" dirty="0" err="1"/>
-              <a:t>center</a:t>
-            </a:r>
-            <a:r>
-              <a:rPr lang="en-IN" dirty="0"/>
-              <a:t> can be reduced by reducing the cooling cost of data </a:t>
-            </a:r>
-            <a:r>
-              <a:rPr lang="en-IN" dirty="0" err="1"/>
-              <a:t>center</a:t>
-            </a:r>
-            <a:r>
-              <a:rPr lang="en-IN" dirty="0"/>
-              <a:t>.</a:t>
-            </a:r>
-          </a:p>
-          <a:p>
-            <a:pPr lvl="1"/>
-            <a:r>
-              <a:rPr lang="en-IN" dirty="0"/>
-              <a:t>The cooling cost of the data </a:t>
-            </a:r>
-            <a:r>
-              <a:rPr lang="en-IN" dirty="0" err="1"/>
-              <a:t>center</a:t>
-            </a:r>
-            <a:r>
-              <a:rPr lang="en-IN" dirty="0"/>
-              <a:t> depends on the temperature produced by the hosts in the data </a:t>
-            </a:r>
-            <a:r>
-              <a:rPr lang="en-IN" dirty="0" err="1"/>
-              <a:t>center</a:t>
-            </a:r>
-            <a:r>
-              <a:rPr lang="en-IN" dirty="0"/>
-              <a:t>, which in turn depends on the utilization of the hosts.</a:t>
-            </a:r>
-          </a:p>
-          <a:p>
-            <a:pPr marL="457200" lvl="1" indent="0">
-              <a:buNone/>
-            </a:pPr>
-            <a:endParaRPr lang="en-IN" dirty="0"/>
-          </a:p>
-          <a:p>
-            <a:pPr marL="0" indent="0">
-              <a:buNone/>
-            </a:pPr>
-            <a:endParaRPr lang="en-IN" dirty="0"/>
-          </a:p>
-        </p:txBody>
-      </p:sp>
-      <p:sp>
-        <p:nvSpPr>
-          <p:cNvPr id="4" name="Slide Number Placeholder 3">
-            <a:extLst>
-              <a:ext uri="{FF2B5EF4-FFF2-40B4-BE49-F238E27FC236}">
-                <a16:creationId xmlns:a16="http://schemas.microsoft.com/office/drawing/2014/main" id="{B726ABAF-40C2-4491-A542-73AEFBB6B53B}"/>
-              </a:ext>
-            </a:extLst>
-          </p:cNvPr>
-          <p:cNvSpPr>
-            <a:spLocks noGrp="1"/>
-          </p:cNvSpPr>
-          <p:nvPr>
-            <p:ph type="sldNum" sz="quarter" idx="12"/>
-          </p:nvPr>
-        </p:nvSpPr>
-        <p:spPr/>
-        <p:txBody>
-          <a:bodyPr/>
-          <a:lstStyle/>
-          <a:p>
-            <a:fld id="{ACA2A22D-43A3-4325-8000-B0F614F5476E}" type="slidenum">
-              <a:rPr lang="en-US" smtClean="0"/>
-              <a:pPr/>
-              <a:t>3</a:t>
-            </a:fld>
-            <a:endParaRPr lang="en-US"/>
-          </a:p>
-        </p:txBody>
-      </p:sp>
-    </p:spTree>
-    <p:extLst>
-      <p:ext uri="{BB962C8B-B14F-4D97-AF65-F5344CB8AC3E}">
-        <p14:creationId xmlns:p14="http://schemas.microsoft.com/office/powerpoint/2010/main" val="3592034424"/>
-      </p:ext>
-    </p:extLst>
-  </p:cSld>
-  <p:clrMapOvr>
-    <a:masterClrMapping/>
-  </p:clrMapOvr>
-  <mc:AlternateContent xmlns:mc="http://schemas.openxmlformats.org/markup-compatibility/2006" xmlns:p14="http://schemas.microsoft.com/office/powerpoint/2010/main">
-    <mc:Choice Requires="p14">
-      <p:transition spd="med" p14:dur="700">
-        <p:fade/>
-      </p:transition>
-    </mc:Choice>
-    <mc:Fallback xmlns="">
-      <p:transition spd="med">
-        <p:fade/>
-      </p:transition>
-    </mc:Fallback>
-  </mc:AlternateContent>
-</p:sld>
-</file>
-
-<file path=ppt/slides/slide4.xml><?xml version="1.0" encoding="utf-8"?>
-<p:sld xmlns:a="http://schemas.openxmlformats.org/drawingml/2006/main" xmlns:r="http://schemas.openxmlformats.org/officeDocument/2006/relationships" xmlns:p="http://schemas.openxmlformats.org/presentationml/2006/main">
-  <p:cSld>
-    <p:spTree>
-      <p:nvGrpSpPr>
-        <p:cNvPr id="1" name=""/>
-        <p:cNvGrpSpPr/>
-        <p:nvPr/>
-      </p:nvGrpSpPr>
-      <p:grpSpPr>
-        <a:xfrm>
-          <a:off x="0" y="0"/>
-          <a:ext cx="0" cy="0"/>
-          <a:chOff x="0" y="0"/>
-          <a:chExt cx="0" cy="0"/>
-        </a:xfrm>
-      </p:grpSpPr>
-      <p:sp>
-        <p:nvSpPr>
-          <p:cNvPr id="2" name="Title 1">
-            <a:extLst>
-              <a:ext uri="{FF2B5EF4-FFF2-40B4-BE49-F238E27FC236}">
-                <a16:creationId xmlns:a16="http://schemas.microsoft.com/office/drawing/2014/main" id="{549FD818-1048-4EC7-B806-B6DB0EAB148C}"/>
-              </a:ext>
-            </a:extLst>
-          </p:cNvPr>
-          <p:cNvSpPr>
-            <a:spLocks noGrp="1"/>
-          </p:cNvSpPr>
-          <p:nvPr>
-            <p:ph type="title"/>
-          </p:nvPr>
-        </p:nvSpPr>
-        <p:spPr/>
-        <p:txBody>
-          <a:bodyPr/>
-          <a:lstStyle/>
-          <a:p>
-            <a:r>
-              <a:rPr lang="en-IN" dirty="0"/>
-              <a:t>Modelling and Simulation</a:t>
-            </a:r>
-          </a:p>
-        </p:txBody>
-      </p:sp>
-      <p:sp>
-        <p:nvSpPr>
-          <p:cNvPr id="3" name="Content Placeholder 2">
-            <a:extLst>
-              <a:ext uri="{FF2B5EF4-FFF2-40B4-BE49-F238E27FC236}">
-                <a16:creationId xmlns:a16="http://schemas.microsoft.com/office/drawing/2014/main" id="{54087063-9865-4E84-B326-C2DF6CB58B84}"/>
-              </a:ext>
-            </a:extLst>
-          </p:cNvPr>
-          <p:cNvSpPr>
-            <a:spLocks noGrp="1"/>
-          </p:cNvSpPr>
-          <p:nvPr>
-            <p:ph idx="1"/>
-          </p:nvPr>
-        </p:nvSpPr>
-        <p:spPr/>
-        <p:txBody>
-          <a:bodyPr/>
-          <a:lstStyle/>
-          <a:p>
-            <a:r>
-              <a:rPr lang="en-IN" b="1" u="sng" dirty="0"/>
-              <a:t>Modelling:</a:t>
-            </a:r>
-          </a:p>
-          <a:p>
-            <a:pPr lvl="1"/>
-            <a:r>
-              <a:rPr lang="en-IN" b="1" u="sng" dirty="0"/>
-              <a:t>Host:</a:t>
-            </a:r>
-          </a:p>
-          <a:p>
-            <a:pPr lvl="2"/>
-            <a:r>
-              <a:rPr lang="en-IN" dirty="0"/>
-              <a:t>The host temperature depends on it Utilisation and neighbour’s Utilization. As follows:</a:t>
-            </a:r>
-          </a:p>
-          <a:p>
-            <a:pPr lvl="2"/>
-            <a:endParaRPr lang="en-IN" dirty="0"/>
-          </a:p>
-          <a:p>
-            <a:pPr lvl="2"/>
-            <a:endParaRPr lang="en-IN" dirty="0"/>
-          </a:p>
-          <a:p>
-            <a:pPr lvl="1"/>
-            <a:r>
-              <a:rPr lang="en-IN" b="1" u="sng" dirty="0"/>
-              <a:t>Data </a:t>
-            </a:r>
-            <a:r>
-              <a:rPr lang="en-IN" b="1" u="sng" dirty="0" err="1"/>
-              <a:t>Center</a:t>
-            </a:r>
-            <a:r>
-              <a:rPr lang="en-IN" b="1" u="sng" dirty="0"/>
-              <a:t>:</a:t>
-            </a:r>
-          </a:p>
-          <a:p>
-            <a:pPr lvl="2"/>
-            <a:r>
-              <a:rPr lang="en-IN" dirty="0"/>
-              <a:t>The Data </a:t>
-            </a:r>
-            <a:r>
-              <a:rPr lang="en-IN" dirty="0" err="1"/>
-              <a:t>center</a:t>
-            </a:r>
-            <a:r>
-              <a:rPr lang="en-IN" dirty="0"/>
-              <a:t> updates the temperature of the host at regular interval. As follows:</a:t>
-            </a:r>
-          </a:p>
-          <a:p>
-            <a:pPr marL="892175" lvl="2" indent="0">
-              <a:buNone/>
-            </a:pPr>
-            <a:endParaRPr lang="en-IN" dirty="0"/>
-          </a:p>
-          <a:p>
-            <a:pPr marL="892175" lvl="2" indent="0">
-              <a:buNone/>
-            </a:pPr>
-            <a:endParaRPr lang="en-IN" dirty="0"/>
-          </a:p>
-          <a:p>
-            <a:pPr marL="892175" lvl="2" indent="0">
-              <a:buNone/>
-            </a:pPr>
-            <a:endParaRPr lang="en-IN" dirty="0"/>
-          </a:p>
-        </p:txBody>
-      </p:sp>
-      <p:sp>
-        <p:nvSpPr>
-          <p:cNvPr id="4" name="Slide Number Placeholder 3">
-            <a:extLst>
-              <a:ext uri="{FF2B5EF4-FFF2-40B4-BE49-F238E27FC236}">
-                <a16:creationId xmlns:a16="http://schemas.microsoft.com/office/drawing/2014/main" id="{699DAD55-4F7F-4D8E-AC36-1C9226923185}"/>
-              </a:ext>
-            </a:extLst>
-          </p:cNvPr>
-          <p:cNvSpPr>
-            <a:spLocks noGrp="1"/>
-          </p:cNvSpPr>
-          <p:nvPr>
-            <p:ph type="sldNum" sz="quarter" idx="12"/>
-          </p:nvPr>
-        </p:nvSpPr>
-        <p:spPr/>
-        <p:txBody>
-          <a:bodyPr/>
-          <a:lstStyle/>
-          <a:p>
-            <a:fld id="{ACA2A22D-43A3-4325-8000-B0F614F5476E}" type="slidenum">
-              <a:rPr lang="en-US" smtClean="0"/>
-              <a:pPr/>
-              <a:t>4</a:t>
-            </a:fld>
-            <a:endParaRPr lang="en-US"/>
-          </a:p>
-        </p:txBody>
-      </p:sp>
-      <p:pic>
-        <p:nvPicPr>
-          <p:cNvPr id="6" name="Picture 5">
-            <a:extLst>
-              <a:ext uri="{FF2B5EF4-FFF2-40B4-BE49-F238E27FC236}">
-                <a16:creationId xmlns:a16="http://schemas.microsoft.com/office/drawing/2014/main" id="{E61765AF-324E-425A-8CDF-718329256719}"/>
-              </a:ext>
-            </a:extLst>
-          </p:cNvPr>
-          <p:cNvPicPr>
-            <a:picLocks noChangeAspect="1"/>
-          </p:cNvPicPr>
-          <p:nvPr/>
-        </p:nvPicPr>
-        <p:blipFill>
-          <a:blip r:embed="rId3"/>
-          <a:stretch>
-            <a:fillRect/>
-          </a:stretch>
-        </p:blipFill>
-        <p:spPr>
-          <a:xfrm>
-            <a:off x="1961977" y="2289574"/>
-            <a:ext cx="6462320" cy="609653"/>
-          </a:xfrm>
-          <a:prstGeom prst="rect">
-            <a:avLst/>
-          </a:prstGeom>
-        </p:spPr>
-      </p:pic>
-      <p:pic>
-        <p:nvPicPr>
-          <p:cNvPr id="8" name="Picture 7">
-            <a:extLst>
-              <a:ext uri="{FF2B5EF4-FFF2-40B4-BE49-F238E27FC236}">
-                <a16:creationId xmlns:a16="http://schemas.microsoft.com/office/drawing/2014/main" id="{07DA6952-D7C9-42C3-805A-D2B703086A2E}"/>
-              </a:ext>
-            </a:extLst>
-          </p:cNvPr>
-          <p:cNvPicPr>
-            <a:picLocks noChangeAspect="1"/>
-          </p:cNvPicPr>
-          <p:nvPr/>
-        </p:nvPicPr>
-        <p:blipFill>
-          <a:blip r:embed="rId4"/>
-          <a:stretch>
-            <a:fillRect/>
-          </a:stretch>
-        </p:blipFill>
-        <p:spPr>
-          <a:xfrm>
-            <a:off x="1961977" y="4149080"/>
-            <a:ext cx="6934801" cy="1501270"/>
-          </a:xfrm>
-          <a:prstGeom prst="rect">
-            <a:avLst/>
-          </a:prstGeom>
-        </p:spPr>
-      </p:pic>
-    </p:spTree>
-    <p:extLst>
-      <p:ext uri="{BB962C8B-B14F-4D97-AF65-F5344CB8AC3E}">
-        <p14:creationId xmlns:p14="http://schemas.microsoft.com/office/powerpoint/2010/main" val="567451947"/>
-      </p:ext>
-    </p:extLst>
-  </p:cSld>
-  <p:clrMapOvr>
-    <a:masterClrMapping/>
-  </p:clrMapOvr>
-  <mc:AlternateContent xmlns:mc="http://schemas.openxmlformats.org/markup-compatibility/2006" xmlns:p14="http://schemas.microsoft.com/office/powerpoint/2010/main">
-    <mc:Choice Requires="p14">
-      <p:transition spd="med" p14:dur="700">
-        <p:fade/>
-      </p:transition>
-    </mc:Choice>
-    <mc:Fallback xmlns="">
-      <p:transition spd="med">
-        <p:fade/>
-      </p:transition>
-    </mc:Fallback>
-  </mc:AlternateContent>
-</p:sld>
-</file>
-
-<file path=ppt/slides/slide5.xml><?xml version="1.0" encoding="utf-8"?>
-<p:sld xmlns:a="http://schemas.openxmlformats.org/drawingml/2006/main" xmlns:r="http://schemas.openxmlformats.org/officeDocument/2006/relationships" xmlns:p="http://schemas.openxmlformats.org/presentationml/2006/main">
-  <p:cSld>
-    <p:spTree>
-      <p:nvGrpSpPr>
-        <p:cNvPr id="1" name=""/>
-        <p:cNvGrpSpPr/>
-        <p:nvPr/>
-      </p:nvGrpSpPr>
-      <p:grpSpPr>
-        <a:xfrm>
-          <a:off x="0" y="0"/>
-          <a:ext cx="0" cy="0"/>
-          <a:chOff x="0" y="0"/>
-          <a:chExt cx="0" cy="0"/>
-        </a:xfrm>
-      </p:grpSpPr>
-      <p:sp>
-        <p:nvSpPr>
-          <p:cNvPr id="2" name="Title 1">
-            <a:extLst>
-              <a:ext uri="{FF2B5EF4-FFF2-40B4-BE49-F238E27FC236}">
-                <a16:creationId xmlns:a16="http://schemas.microsoft.com/office/drawing/2014/main" id="{B7D6280C-7E7F-4654-964A-483CFD60DB6A}"/>
-              </a:ext>
-            </a:extLst>
-          </p:cNvPr>
-          <p:cNvSpPr>
-            <a:spLocks noGrp="1"/>
-          </p:cNvSpPr>
-          <p:nvPr>
-            <p:ph type="title"/>
-          </p:nvPr>
-        </p:nvSpPr>
-        <p:spPr/>
-        <p:txBody>
-          <a:bodyPr/>
-          <a:lstStyle/>
-          <a:p>
-            <a:r>
-              <a:rPr lang="en-IN" dirty="0"/>
-              <a:t>Modelling and Simulation</a:t>
-            </a:r>
-          </a:p>
-        </p:txBody>
-      </p:sp>
-      <p:sp>
-        <p:nvSpPr>
-          <p:cNvPr id="3" name="Content Placeholder 2">
-            <a:extLst>
-              <a:ext uri="{FF2B5EF4-FFF2-40B4-BE49-F238E27FC236}">
-                <a16:creationId xmlns:a16="http://schemas.microsoft.com/office/drawing/2014/main" id="{63329B60-02E1-4964-92E9-4CE7226D95F5}"/>
-              </a:ext>
-            </a:extLst>
-          </p:cNvPr>
-          <p:cNvSpPr>
-            <a:spLocks noGrp="1"/>
-          </p:cNvSpPr>
-          <p:nvPr>
-            <p:ph idx="1"/>
-          </p:nvPr>
-        </p:nvSpPr>
-        <p:spPr/>
-        <p:txBody>
-          <a:bodyPr/>
-          <a:lstStyle/>
-          <a:p>
-            <a:r>
-              <a:rPr lang="en-IN" b="1" u="sng" dirty="0"/>
-              <a:t>Simulation:</a:t>
-            </a:r>
-          </a:p>
-          <a:p>
-            <a:pPr lvl="1"/>
-            <a:r>
-              <a:rPr lang="en-IN" dirty="0"/>
-              <a:t>The experiment is conducted for number of simulation. The experiment is done for different number of VM and different rules of cellular automata.</a:t>
-            </a:r>
-          </a:p>
-          <a:p>
-            <a:pPr lvl="1"/>
-            <a:r>
-              <a:rPr lang="en-IN" dirty="0"/>
-              <a:t>Each simulation is initiated with number of VM and rule for evolving cellular automata.</a:t>
-            </a:r>
-          </a:p>
-          <a:p>
-            <a:pPr lvl="1"/>
-            <a:r>
-              <a:rPr lang="en-IN" dirty="0"/>
-              <a:t>At start of each simulation, the cellular automata is evolved for finite number of generation and recorded at each generation.</a:t>
-            </a:r>
-          </a:p>
-          <a:p>
-            <a:pPr lvl="1"/>
-            <a:r>
-              <a:rPr lang="en-IN" dirty="0"/>
-              <a:t>At each optimization of simulation, the states of host is determined by the states of cellular automata in the generation from recording.</a:t>
-            </a:r>
-          </a:p>
-          <a:p>
-            <a:pPr lvl="1"/>
-            <a:r>
-              <a:rPr lang="en-IN" dirty="0"/>
-              <a:t>After every simulation the energy consumed is observed.</a:t>
-            </a:r>
-          </a:p>
-        </p:txBody>
-      </p:sp>
-      <p:sp>
-        <p:nvSpPr>
-          <p:cNvPr id="4" name="Slide Number Placeholder 3">
-            <a:extLst>
-              <a:ext uri="{FF2B5EF4-FFF2-40B4-BE49-F238E27FC236}">
-                <a16:creationId xmlns:a16="http://schemas.microsoft.com/office/drawing/2014/main" id="{2E4744EC-F7E1-41EC-80CA-6D2DA6A78BA7}"/>
-              </a:ext>
-            </a:extLst>
-          </p:cNvPr>
-          <p:cNvSpPr>
-            <a:spLocks noGrp="1"/>
-          </p:cNvSpPr>
-          <p:nvPr>
-            <p:ph type="sldNum" sz="quarter" idx="12"/>
-          </p:nvPr>
-        </p:nvSpPr>
-        <p:spPr/>
-        <p:txBody>
-          <a:bodyPr/>
-          <a:lstStyle/>
-          <a:p>
-            <a:fld id="{ACA2A22D-43A3-4325-8000-B0F614F5476E}" type="slidenum">
-              <a:rPr lang="en-US" smtClean="0"/>
-              <a:pPr/>
-              <a:t>5</a:t>
-            </a:fld>
-            <a:endParaRPr lang="en-US"/>
-          </a:p>
-        </p:txBody>
-      </p:sp>
-    </p:spTree>
-    <p:extLst>
-      <p:ext uri="{BB962C8B-B14F-4D97-AF65-F5344CB8AC3E}">
-        <p14:creationId xmlns:p14="http://schemas.microsoft.com/office/powerpoint/2010/main" val="4093925886"/>
-      </p:ext>
-    </p:extLst>
-  </p:cSld>
-  <p:clrMapOvr>
-    <a:masterClrMapping/>
-  </p:clrMapOvr>
-  <mc:AlternateContent xmlns:mc="http://schemas.openxmlformats.org/markup-compatibility/2006" xmlns:p14="http://schemas.microsoft.com/office/powerpoint/2010/main">
-    <mc:Choice Requires="p14">
-      <p:transition spd="med" p14:dur="700">
-        <p:fade/>
-      </p:transition>
-    </mc:Choice>
-    <mc:Fallback xmlns="">
-      <p:transition spd="med">
-        <p:fade/>
-      </p:transition>
-    </mc:Fallback>
-  </mc:AlternateContent>
-</p:sld>
-</file>
-
-<file path=ppt/slides/slide6.xml><?xml version="1.0" encoding="utf-8"?>
-<p:sld xmlns:a="http://schemas.openxmlformats.org/drawingml/2006/main" xmlns:r="http://schemas.openxmlformats.org/officeDocument/2006/relationships" xmlns:p="http://schemas.openxmlformats.org/presentationml/2006/main">
-  <p:cSld>
-    <p:spTree>
-      <p:nvGrpSpPr>
-        <p:cNvPr id="1" name=""/>
-        <p:cNvGrpSpPr/>
-        <p:nvPr/>
-      </p:nvGrpSpPr>
-      <p:grpSpPr>
-        <a:xfrm>
-          <a:off x="0" y="0"/>
-          <a:ext cx="0" cy="0"/>
-          <a:chOff x="0" y="0"/>
-          <a:chExt cx="0" cy="0"/>
-        </a:xfrm>
-      </p:grpSpPr>
-      <p:sp>
-        <p:nvSpPr>
-          <p:cNvPr id="2" name="Title 1">
-            <a:extLst>
-              <a:ext uri="{FF2B5EF4-FFF2-40B4-BE49-F238E27FC236}">
-                <a16:creationId xmlns:a16="http://schemas.microsoft.com/office/drawing/2014/main" id="{EFECF739-BD3D-4D1E-9C5E-52F4392308F2}"/>
-              </a:ext>
-            </a:extLst>
-          </p:cNvPr>
-          <p:cNvSpPr>
-            <a:spLocks noGrp="1"/>
-          </p:cNvSpPr>
-          <p:nvPr>
-            <p:ph type="title"/>
-          </p:nvPr>
-        </p:nvSpPr>
-        <p:spPr/>
-        <p:txBody>
-          <a:bodyPr/>
-          <a:lstStyle/>
-          <a:p>
-            <a:r>
-              <a:rPr lang="de-DE" dirty="0"/>
-              <a:t>Optimization Algorithm</a:t>
-            </a:r>
-            <a:br>
-              <a:rPr lang="de-DE" dirty="0"/>
-            </a:br>
-            <a:endParaRPr lang="en-IN" dirty="0"/>
-          </a:p>
-        </p:txBody>
-      </p:sp>
-      <p:sp>
-        <p:nvSpPr>
-          <p:cNvPr id="3" name="Content Placeholder 2">
-            <a:extLst>
-              <a:ext uri="{FF2B5EF4-FFF2-40B4-BE49-F238E27FC236}">
-                <a16:creationId xmlns:a16="http://schemas.microsoft.com/office/drawing/2014/main" id="{D6A9624C-3ED5-4064-B74F-DB2941F6B54F}"/>
-              </a:ext>
-            </a:extLst>
-          </p:cNvPr>
-          <p:cNvSpPr>
-            <a:spLocks noGrp="1"/>
-          </p:cNvSpPr>
-          <p:nvPr>
-            <p:ph idx="1"/>
-          </p:nvPr>
-        </p:nvSpPr>
-        <p:spPr/>
-        <p:txBody>
-          <a:bodyPr/>
-          <a:lstStyle/>
-          <a:p>
-            <a:r>
-              <a:rPr lang="en-IN" b="1" u="sng" dirty="0"/>
-              <a:t>VM Allocation Policy:</a:t>
-            </a:r>
-          </a:p>
-          <a:p>
-            <a:pPr lvl="1"/>
-            <a:r>
-              <a:rPr lang="en-IN" dirty="0"/>
-              <a:t>The switched off host at current generation is obtained and the all the VMs from these host have to be migrated.</a:t>
-            </a:r>
-          </a:p>
-          <a:p>
-            <a:pPr lvl="1"/>
-            <a:r>
-              <a:rPr lang="en-IN" dirty="0"/>
-              <a:t>The algorithm finds the suitable host for these VMs to be migrated.</a:t>
-            </a:r>
-          </a:p>
-          <a:p>
-            <a:pPr lvl="1"/>
-            <a:r>
-              <a:rPr lang="en-IN" dirty="0"/>
-              <a:t>The VMs and suitable host is mapped and returned for allocation.</a:t>
-            </a:r>
-          </a:p>
-        </p:txBody>
-      </p:sp>
-      <p:sp>
-        <p:nvSpPr>
-          <p:cNvPr id="4" name="Slide Number Placeholder 3">
-            <a:extLst>
-              <a:ext uri="{FF2B5EF4-FFF2-40B4-BE49-F238E27FC236}">
-                <a16:creationId xmlns:a16="http://schemas.microsoft.com/office/drawing/2014/main" id="{D8A5F499-1671-4F68-9237-23E306520968}"/>
-              </a:ext>
-            </a:extLst>
-          </p:cNvPr>
-          <p:cNvSpPr>
-            <a:spLocks noGrp="1"/>
-          </p:cNvSpPr>
-          <p:nvPr>
-            <p:ph type="sldNum" sz="quarter" idx="12"/>
-          </p:nvPr>
-        </p:nvSpPr>
-        <p:spPr/>
-        <p:txBody>
-          <a:bodyPr/>
-          <a:lstStyle/>
-          <a:p>
-            <a:fld id="{ACA2A22D-43A3-4325-8000-B0F614F5476E}" type="slidenum">
-              <a:rPr lang="en-US" smtClean="0"/>
-              <a:pPr/>
-              <a:t>6</a:t>
-            </a:fld>
-            <a:endParaRPr lang="en-US"/>
-          </a:p>
-        </p:txBody>
-      </p:sp>
-      <p:pic>
-        <p:nvPicPr>
-          <p:cNvPr id="6" name="Picture 5">
-            <a:extLst>
-              <a:ext uri="{FF2B5EF4-FFF2-40B4-BE49-F238E27FC236}">
-                <a16:creationId xmlns:a16="http://schemas.microsoft.com/office/drawing/2014/main" id="{DC6AE06A-C596-409C-B948-9ABDA10A8B8D}"/>
-              </a:ext>
-            </a:extLst>
-          </p:cNvPr>
-          <p:cNvPicPr>
-            <a:picLocks noChangeAspect="1"/>
-          </p:cNvPicPr>
-          <p:nvPr/>
-        </p:nvPicPr>
-        <p:blipFill>
-          <a:blip r:embed="rId3"/>
-          <a:stretch>
-            <a:fillRect/>
-          </a:stretch>
-        </p:blipFill>
-        <p:spPr>
-          <a:xfrm>
-            <a:off x="1529929" y="3068960"/>
-            <a:ext cx="7056784" cy="3789040"/>
-          </a:xfrm>
-          <a:prstGeom prst="rect">
-            <a:avLst/>
-          </a:prstGeom>
-        </p:spPr>
-      </p:pic>
-    </p:spTree>
-    <p:extLst>
-      <p:ext uri="{BB962C8B-B14F-4D97-AF65-F5344CB8AC3E}">
-        <p14:creationId xmlns:p14="http://schemas.microsoft.com/office/powerpoint/2010/main" val="207285116"/>
-      </p:ext>
-    </p:extLst>
-  </p:cSld>
-  <p:clrMapOvr>
-    <a:masterClrMapping/>
-  </p:clrMapOvr>
-  <mc:AlternateContent xmlns:mc="http://schemas.openxmlformats.org/markup-compatibility/2006" xmlns:p14="http://schemas.microsoft.com/office/powerpoint/2010/main">
-    <mc:Choice Requires="p14">
-      <p:transition spd="med" p14:dur="700">
-        <p:fade/>
-      </p:transition>
-    </mc:Choice>
-    <mc:Fallback xmlns="">
-      <p:transition spd="med">
-        <p:fade/>
-      </p:transition>
-    </mc:Fallback>
-  </mc:AlternateContent>
-</p:sld>
-</file>
-
-<file path=ppt/slides/slide7.xml><?xml version="1.0" encoding="utf-8"?>
-<p:sld xmlns:a="http://schemas.openxmlformats.org/drawingml/2006/main" xmlns:r="http://schemas.openxmlformats.org/officeDocument/2006/relationships" xmlns:p="http://schemas.openxmlformats.org/presentationml/2006/main">
-  <p:cSld>
-    <p:spTree>
-      <p:nvGrpSpPr>
-        <p:cNvPr id="1" name=""/>
-        <p:cNvGrpSpPr/>
-        <p:nvPr/>
-      </p:nvGrpSpPr>
-      <p:grpSpPr>
-        <a:xfrm>
-          <a:off x="0" y="0"/>
-          <a:ext cx="0" cy="0"/>
-          <a:chOff x="0" y="0"/>
-          <a:chExt cx="0" cy="0"/>
-        </a:xfrm>
-      </p:grpSpPr>
-      <p:sp>
-        <p:nvSpPr>
-          <p:cNvPr id="2" name="Title 1">
-            <a:extLst>
-              <a:ext uri="{FF2B5EF4-FFF2-40B4-BE49-F238E27FC236}">
-                <a16:creationId xmlns:a16="http://schemas.microsoft.com/office/drawing/2014/main" id="{DBB84955-5F35-46C9-AF80-F322E12622E5}"/>
-              </a:ext>
-            </a:extLst>
-          </p:cNvPr>
-          <p:cNvSpPr>
-            <a:spLocks noGrp="1"/>
-          </p:cNvSpPr>
-          <p:nvPr>
-            <p:ph type="title"/>
-          </p:nvPr>
-        </p:nvSpPr>
-        <p:spPr/>
-        <p:txBody>
-          <a:bodyPr/>
-          <a:lstStyle/>
-          <a:p>
-            <a:r>
-              <a:rPr lang="en-IN" dirty="0"/>
-              <a:t>Rule 23 and Rule 232 </a:t>
-            </a:r>
-          </a:p>
-        </p:txBody>
-      </p:sp>
-      <p:sp>
-        <p:nvSpPr>
-          <p:cNvPr id="3" name="Content Placeholder 2">
-            <a:extLst>
-              <a:ext uri="{FF2B5EF4-FFF2-40B4-BE49-F238E27FC236}">
-                <a16:creationId xmlns:a16="http://schemas.microsoft.com/office/drawing/2014/main" id="{85629FE3-5E4C-4585-908C-B0694D5D82A4}"/>
-              </a:ext>
-            </a:extLst>
-          </p:cNvPr>
-          <p:cNvSpPr>
-            <a:spLocks noGrp="1"/>
-          </p:cNvSpPr>
-          <p:nvPr>
-            <p:ph idx="1"/>
-          </p:nvPr>
-        </p:nvSpPr>
-        <p:spPr/>
-        <p:txBody>
-          <a:bodyPr/>
-          <a:lstStyle/>
-          <a:p>
-            <a:r>
-              <a:rPr lang="en-IN" b="1" u="sng" dirty="0"/>
-              <a:t>Rule 23:</a:t>
-            </a:r>
-          </a:p>
-          <a:p>
-            <a:pPr lvl="1"/>
-            <a:r>
-              <a:rPr lang="en-IN" dirty="0"/>
-              <a:t>The host is switched off, if the less than 2 hosts from itself, left and right is switched on, else host is switched on.</a:t>
-            </a:r>
-          </a:p>
-          <a:p>
-            <a:pPr lvl="1"/>
-            <a:r>
-              <a:rPr lang="en-IN" dirty="0"/>
-              <a:t>Converges to state where it does not change the state in upcoming generation.</a:t>
-            </a:r>
-          </a:p>
-          <a:p>
-            <a:pPr marL="457200" lvl="1" indent="0">
-              <a:buNone/>
-            </a:pPr>
-            <a:endParaRPr lang="en-IN" dirty="0"/>
-          </a:p>
-          <a:p>
-            <a:r>
-              <a:rPr lang="en-IN" b="1" u="sng" dirty="0"/>
-              <a:t>Rule 232:</a:t>
-            </a:r>
-          </a:p>
-          <a:p>
-            <a:pPr lvl="1"/>
-            <a:r>
-              <a:rPr lang="en-IN" dirty="0"/>
-              <a:t>The host is switched off, if the more than 1 hosts from itself, left and right host is switched on, else host is switched on.</a:t>
-            </a:r>
-          </a:p>
-          <a:p>
-            <a:pPr lvl="1"/>
-            <a:r>
-              <a:rPr lang="en-IN" dirty="0"/>
-              <a:t>Forms a pattern.</a:t>
-            </a:r>
-          </a:p>
-        </p:txBody>
-      </p:sp>
-      <p:sp>
-        <p:nvSpPr>
-          <p:cNvPr id="4" name="Slide Number Placeholder 3">
-            <a:extLst>
-              <a:ext uri="{FF2B5EF4-FFF2-40B4-BE49-F238E27FC236}">
-                <a16:creationId xmlns:a16="http://schemas.microsoft.com/office/drawing/2014/main" id="{838CF6D6-5C19-4E49-AF58-96D3C4E7FB2A}"/>
-              </a:ext>
-            </a:extLst>
-          </p:cNvPr>
-          <p:cNvSpPr>
-            <a:spLocks noGrp="1"/>
-          </p:cNvSpPr>
-          <p:nvPr>
-            <p:ph type="sldNum" sz="quarter" idx="12"/>
-          </p:nvPr>
-        </p:nvSpPr>
-        <p:spPr/>
-        <p:txBody>
-          <a:bodyPr/>
-          <a:lstStyle/>
-          <a:p>
-            <a:fld id="{ACA2A22D-43A3-4325-8000-B0F614F5476E}" type="slidenum">
-              <a:rPr lang="en-US" smtClean="0"/>
-              <a:pPr/>
-              <a:t>7</a:t>
-            </a:fld>
-            <a:endParaRPr lang="en-US"/>
-          </a:p>
-        </p:txBody>
-      </p:sp>
-    </p:spTree>
-    <p:extLst>
-      <p:ext uri="{BB962C8B-B14F-4D97-AF65-F5344CB8AC3E}">
-        <p14:creationId xmlns:p14="http://schemas.microsoft.com/office/powerpoint/2010/main" val="1404598216"/>
-      </p:ext>
-    </p:extLst>
-  </p:cSld>
-  <p:clrMapOvr>
-    <a:masterClrMapping/>
-  </p:clrMapOvr>
-  <mc:AlternateContent xmlns:mc="http://schemas.openxmlformats.org/markup-compatibility/2006" xmlns:p14="http://schemas.microsoft.com/office/powerpoint/2010/main">
-    <mc:Choice Requires="p14">
-      <p:transition spd="med" p14:dur="700">
-        <p:fade/>
-      </p:transition>
-    </mc:Choice>
-    <mc:Fallback xmlns="">
-      <p:transition spd="med">
-        <p:fade/>
-      </p:transition>
-    </mc:Fallback>
-  </mc:AlternateContent>
-</p:sld>
-</file>
-
-<file path=ppt/slides/slide8.xml><?xml version="1.0" encoding="utf-8"?>
-<p:sld xmlns:a="http://schemas.openxmlformats.org/drawingml/2006/main" xmlns:r="http://schemas.openxmlformats.org/officeDocument/2006/relationships" xmlns:p="http://schemas.openxmlformats.org/presentationml/2006/main">
-  <p:cSld>
-    <p:spTree>
-      <p:nvGrpSpPr>
-        <p:cNvPr id="1" name=""/>
-        <p:cNvGrpSpPr/>
-        <p:nvPr/>
-      </p:nvGrpSpPr>
-      <p:grpSpPr>
-        <a:xfrm>
-          <a:off x="0" y="0"/>
-          <a:ext cx="0" cy="0"/>
-          <a:chOff x="0" y="0"/>
-          <a:chExt cx="0" cy="0"/>
-        </a:xfrm>
-      </p:grpSpPr>
-      <p:sp>
-        <p:nvSpPr>
           <p:cNvPr id="4" name="Foliennummernplatzhalter 3"/>
           <p:cNvSpPr>
             <a:spLocks noGrp="1"/>
@@ -11914,7 +8914,7 @@
             <a:fld id="{ACA2A22D-43A3-4325-8000-B0F614F5476E}" type="slidenum">
               <a:rPr lang="en-US" smtClean="0"/>
               <a:pPr/>
-              <a:t>8</a:t>
+              <a:t>10</a:t>
             </a:fld>
             <a:endParaRPr lang="en-US"/>
           </a:p>
@@ -12153,7 +9153,7 @@
 </p:sld>
 </file>
 
-<file path=ppt/slides/slide9.xml><?xml version="1.0" encoding="utf-8"?>
+<file path=ppt/slides/slide11.xml><?xml version="1.0" encoding="utf-8"?>
 <p:sld xmlns:a="http://schemas.openxmlformats.org/drawingml/2006/main" xmlns:r="http://schemas.openxmlformats.org/officeDocument/2006/relationships" xmlns:p="http://schemas.openxmlformats.org/presentationml/2006/main">
   <p:cSld>
     <p:spTree>
@@ -12188,7 +9188,7 @@
             <a:fld id="{ACA2A22D-43A3-4325-8000-B0F614F5476E}" type="slidenum">
               <a:rPr lang="en-US" smtClean="0"/>
               <a:pPr/>
-              <a:t>9</a:t>
+              <a:t>11</a:t>
             </a:fld>
             <a:endParaRPr lang="en-US"/>
           </a:p>
@@ -12412,13 +9412,3333 @@
   <p:clrMapOvr>
     <a:masterClrMapping/>
   </p:clrMapOvr>
-  <mc:AlternateContent xmlns:mc="http://schemas.openxmlformats.org/markup-compatibility/2006">
-    <mc:Choice xmlns:p14="http://schemas.microsoft.com/office/powerpoint/2010/main" Requires="p14">
+  <mc:AlternateContent xmlns:mc="http://schemas.openxmlformats.org/markup-compatibility/2006" xmlns:p14="http://schemas.microsoft.com/office/powerpoint/2010/main">
+    <mc:Choice Requires="p14">
       <p:transition spd="med" p14:dur="700">
         <p:fade/>
       </p:transition>
     </mc:Choice>
-    <mc:Fallback>
+    <mc:Fallback xmlns="">
+      <p:transition spd="med">
+        <p:fade/>
+      </p:transition>
+    </mc:Fallback>
+  </mc:AlternateContent>
+</p:sld>
+</file>
+
+<file path=ppt/slides/slide12.xml><?xml version="1.0" encoding="utf-8"?>
+<p:sld xmlns:a="http://schemas.openxmlformats.org/drawingml/2006/main" xmlns:r="http://schemas.openxmlformats.org/officeDocument/2006/relationships" xmlns:p="http://schemas.openxmlformats.org/presentationml/2006/main">
+  <p:cSld>
+    <p:spTree>
+      <p:nvGrpSpPr>
+        <p:cNvPr id="1" name=""/>
+        <p:cNvGrpSpPr/>
+        <p:nvPr/>
+      </p:nvGrpSpPr>
+      <p:grpSpPr>
+        <a:xfrm>
+          <a:off x="0" y="0"/>
+          <a:ext cx="0" cy="0"/>
+          <a:chOff x="0" y="0"/>
+          <a:chExt cx="0" cy="0"/>
+        </a:xfrm>
+      </p:grpSpPr>
+      <p:sp>
+        <p:nvSpPr>
+          <p:cNvPr id="2" name="Title 1">
+            <a:extLst>
+              <a:ext uri="{FF2B5EF4-FFF2-40B4-BE49-F238E27FC236}">
+                <a16:creationId xmlns:a16="http://schemas.microsoft.com/office/drawing/2014/main" id="{33FE6824-F60D-4B79-8ADC-B39264A163B7}"/>
+              </a:ext>
+            </a:extLst>
+          </p:cNvPr>
+          <p:cNvSpPr>
+            <a:spLocks noGrp="1"/>
+          </p:cNvSpPr>
+          <p:nvPr>
+            <p:ph type="title"/>
+          </p:nvPr>
+        </p:nvSpPr>
+        <p:spPr/>
+        <p:txBody>
+          <a:bodyPr/>
+          <a:lstStyle/>
+          <a:p>
+            <a:r>
+              <a:rPr lang="en-IN" dirty="0"/>
+              <a:t>Wolfram Classification</a:t>
+            </a:r>
+          </a:p>
+        </p:txBody>
+      </p:sp>
+      <p:sp>
+        <p:nvSpPr>
+          <p:cNvPr id="3" name="Content Placeholder 2">
+            <a:extLst>
+              <a:ext uri="{FF2B5EF4-FFF2-40B4-BE49-F238E27FC236}">
+                <a16:creationId xmlns:a16="http://schemas.microsoft.com/office/drawing/2014/main" id="{04088B78-2CAC-4F7E-A8CB-E8EEA506B802}"/>
+              </a:ext>
+            </a:extLst>
+          </p:cNvPr>
+          <p:cNvSpPr>
+            <a:spLocks noGrp="1"/>
+          </p:cNvSpPr>
+          <p:nvPr>
+            <p:ph idx="1"/>
+          </p:nvPr>
+        </p:nvSpPr>
+        <p:spPr/>
+        <p:txBody>
+          <a:bodyPr/>
+          <a:lstStyle/>
+          <a:p>
+            <a:pPr marL="0" indent="0" algn="l">
+              <a:buNone/>
+            </a:pPr>
+            <a:r>
+              <a:rPr lang="en-US" sz="1800" dirty="0">
+                <a:latin typeface="Arial-BoldMT"/>
+              </a:rPr>
+              <a:t>Classification of rule from rule set when cellular automata and immediate </a:t>
+            </a:r>
+            <a:r>
+              <a:rPr lang="en-US" sz="1800" dirty="0" err="1">
+                <a:latin typeface="Arial-BoldMT"/>
+              </a:rPr>
+              <a:t>neighbours</a:t>
+            </a:r>
+            <a:r>
+              <a:rPr lang="en-US" sz="1800" dirty="0">
+                <a:latin typeface="Arial-BoldMT"/>
+              </a:rPr>
+              <a:t> are used for evolution. The total number of rules for evolution is 255. Some rules from these 255 rule set is classified into four classes as follows:</a:t>
+            </a:r>
+          </a:p>
+          <a:p>
+            <a:pPr marL="0" indent="0" algn="l">
+              <a:buNone/>
+            </a:pPr>
+            <a:endParaRPr lang="en-US" sz="1800" i="0" strike="noStrike" baseline="0" dirty="0">
+              <a:latin typeface="Arial-BoldMT"/>
+            </a:endParaRPr>
+          </a:p>
+          <a:p>
+            <a:pPr algn="l"/>
+            <a:r>
+              <a:rPr lang="en-US" sz="1800" b="1" i="0" u="sng" strike="noStrike" baseline="0" dirty="0">
+                <a:latin typeface="Arial-BoldMT"/>
+              </a:rPr>
+              <a:t>Class 1</a:t>
+            </a:r>
+            <a:r>
+              <a:rPr lang="en-US" sz="1800" b="1" i="0" u="none" strike="noStrike" baseline="0" dirty="0">
+                <a:latin typeface="Arial-BoldMT"/>
+              </a:rPr>
+              <a:t>: </a:t>
+            </a:r>
+            <a:r>
+              <a:rPr lang="en-US" sz="1800" b="0" i="0" u="none" strike="noStrike" baseline="0" dirty="0">
+                <a:latin typeface="ArialMT"/>
+              </a:rPr>
+              <a:t>Cellular automata which rapidly converge to a uniform state. Examples are rules 0, 32, 160 and 232.</a:t>
+            </a:r>
+          </a:p>
+          <a:p>
+            <a:pPr algn="l"/>
+            <a:r>
+              <a:rPr lang="en-US" sz="1800" b="1" i="0" u="sng" strike="noStrike" baseline="0" dirty="0">
+                <a:latin typeface="Arial-BoldMT"/>
+              </a:rPr>
+              <a:t>Class 2:</a:t>
+            </a:r>
+            <a:r>
+              <a:rPr lang="en-US" sz="1800" b="1" i="0" u="none" strike="noStrike" baseline="0" dirty="0">
+                <a:latin typeface="Arial-BoldMT"/>
+              </a:rPr>
+              <a:t> </a:t>
+            </a:r>
+            <a:r>
+              <a:rPr lang="en-US" sz="1800" b="0" i="0" u="none" strike="noStrike" baseline="0" dirty="0">
+                <a:latin typeface="ArialMT"/>
+              </a:rPr>
+              <a:t>Cellular automata which rapidly converge to a repetitive or stable state. Examples are rules 4, 108, 218 and 250.</a:t>
+            </a:r>
+          </a:p>
+          <a:p>
+            <a:pPr algn="l"/>
+            <a:r>
+              <a:rPr lang="en-US" sz="1800" b="1" i="0" u="sng" strike="noStrike" baseline="0" dirty="0">
+                <a:latin typeface="Arial-BoldMT"/>
+              </a:rPr>
+              <a:t>Class 3:</a:t>
+            </a:r>
+            <a:r>
+              <a:rPr lang="en-US" sz="1800" b="1" i="0" u="none" strike="noStrike" baseline="0" dirty="0">
+                <a:latin typeface="Arial-BoldMT"/>
+              </a:rPr>
+              <a:t> </a:t>
+            </a:r>
+            <a:r>
+              <a:rPr lang="en-US" sz="1800" b="0" i="0" u="none" strike="noStrike" baseline="0" dirty="0">
+                <a:latin typeface="ArialMT"/>
+              </a:rPr>
+              <a:t>Cellular automata which appear to remain in a random state. Examples are rules 22, 30, 126, 150, 182.</a:t>
+            </a:r>
+          </a:p>
+          <a:p>
+            <a:pPr algn="l"/>
+            <a:r>
+              <a:rPr lang="en-US" sz="1800" b="1" i="0" u="sng" strike="noStrike" baseline="0" dirty="0">
+                <a:latin typeface="Arial-BoldMT"/>
+              </a:rPr>
+              <a:t>Class 4:</a:t>
+            </a:r>
+            <a:r>
+              <a:rPr lang="en-US" sz="1800" b="1" i="0" u="none" strike="noStrike" baseline="0" dirty="0">
+                <a:latin typeface="Arial-BoldMT"/>
+              </a:rPr>
+              <a:t> </a:t>
+            </a:r>
+            <a:r>
+              <a:rPr lang="en-US" sz="1800" b="0" i="0" u="none" strike="noStrike" baseline="0" dirty="0">
+                <a:latin typeface="ArialMT"/>
+              </a:rPr>
+              <a:t>Cellular automata which form areas of repetitive or stable states, but also form structures that interact with each other in complicated ways. An example is rule 110.</a:t>
+            </a:r>
+            <a:endParaRPr lang="en-IN" dirty="0"/>
+          </a:p>
+        </p:txBody>
+      </p:sp>
+      <p:sp>
+        <p:nvSpPr>
+          <p:cNvPr id="4" name="Slide Number Placeholder 3">
+            <a:extLst>
+              <a:ext uri="{FF2B5EF4-FFF2-40B4-BE49-F238E27FC236}">
+                <a16:creationId xmlns:a16="http://schemas.microsoft.com/office/drawing/2014/main" id="{4BF2BF6E-2663-4E5A-B76B-24960FDE8599}"/>
+              </a:ext>
+            </a:extLst>
+          </p:cNvPr>
+          <p:cNvSpPr>
+            <a:spLocks noGrp="1"/>
+          </p:cNvSpPr>
+          <p:nvPr>
+            <p:ph type="sldNum" sz="quarter" idx="12"/>
+          </p:nvPr>
+        </p:nvSpPr>
+        <p:spPr/>
+        <p:txBody>
+          <a:bodyPr/>
+          <a:lstStyle/>
+          <a:p>
+            <a:fld id="{ACA2A22D-43A3-4325-8000-B0F614F5476E}" type="slidenum">
+              <a:rPr lang="en-US" smtClean="0"/>
+              <a:pPr/>
+              <a:t>12</a:t>
+            </a:fld>
+            <a:endParaRPr lang="en-US"/>
+          </a:p>
+        </p:txBody>
+      </p:sp>
+    </p:spTree>
+    <p:extLst>
+      <p:ext uri="{BB962C8B-B14F-4D97-AF65-F5344CB8AC3E}">
+        <p14:creationId xmlns:p14="http://schemas.microsoft.com/office/powerpoint/2010/main" val="1377198174"/>
+      </p:ext>
+    </p:extLst>
+  </p:cSld>
+  <p:clrMapOvr>
+    <a:masterClrMapping/>
+  </p:clrMapOvr>
+  <mc:AlternateContent xmlns:mc="http://schemas.openxmlformats.org/markup-compatibility/2006" xmlns:p14="http://schemas.microsoft.com/office/powerpoint/2010/main">
+    <mc:Choice Requires="p14">
+      <p:transition spd="med" p14:dur="700">
+        <p:fade/>
+      </p:transition>
+    </mc:Choice>
+    <mc:Fallback xmlns="">
+      <p:transition spd="med">
+        <p:fade/>
+      </p:transition>
+    </mc:Fallback>
+  </mc:AlternateContent>
+</p:sld>
+</file>
+
+<file path=ppt/slides/slide13.xml><?xml version="1.0" encoding="utf-8"?>
+<p:sld xmlns:a="http://schemas.openxmlformats.org/drawingml/2006/main" xmlns:r="http://schemas.openxmlformats.org/officeDocument/2006/relationships" xmlns:p="http://schemas.openxmlformats.org/presentationml/2006/main">
+  <p:cSld>
+    <p:spTree>
+      <p:nvGrpSpPr>
+        <p:cNvPr id="1" name=""/>
+        <p:cNvGrpSpPr/>
+        <p:nvPr/>
+      </p:nvGrpSpPr>
+      <p:grpSpPr>
+        <a:xfrm>
+          <a:off x="0" y="0"/>
+          <a:ext cx="0" cy="0"/>
+          <a:chOff x="0" y="0"/>
+          <a:chExt cx="0" cy="0"/>
+        </a:xfrm>
+      </p:grpSpPr>
+      <p:sp>
+        <p:nvSpPr>
+          <p:cNvPr id="2" name="Title 1">
+            <a:extLst>
+              <a:ext uri="{FF2B5EF4-FFF2-40B4-BE49-F238E27FC236}">
+                <a16:creationId xmlns:a16="http://schemas.microsoft.com/office/drawing/2014/main" id="{C8D934DD-5444-49C1-809D-AA3CC903D687}"/>
+              </a:ext>
+            </a:extLst>
+          </p:cNvPr>
+          <p:cNvSpPr>
+            <a:spLocks noGrp="1"/>
+          </p:cNvSpPr>
+          <p:nvPr>
+            <p:ph type="title"/>
+          </p:nvPr>
+        </p:nvSpPr>
+        <p:spPr/>
+        <p:txBody>
+          <a:bodyPr/>
+          <a:lstStyle/>
+          <a:p>
+            <a:r>
+              <a:rPr lang="en-IN" dirty="0"/>
+              <a:t>Results</a:t>
+            </a:r>
+          </a:p>
+        </p:txBody>
+      </p:sp>
+      <p:sp>
+        <p:nvSpPr>
+          <p:cNvPr id="3" name="Content Placeholder 2">
+            <a:extLst>
+              <a:ext uri="{FF2B5EF4-FFF2-40B4-BE49-F238E27FC236}">
+                <a16:creationId xmlns:a16="http://schemas.microsoft.com/office/drawing/2014/main" id="{D7A80969-652E-44C3-897C-75B57E50186D}"/>
+              </a:ext>
+            </a:extLst>
+          </p:cNvPr>
+          <p:cNvSpPr>
+            <a:spLocks noGrp="1"/>
+          </p:cNvSpPr>
+          <p:nvPr>
+            <p:ph idx="1"/>
+          </p:nvPr>
+        </p:nvSpPr>
+        <p:spPr/>
+        <p:txBody>
+          <a:bodyPr/>
+          <a:lstStyle/>
+          <a:p>
+            <a:r>
+              <a:rPr lang="en-IN" dirty="0"/>
+              <a:t>From Rule 23 and Rule 232.</a:t>
+            </a:r>
+          </a:p>
+          <a:p>
+            <a:pPr marL="0" indent="0">
+              <a:buNone/>
+            </a:pPr>
+            <a:endParaRPr lang="en-IN" dirty="0"/>
+          </a:p>
+        </p:txBody>
+      </p:sp>
+      <p:sp>
+        <p:nvSpPr>
+          <p:cNvPr id="4" name="Slide Number Placeholder 3">
+            <a:extLst>
+              <a:ext uri="{FF2B5EF4-FFF2-40B4-BE49-F238E27FC236}">
+                <a16:creationId xmlns:a16="http://schemas.microsoft.com/office/drawing/2014/main" id="{FB33BC86-DDB9-4A1D-BCDA-4EDCAEE96ACD}"/>
+              </a:ext>
+            </a:extLst>
+          </p:cNvPr>
+          <p:cNvSpPr>
+            <a:spLocks noGrp="1"/>
+          </p:cNvSpPr>
+          <p:nvPr>
+            <p:ph type="sldNum" sz="quarter" idx="12"/>
+          </p:nvPr>
+        </p:nvSpPr>
+        <p:spPr/>
+        <p:txBody>
+          <a:bodyPr/>
+          <a:lstStyle/>
+          <a:p>
+            <a:fld id="{ACA2A22D-43A3-4325-8000-B0F614F5476E}" type="slidenum">
+              <a:rPr lang="en-US" smtClean="0"/>
+              <a:pPr/>
+              <a:t>13</a:t>
+            </a:fld>
+            <a:endParaRPr lang="en-US"/>
+          </a:p>
+        </p:txBody>
+      </p:sp>
+      <p:pic>
+        <p:nvPicPr>
+          <p:cNvPr id="6" name="Picture 5">
+            <a:extLst>
+              <a:ext uri="{FF2B5EF4-FFF2-40B4-BE49-F238E27FC236}">
+                <a16:creationId xmlns:a16="http://schemas.microsoft.com/office/drawing/2014/main" id="{D9800189-2828-4FA1-A9F5-36FC70C30E00}"/>
+              </a:ext>
+            </a:extLst>
+          </p:cNvPr>
+          <p:cNvPicPr>
+            <a:picLocks noChangeAspect="1"/>
+          </p:cNvPicPr>
+          <p:nvPr/>
+        </p:nvPicPr>
+        <p:blipFill>
+          <a:blip r:embed="rId2"/>
+          <a:stretch>
+            <a:fillRect/>
+          </a:stretch>
+        </p:blipFill>
+        <p:spPr>
+          <a:xfrm>
+            <a:off x="2898081" y="1628800"/>
+            <a:ext cx="4922947" cy="4519052"/>
+          </a:xfrm>
+          <a:prstGeom prst="rect">
+            <a:avLst/>
+          </a:prstGeom>
+        </p:spPr>
+      </p:pic>
+    </p:spTree>
+    <p:extLst>
+      <p:ext uri="{BB962C8B-B14F-4D97-AF65-F5344CB8AC3E}">
+        <p14:creationId xmlns:p14="http://schemas.microsoft.com/office/powerpoint/2010/main" val="2799450002"/>
+      </p:ext>
+    </p:extLst>
+  </p:cSld>
+  <p:clrMapOvr>
+    <a:masterClrMapping/>
+  </p:clrMapOvr>
+  <mc:AlternateContent xmlns:mc="http://schemas.openxmlformats.org/markup-compatibility/2006" xmlns:p14="http://schemas.microsoft.com/office/powerpoint/2010/main">
+    <mc:Choice Requires="p14">
+      <p:transition spd="med" p14:dur="700">
+        <p:fade/>
+      </p:transition>
+    </mc:Choice>
+    <mc:Fallback xmlns="">
+      <p:transition spd="med">
+        <p:fade/>
+      </p:transition>
+    </mc:Fallback>
+  </mc:AlternateContent>
+</p:sld>
+</file>
+
+<file path=ppt/slides/slide14.xml><?xml version="1.0" encoding="utf-8"?>
+<p:sld xmlns:a="http://schemas.openxmlformats.org/drawingml/2006/main" xmlns:r="http://schemas.openxmlformats.org/officeDocument/2006/relationships" xmlns:p="http://schemas.openxmlformats.org/presentationml/2006/main">
+  <p:cSld>
+    <p:spTree>
+      <p:nvGrpSpPr>
+        <p:cNvPr id="1" name=""/>
+        <p:cNvGrpSpPr/>
+        <p:nvPr/>
+      </p:nvGrpSpPr>
+      <p:grpSpPr>
+        <a:xfrm>
+          <a:off x="0" y="0"/>
+          <a:ext cx="0" cy="0"/>
+          <a:chOff x="0" y="0"/>
+          <a:chExt cx="0" cy="0"/>
+        </a:xfrm>
+      </p:grpSpPr>
+      <p:sp>
+        <p:nvSpPr>
+          <p:cNvPr id="2" name="Title 1">
+            <a:extLst>
+              <a:ext uri="{FF2B5EF4-FFF2-40B4-BE49-F238E27FC236}">
+                <a16:creationId xmlns:a16="http://schemas.microsoft.com/office/drawing/2014/main" id="{87589BC9-1119-4918-8E45-1E9FB97EB586}"/>
+              </a:ext>
+            </a:extLst>
+          </p:cNvPr>
+          <p:cNvSpPr>
+            <a:spLocks noGrp="1"/>
+          </p:cNvSpPr>
+          <p:nvPr>
+            <p:ph type="title"/>
+          </p:nvPr>
+        </p:nvSpPr>
+        <p:spPr/>
+        <p:txBody>
+          <a:bodyPr/>
+          <a:lstStyle/>
+          <a:p>
+            <a:r>
+              <a:rPr lang="en-IN" dirty="0"/>
+              <a:t>Results</a:t>
+            </a:r>
+          </a:p>
+        </p:txBody>
+      </p:sp>
+      <p:sp>
+        <p:nvSpPr>
+          <p:cNvPr id="3" name="Content Placeholder 2">
+            <a:extLst>
+              <a:ext uri="{FF2B5EF4-FFF2-40B4-BE49-F238E27FC236}">
+                <a16:creationId xmlns:a16="http://schemas.microsoft.com/office/drawing/2014/main" id="{0D02B596-ABCF-48D3-A87C-750E0D7B0A9D}"/>
+              </a:ext>
+            </a:extLst>
+          </p:cNvPr>
+          <p:cNvSpPr>
+            <a:spLocks noGrp="1"/>
+          </p:cNvSpPr>
+          <p:nvPr>
+            <p:ph idx="1"/>
+          </p:nvPr>
+        </p:nvSpPr>
+        <p:spPr/>
+        <p:txBody>
+          <a:bodyPr/>
+          <a:lstStyle/>
+          <a:p>
+            <a:r>
+              <a:rPr lang="en-IN" dirty="0"/>
+              <a:t>From Wolfram’s rules</a:t>
+            </a:r>
+          </a:p>
+          <a:p>
+            <a:pPr marL="0" indent="0">
+              <a:buNone/>
+            </a:pPr>
+            <a:endParaRPr lang="en-IN" dirty="0"/>
+          </a:p>
+        </p:txBody>
+      </p:sp>
+      <p:sp>
+        <p:nvSpPr>
+          <p:cNvPr id="4" name="Slide Number Placeholder 3">
+            <a:extLst>
+              <a:ext uri="{FF2B5EF4-FFF2-40B4-BE49-F238E27FC236}">
+                <a16:creationId xmlns:a16="http://schemas.microsoft.com/office/drawing/2014/main" id="{8329DB29-DC3C-4C27-8E9A-9CB0FEBB09A5}"/>
+              </a:ext>
+            </a:extLst>
+          </p:cNvPr>
+          <p:cNvSpPr>
+            <a:spLocks noGrp="1"/>
+          </p:cNvSpPr>
+          <p:nvPr>
+            <p:ph type="sldNum" sz="quarter" idx="12"/>
+          </p:nvPr>
+        </p:nvSpPr>
+        <p:spPr/>
+        <p:txBody>
+          <a:bodyPr/>
+          <a:lstStyle/>
+          <a:p>
+            <a:fld id="{ACA2A22D-43A3-4325-8000-B0F614F5476E}" type="slidenum">
+              <a:rPr lang="en-US" smtClean="0"/>
+              <a:pPr/>
+              <a:t>14</a:t>
+            </a:fld>
+            <a:endParaRPr lang="en-US"/>
+          </a:p>
+        </p:txBody>
+      </p:sp>
+      <p:pic>
+        <p:nvPicPr>
+          <p:cNvPr id="6" name="Picture 5">
+            <a:extLst>
+              <a:ext uri="{FF2B5EF4-FFF2-40B4-BE49-F238E27FC236}">
+                <a16:creationId xmlns:a16="http://schemas.microsoft.com/office/drawing/2014/main" id="{5C1FB04F-F32E-4960-B3E3-EF4FDB459AE2}"/>
+              </a:ext>
+            </a:extLst>
+          </p:cNvPr>
+          <p:cNvPicPr>
+            <a:picLocks noChangeAspect="1"/>
+          </p:cNvPicPr>
+          <p:nvPr/>
+        </p:nvPicPr>
+        <p:blipFill>
+          <a:blip r:embed="rId2"/>
+          <a:stretch>
+            <a:fillRect/>
+          </a:stretch>
+        </p:blipFill>
+        <p:spPr>
+          <a:xfrm>
+            <a:off x="3082240" y="1628800"/>
+            <a:ext cx="4816257" cy="4488569"/>
+          </a:xfrm>
+          <a:prstGeom prst="rect">
+            <a:avLst/>
+          </a:prstGeom>
+        </p:spPr>
+      </p:pic>
+    </p:spTree>
+    <p:extLst>
+      <p:ext uri="{BB962C8B-B14F-4D97-AF65-F5344CB8AC3E}">
+        <p14:creationId xmlns:p14="http://schemas.microsoft.com/office/powerpoint/2010/main" val="3007552922"/>
+      </p:ext>
+    </p:extLst>
+  </p:cSld>
+  <p:clrMapOvr>
+    <a:masterClrMapping/>
+  </p:clrMapOvr>
+  <mc:AlternateContent xmlns:mc="http://schemas.openxmlformats.org/markup-compatibility/2006" xmlns:p14="http://schemas.microsoft.com/office/powerpoint/2010/main">
+    <mc:Choice Requires="p14">
+      <p:transition spd="med" p14:dur="700">
+        <p:fade/>
+      </p:transition>
+    </mc:Choice>
+    <mc:Fallback xmlns="">
+      <p:transition spd="med">
+        <p:fade/>
+      </p:transition>
+    </mc:Fallback>
+  </mc:AlternateContent>
+</p:sld>
+</file>
+
+<file path=ppt/slides/slide15.xml><?xml version="1.0" encoding="utf-8"?>
+<p:sld xmlns:a="http://schemas.openxmlformats.org/drawingml/2006/main" xmlns:r="http://schemas.openxmlformats.org/officeDocument/2006/relationships" xmlns:p="http://schemas.openxmlformats.org/presentationml/2006/main">
+  <p:cSld>
+    <p:spTree>
+      <p:nvGrpSpPr>
+        <p:cNvPr id="1" name=""/>
+        <p:cNvGrpSpPr/>
+        <p:nvPr/>
+      </p:nvGrpSpPr>
+      <p:grpSpPr>
+        <a:xfrm>
+          <a:off x="0" y="0"/>
+          <a:ext cx="0" cy="0"/>
+          <a:chOff x="0" y="0"/>
+          <a:chExt cx="0" cy="0"/>
+        </a:xfrm>
+      </p:grpSpPr>
+      <p:sp>
+        <p:nvSpPr>
+          <p:cNvPr id="2" name="Title 1">
+            <a:extLst>
+              <a:ext uri="{FF2B5EF4-FFF2-40B4-BE49-F238E27FC236}">
+                <a16:creationId xmlns:a16="http://schemas.microsoft.com/office/drawing/2014/main" id="{DE583A26-C97E-498E-A31E-7AEF8D290F4D}"/>
+              </a:ext>
+            </a:extLst>
+          </p:cNvPr>
+          <p:cNvSpPr>
+            <a:spLocks noGrp="1"/>
+          </p:cNvSpPr>
+          <p:nvPr>
+            <p:ph type="title"/>
+          </p:nvPr>
+        </p:nvSpPr>
+        <p:spPr/>
+        <p:txBody>
+          <a:bodyPr/>
+          <a:lstStyle/>
+          <a:p>
+            <a:r>
+              <a:rPr lang="en-IN" dirty="0"/>
+              <a:t>Conclusion</a:t>
+            </a:r>
+          </a:p>
+        </p:txBody>
+      </p:sp>
+      <p:sp>
+        <p:nvSpPr>
+          <p:cNvPr id="3" name="Content Placeholder 2">
+            <a:extLst>
+              <a:ext uri="{FF2B5EF4-FFF2-40B4-BE49-F238E27FC236}">
+                <a16:creationId xmlns:a16="http://schemas.microsoft.com/office/drawing/2014/main" id="{025EC8A6-6C84-49E7-A563-681B67329728}"/>
+              </a:ext>
+            </a:extLst>
+          </p:cNvPr>
+          <p:cNvSpPr>
+            <a:spLocks noGrp="1"/>
+          </p:cNvSpPr>
+          <p:nvPr>
+            <p:ph idx="1"/>
+          </p:nvPr>
+        </p:nvSpPr>
+        <p:spPr/>
+        <p:txBody>
+          <a:bodyPr/>
+          <a:lstStyle/>
+          <a:p>
+            <a:r>
+              <a:rPr lang="en-IN" dirty="0"/>
+              <a:t>The Rule 23 evolution form a hot spot in the data </a:t>
+            </a:r>
+            <a:r>
+              <a:rPr lang="en-IN" dirty="0" err="1"/>
+              <a:t>center</a:t>
+            </a:r>
+            <a:r>
+              <a:rPr lang="en-IN" dirty="0"/>
+              <a:t> by allocating VM in the location where temperature is already high.</a:t>
+            </a:r>
+          </a:p>
+          <a:p>
+            <a:r>
+              <a:rPr lang="en-IN" dirty="0"/>
+              <a:t>The Rule 232 evolution distributes the temperature in the data </a:t>
+            </a:r>
+            <a:r>
+              <a:rPr lang="en-IN" dirty="0" err="1"/>
+              <a:t>center</a:t>
+            </a:r>
+            <a:r>
+              <a:rPr lang="en-IN" dirty="0"/>
+              <a:t> by not allocating the VM in the location where temperature is already high.</a:t>
+            </a:r>
+          </a:p>
+          <a:p>
+            <a:r>
+              <a:rPr lang="en-IN" dirty="0"/>
+              <a:t>From the results we can conclude when the temperature is distributed in the data </a:t>
+            </a:r>
+            <a:r>
+              <a:rPr lang="en-IN" dirty="0" err="1"/>
+              <a:t>center</a:t>
+            </a:r>
+            <a:r>
+              <a:rPr lang="en-IN" dirty="0"/>
+              <a:t> the cooling cost of the data </a:t>
+            </a:r>
+            <a:r>
+              <a:rPr lang="en-IN" dirty="0" err="1"/>
+              <a:t>center</a:t>
+            </a:r>
+            <a:r>
+              <a:rPr lang="en-IN" dirty="0"/>
+              <a:t> reduces.</a:t>
+            </a:r>
+          </a:p>
+          <a:p>
+            <a:r>
+              <a:rPr lang="en-IN" dirty="0"/>
+              <a:t>From the results from Wolfram classification graph the order of performance is class 3 &gt; class 2 &gt; class 4 &gt; class 1. But class 3 remains in random state, so it is not possible say it is better. Therefore from results, we can say class 2 has better performance. </a:t>
+            </a:r>
+          </a:p>
+        </p:txBody>
+      </p:sp>
+      <p:sp>
+        <p:nvSpPr>
+          <p:cNvPr id="4" name="Slide Number Placeholder 3">
+            <a:extLst>
+              <a:ext uri="{FF2B5EF4-FFF2-40B4-BE49-F238E27FC236}">
+                <a16:creationId xmlns:a16="http://schemas.microsoft.com/office/drawing/2014/main" id="{BA298A0A-742A-4AF0-AE6C-E43D83736E7D}"/>
+              </a:ext>
+            </a:extLst>
+          </p:cNvPr>
+          <p:cNvSpPr>
+            <a:spLocks noGrp="1"/>
+          </p:cNvSpPr>
+          <p:nvPr>
+            <p:ph type="sldNum" sz="quarter" idx="12"/>
+          </p:nvPr>
+        </p:nvSpPr>
+        <p:spPr/>
+        <p:txBody>
+          <a:bodyPr/>
+          <a:lstStyle/>
+          <a:p>
+            <a:fld id="{ACA2A22D-43A3-4325-8000-B0F614F5476E}" type="slidenum">
+              <a:rPr lang="en-US" smtClean="0"/>
+              <a:pPr/>
+              <a:t>15</a:t>
+            </a:fld>
+            <a:endParaRPr lang="en-US"/>
+          </a:p>
+        </p:txBody>
+      </p:sp>
+    </p:spTree>
+    <p:extLst>
+      <p:ext uri="{BB962C8B-B14F-4D97-AF65-F5344CB8AC3E}">
+        <p14:creationId xmlns:p14="http://schemas.microsoft.com/office/powerpoint/2010/main" val="3211534244"/>
+      </p:ext>
+    </p:extLst>
+  </p:cSld>
+  <p:clrMapOvr>
+    <a:masterClrMapping/>
+  </p:clrMapOvr>
+  <mc:AlternateContent xmlns:mc="http://schemas.openxmlformats.org/markup-compatibility/2006" xmlns:p14="http://schemas.microsoft.com/office/powerpoint/2010/main">
+    <mc:Choice Requires="p14">
+      <p:transition spd="med" p14:dur="700">
+        <p:fade/>
+      </p:transition>
+    </mc:Choice>
+    <mc:Fallback xmlns="">
+      <p:transition spd="med">
+        <p:fade/>
+      </p:transition>
+    </mc:Fallback>
+  </mc:AlternateContent>
+</p:sld>
+</file>
+
+<file path=ppt/slides/slide16.xml><?xml version="1.0" encoding="utf-8"?>
+<p:sld xmlns:a="http://schemas.openxmlformats.org/drawingml/2006/main" xmlns:r="http://schemas.openxmlformats.org/officeDocument/2006/relationships" xmlns:p="http://schemas.openxmlformats.org/presentationml/2006/main">
+  <p:cSld>
+    <p:spTree>
+      <p:nvGrpSpPr>
+        <p:cNvPr id="1" name=""/>
+        <p:cNvGrpSpPr/>
+        <p:nvPr/>
+      </p:nvGrpSpPr>
+      <p:grpSpPr>
+        <a:xfrm>
+          <a:off x="0" y="0"/>
+          <a:ext cx="0" cy="0"/>
+          <a:chOff x="0" y="0"/>
+          <a:chExt cx="0" cy="0"/>
+        </a:xfrm>
+      </p:grpSpPr>
+      <p:sp>
+        <p:nvSpPr>
+          <p:cNvPr id="2" name="Title 1">
+            <a:extLst>
+              <a:ext uri="{FF2B5EF4-FFF2-40B4-BE49-F238E27FC236}">
+                <a16:creationId xmlns:a16="http://schemas.microsoft.com/office/drawing/2014/main" id="{017E93CF-6285-4B75-8E06-90F01C5D9061}"/>
+              </a:ext>
+            </a:extLst>
+          </p:cNvPr>
+          <p:cNvSpPr>
+            <a:spLocks noGrp="1"/>
+          </p:cNvSpPr>
+          <p:nvPr>
+            <p:ph type="title"/>
+          </p:nvPr>
+        </p:nvSpPr>
+        <p:spPr/>
+        <p:txBody>
+          <a:bodyPr/>
+          <a:lstStyle/>
+          <a:p>
+            <a:r>
+              <a:rPr lang="en-IN" dirty="0"/>
+              <a:t>Future Work</a:t>
+            </a:r>
+          </a:p>
+        </p:txBody>
+      </p:sp>
+      <p:sp>
+        <p:nvSpPr>
+          <p:cNvPr id="3" name="Content Placeholder 2">
+            <a:extLst>
+              <a:ext uri="{FF2B5EF4-FFF2-40B4-BE49-F238E27FC236}">
+                <a16:creationId xmlns:a16="http://schemas.microsoft.com/office/drawing/2014/main" id="{37DE9728-87C0-48ED-8805-AAD366DB0446}"/>
+              </a:ext>
+            </a:extLst>
+          </p:cNvPr>
+          <p:cNvSpPr>
+            <a:spLocks noGrp="1"/>
+          </p:cNvSpPr>
+          <p:nvPr>
+            <p:ph idx="1"/>
+          </p:nvPr>
+        </p:nvSpPr>
+        <p:spPr/>
+        <p:txBody>
+          <a:bodyPr/>
+          <a:lstStyle/>
+          <a:p>
+            <a:r>
+              <a:rPr lang="en-IN" dirty="0"/>
+              <a:t>Study on performance of rules from different Wolfram’s classes.</a:t>
+            </a:r>
+          </a:p>
+          <a:p>
+            <a:r>
+              <a:rPr lang="en-IN" dirty="0"/>
+              <a:t>Study on relation and performance of rules from same class.</a:t>
+            </a:r>
+          </a:p>
+          <a:p>
+            <a:r>
+              <a:rPr lang="en-IN" dirty="0"/>
+              <a:t>Comparing cellular automata resource allocation result from other related works.</a:t>
+            </a:r>
+          </a:p>
+        </p:txBody>
+      </p:sp>
+      <p:sp>
+        <p:nvSpPr>
+          <p:cNvPr id="4" name="Slide Number Placeholder 3">
+            <a:extLst>
+              <a:ext uri="{FF2B5EF4-FFF2-40B4-BE49-F238E27FC236}">
+                <a16:creationId xmlns:a16="http://schemas.microsoft.com/office/drawing/2014/main" id="{53541180-CEA0-4097-9D73-4B7563E91A34}"/>
+              </a:ext>
+            </a:extLst>
+          </p:cNvPr>
+          <p:cNvSpPr>
+            <a:spLocks noGrp="1"/>
+          </p:cNvSpPr>
+          <p:nvPr>
+            <p:ph type="sldNum" sz="quarter" idx="12"/>
+          </p:nvPr>
+        </p:nvSpPr>
+        <p:spPr/>
+        <p:txBody>
+          <a:bodyPr/>
+          <a:lstStyle/>
+          <a:p>
+            <a:fld id="{ACA2A22D-43A3-4325-8000-B0F614F5476E}" type="slidenum">
+              <a:rPr lang="en-US" smtClean="0"/>
+              <a:pPr/>
+              <a:t>16</a:t>
+            </a:fld>
+            <a:endParaRPr lang="en-US"/>
+          </a:p>
+        </p:txBody>
+      </p:sp>
+    </p:spTree>
+    <p:extLst>
+      <p:ext uri="{BB962C8B-B14F-4D97-AF65-F5344CB8AC3E}">
+        <p14:creationId xmlns:p14="http://schemas.microsoft.com/office/powerpoint/2010/main" val="4179575701"/>
+      </p:ext>
+    </p:extLst>
+  </p:cSld>
+  <p:clrMapOvr>
+    <a:masterClrMapping/>
+  </p:clrMapOvr>
+  <mc:AlternateContent xmlns:mc="http://schemas.openxmlformats.org/markup-compatibility/2006" xmlns:p14="http://schemas.microsoft.com/office/powerpoint/2010/main">
+    <mc:Choice Requires="p14">
+      <p:transition spd="med" p14:dur="700">
+        <p:fade/>
+      </p:transition>
+    </mc:Choice>
+    <mc:Fallback xmlns="">
+      <p:transition spd="med">
+        <p:fade/>
+      </p:transition>
+    </mc:Fallback>
+  </mc:AlternateContent>
+</p:sld>
+</file>
+
+<file path=ppt/slides/slide17.xml><?xml version="1.0" encoding="utf-8"?>
+<p:sld xmlns:a="http://schemas.openxmlformats.org/drawingml/2006/main" xmlns:r="http://schemas.openxmlformats.org/officeDocument/2006/relationships" xmlns:p="http://schemas.openxmlformats.org/presentationml/2006/main">
+  <p:cSld>
+    <p:spTree>
+      <p:nvGrpSpPr>
+        <p:cNvPr id="1" name=""/>
+        <p:cNvGrpSpPr/>
+        <p:nvPr/>
+      </p:nvGrpSpPr>
+      <p:grpSpPr>
+        <a:xfrm>
+          <a:off x="0" y="0"/>
+          <a:ext cx="0" cy="0"/>
+          <a:chOff x="0" y="0"/>
+          <a:chExt cx="0" cy="0"/>
+        </a:xfrm>
+      </p:grpSpPr>
+      <p:sp>
+        <p:nvSpPr>
+          <p:cNvPr id="2" name="Title 1">
+            <a:extLst>
+              <a:ext uri="{FF2B5EF4-FFF2-40B4-BE49-F238E27FC236}">
+                <a16:creationId xmlns:a16="http://schemas.microsoft.com/office/drawing/2014/main" id="{47145846-815A-4594-B619-EC7AB2BA8800}"/>
+              </a:ext>
+            </a:extLst>
+          </p:cNvPr>
+          <p:cNvSpPr>
+            <a:spLocks noGrp="1"/>
+          </p:cNvSpPr>
+          <p:nvPr>
+            <p:ph type="title"/>
+          </p:nvPr>
+        </p:nvSpPr>
+        <p:spPr/>
+        <p:txBody>
+          <a:bodyPr/>
+          <a:lstStyle/>
+          <a:p>
+            <a:r>
+              <a:rPr lang="en-IN" dirty="0"/>
+              <a:t>References</a:t>
+            </a:r>
+          </a:p>
+        </p:txBody>
+      </p:sp>
+      <p:sp>
+        <p:nvSpPr>
+          <p:cNvPr id="3" name="Content Placeholder 2">
+            <a:extLst>
+              <a:ext uri="{FF2B5EF4-FFF2-40B4-BE49-F238E27FC236}">
+                <a16:creationId xmlns:a16="http://schemas.microsoft.com/office/drawing/2014/main" id="{94D2C21C-D7DF-41EB-AE9D-DC34467702C3}"/>
+              </a:ext>
+            </a:extLst>
+          </p:cNvPr>
+          <p:cNvSpPr>
+            <a:spLocks noGrp="1"/>
+          </p:cNvSpPr>
+          <p:nvPr>
+            <p:ph idx="1"/>
+          </p:nvPr>
+        </p:nvSpPr>
+        <p:spPr/>
+        <p:txBody>
+          <a:bodyPr/>
+          <a:lstStyle/>
+          <a:p>
+            <a:pPr algn="l"/>
+            <a:r>
+              <a:rPr lang="en-IN" sz="1800" b="0" i="0" u="none" strike="noStrike" baseline="0" dirty="0">
+                <a:latin typeface="TeXGyreTermesX-Regular"/>
+              </a:rPr>
+              <a:t>V. D. Reddy, B. </a:t>
+            </a:r>
+            <a:r>
+              <a:rPr lang="en-IN" sz="1800" b="0" i="0" u="none" strike="noStrike" baseline="0" dirty="0" err="1">
+                <a:latin typeface="TeXGyreTermesX-Regular"/>
+              </a:rPr>
+              <a:t>Setz</a:t>
+            </a:r>
+            <a:r>
+              <a:rPr lang="en-IN" sz="1800" b="0" i="0" u="none" strike="noStrike" baseline="0" dirty="0">
+                <a:latin typeface="TeXGyreTermesX-Regular"/>
+              </a:rPr>
+              <a:t>, G. S. V. R. K. Rao, G. R. </a:t>
+            </a:r>
+            <a:r>
+              <a:rPr lang="en-IN" sz="1800" b="0" i="0" u="none" strike="noStrike" baseline="0" dirty="0" err="1">
+                <a:latin typeface="TeXGyreTermesX-Regular"/>
+              </a:rPr>
+              <a:t>Gangadharan</a:t>
+            </a:r>
+            <a:r>
+              <a:rPr lang="en-IN" sz="1800" b="0" i="0" u="none" strike="noStrike" baseline="0" dirty="0">
+                <a:latin typeface="TeXGyreTermesX-Regular"/>
+              </a:rPr>
+              <a:t> and M. Aiello, "Metrics for Sustainable Data </a:t>
+            </a:r>
+            <a:r>
+              <a:rPr lang="en-IN" sz="1800" b="0" i="0" u="none" strike="noStrike" baseline="0" dirty="0" err="1">
+                <a:latin typeface="TeXGyreTermesX-Regular"/>
+              </a:rPr>
+              <a:t>Centers</a:t>
+            </a:r>
+            <a:r>
+              <a:rPr lang="en-IN" sz="1800" b="0" i="0" u="none" strike="noStrike" baseline="0" dirty="0">
+                <a:latin typeface="TeXGyreTermesX-Regular"/>
+              </a:rPr>
+              <a:t>," in IEEE Transactions on Sustainable Computing, vol. 2, no. 3, pp. 290-303, 1 July-Sept. 2017, </a:t>
+            </a:r>
+            <a:r>
+              <a:rPr lang="en-IN" sz="1800" b="0" i="0" u="none" strike="noStrike" baseline="0" dirty="0" err="1">
+                <a:latin typeface="TeXGyreTermesX-Regular"/>
+              </a:rPr>
+              <a:t>doi</a:t>
+            </a:r>
+            <a:r>
+              <a:rPr lang="en-IN" sz="1800" b="0" i="0" u="none" strike="noStrike" baseline="0" dirty="0">
+                <a:latin typeface="TeXGyreTermesX-Regular"/>
+              </a:rPr>
+              <a:t>: 10.1109/TSUSC.2017.2701883.</a:t>
+            </a:r>
+          </a:p>
+          <a:p>
+            <a:pPr algn="l"/>
+            <a:r>
+              <a:rPr lang="en-IN" sz="1800" b="0" i="0" u="none" strike="noStrike" baseline="0" dirty="0">
+                <a:latin typeface="TeXGyreTermesX-Regular"/>
+              </a:rPr>
+              <a:t>Goyal, </a:t>
+            </a:r>
+            <a:r>
+              <a:rPr lang="en-IN" sz="1800" b="0" i="0" u="none" strike="noStrike" baseline="0" dirty="0" err="1">
+                <a:latin typeface="TeXGyreTermesX-Regular"/>
+              </a:rPr>
+              <a:t>Tarun</a:t>
+            </a:r>
+            <a:r>
+              <a:rPr lang="en-IN" sz="1800" b="0" i="0" u="none" strike="noStrike" baseline="0" dirty="0">
+                <a:latin typeface="TeXGyreTermesX-Regular"/>
+              </a:rPr>
+              <a:t> Singh, </a:t>
+            </a:r>
+            <a:r>
+              <a:rPr lang="en-IN" sz="1800" b="0" i="0" u="none" strike="noStrike" baseline="0" dirty="0" err="1">
+                <a:latin typeface="TeXGyreTermesX-Regular"/>
+              </a:rPr>
+              <a:t>Ajit</a:t>
+            </a:r>
+            <a:r>
+              <a:rPr lang="en-IN" sz="1800" b="0" i="0" u="none" strike="noStrike" baseline="0" dirty="0">
+                <a:latin typeface="TeXGyreTermesX-Regular"/>
+              </a:rPr>
+              <a:t> Agrawal, </a:t>
+            </a:r>
+            <a:r>
+              <a:rPr lang="en-IN" sz="1800" b="0" i="0" u="none" strike="noStrike" baseline="0" dirty="0" err="1">
+                <a:latin typeface="TeXGyreTermesX-Regular"/>
+              </a:rPr>
+              <a:t>Aakanksha</a:t>
+            </a:r>
+            <a:r>
+              <a:rPr lang="en-IN" sz="1800" b="0" i="0" u="none" strike="noStrike" baseline="0" dirty="0">
+                <a:latin typeface="TeXGyreTermesX-Regular"/>
+              </a:rPr>
+              <a:t>. (2012). </a:t>
+            </a:r>
+            <a:r>
+              <a:rPr lang="en-IN" sz="1800" b="0" i="0" u="none" strike="noStrike" baseline="0" dirty="0" err="1">
+                <a:latin typeface="TeXGyreTermesX-Regular"/>
+              </a:rPr>
+              <a:t>Cloudsim</a:t>
+            </a:r>
+            <a:r>
+              <a:rPr lang="en-IN" sz="1800" b="0" i="0" u="none" strike="noStrike" baseline="0" dirty="0">
+                <a:latin typeface="TeXGyreTermesX-Regular"/>
+              </a:rPr>
+              <a:t>: Simulator for</a:t>
+            </a:r>
+            <a:r>
+              <a:rPr lang="en-US" sz="1800" b="0" i="0" u="none" strike="noStrike" baseline="0" dirty="0">
+                <a:latin typeface="TeXGyreTermesX-Regular"/>
+              </a:rPr>
+              <a:t>cloud computing infrastructure and modeling. Procedia Engineering. 38. 3566-3572.</a:t>
+            </a:r>
+            <a:r>
+              <a:rPr lang="en-IN" sz="1800" b="0" i="0" u="none" strike="noStrike" baseline="0" dirty="0">
+                <a:latin typeface="TeXGyreTermesX-Regular"/>
+              </a:rPr>
+              <a:t>10.1016/j.proeng.2012.06.412.</a:t>
+            </a:r>
+          </a:p>
+          <a:p>
+            <a:pPr algn="l"/>
+            <a:r>
+              <a:rPr lang="en-US" sz="1800" b="0" i="0" u="none" strike="noStrike" baseline="0" dirty="0">
+                <a:latin typeface="TeXGyreTermesX-Regular"/>
+              </a:rPr>
+              <a:t>Q. Tang, S. K. S. Gupta and G. </a:t>
+            </a:r>
+            <a:r>
+              <a:rPr lang="en-US" sz="1800" b="0" i="0" u="none" strike="noStrike" baseline="0" dirty="0" err="1">
+                <a:latin typeface="TeXGyreTermesX-Regular"/>
+              </a:rPr>
+              <a:t>Varsamopoulos</a:t>
+            </a:r>
+            <a:r>
+              <a:rPr lang="en-US" sz="1800" b="0" i="0" u="none" strike="noStrike" baseline="0" dirty="0">
+                <a:latin typeface="TeXGyreTermesX-Regular"/>
+              </a:rPr>
+              <a:t>, "Thermal-aware task scheduling for data centers through minimizing heat recirculation,"2007 IEEE International Conference on Cluster Computing, Austin, TX, 2007, pp. 129-138, </a:t>
+            </a:r>
+            <a:r>
+              <a:rPr lang="en-US" sz="1800" b="0" i="0" u="none" strike="noStrike" baseline="0" dirty="0" err="1">
+                <a:latin typeface="TeXGyreTermesX-Regular"/>
+              </a:rPr>
+              <a:t>doi</a:t>
+            </a:r>
+            <a:r>
+              <a:rPr lang="en-US" sz="1800" b="0" i="0" u="none" strike="noStrike" baseline="0" dirty="0">
+                <a:latin typeface="TeXGyreTermesX-Regular"/>
+              </a:rPr>
+              <a:t>: 10.1109/CLUSTR.2007.4629225.</a:t>
+            </a:r>
+          </a:p>
+          <a:p>
+            <a:pPr algn="l"/>
+            <a:r>
+              <a:rPr lang="en-IN" sz="1800" b="0" i="0" u="none" strike="noStrike" baseline="0" dirty="0" err="1">
+                <a:latin typeface="TeXGyreTermesX-Regular"/>
+              </a:rPr>
+              <a:t>Mhedheb</a:t>
+            </a:r>
+            <a:r>
+              <a:rPr lang="en-IN" sz="1800" b="0" i="0" u="none" strike="noStrike" baseline="0" dirty="0">
+                <a:latin typeface="TeXGyreTermesX-Regular"/>
+              </a:rPr>
+              <a:t> Y., </a:t>
+            </a:r>
+            <a:r>
+              <a:rPr lang="en-IN" sz="1800" b="0" i="0" u="none" strike="noStrike" baseline="0" dirty="0" err="1">
+                <a:latin typeface="TeXGyreTermesX-Regular"/>
+              </a:rPr>
+              <a:t>Jrad</a:t>
+            </a:r>
+            <a:r>
+              <a:rPr lang="en-IN" sz="1800" b="0" i="0" u="none" strike="noStrike" baseline="0" dirty="0">
+                <a:latin typeface="TeXGyreTermesX-Regular"/>
+              </a:rPr>
+              <a:t> F., Tao J., Zhao J., </a:t>
+            </a:r>
+            <a:r>
+              <a:rPr lang="en-IN" sz="1800" b="0" i="0" u="none" strike="noStrike" baseline="0" dirty="0" err="1">
+                <a:latin typeface="TeXGyreTermesX-Regular"/>
+              </a:rPr>
+              <a:t>Kołodziej</a:t>
+            </a:r>
+            <a:r>
+              <a:rPr lang="en-IN" sz="1800" b="0" i="0" u="none" strike="noStrike" baseline="0" dirty="0">
+                <a:latin typeface="TeXGyreTermesX-Regular"/>
+              </a:rPr>
+              <a:t> J., </a:t>
+            </a:r>
+            <a:r>
+              <a:rPr lang="en-IN" sz="1800" b="0" i="0" u="none" strike="noStrike" baseline="0" dirty="0" err="1">
+                <a:latin typeface="TeXGyreTermesX-Regular"/>
+              </a:rPr>
+              <a:t>Streit</a:t>
+            </a:r>
+            <a:r>
+              <a:rPr lang="en-IN" sz="1800" b="0" i="0" u="none" strike="noStrike" baseline="0" dirty="0">
+                <a:latin typeface="TeXGyreTermesX-Regular"/>
+              </a:rPr>
+              <a:t> A. (2013) Load and Thermal-</a:t>
+            </a:r>
+            <a:r>
+              <a:rPr lang="en-IN" sz="1800" b="0" i="0" u="none" strike="noStrike" baseline="0" dirty="0" err="1">
+                <a:latin typeface="TeXGyreTermesX-Regular"/>
+              </a:rPr>
+              <a:t>AwareVM</a:t>
+            </a:r>
+            <a:r>
+              <a:rPr lang="en-IN" sz="1800" dirty="0">
+                <a:latin typeface="TeXGyreTermesX-Regular"/>
+              </a:rPr>
+              <a:t> </a:t>
+            </a:r>
+            <a:r>
+              <a:rPr lang="en-IN" sz="1800" b="0" i="0" u="none" strike="noStrike" baseline="0" dirty="0">
+                <a:latin typeface="TeXGyreTermesX-Regular"/>
+              </a:rPr>
+              <a:t>Scheduling on the Cloud. In: </a:t>
+            </a:r>
+            <a:r>
+              <a:rPr lang="en-IN" sz="1800" b="0" i="0" u="none" strike="noStrike" baseline="0" dirty="0" err="1">
+                <a:latin typeface="TeXGyreTermesX-Regular"/>
+              </a:rPr>
+              <a:t>Kołodziej</a:t>
+            </a:r>
+            <a:r>
+              <a:rPr lang="en-IN" sz="1800" b="0" i="0" u="none" strike="noStrike" baseline="0" dirty="0">
+                <a:latin typeface="TeXGyreTermesX-Regular"/>
+              </a:rPr>
+              <a:t> J., Di Martino B., Talia D., </a:t>
+            </a:r>
+            <a:r>
+              <a:rPr lang="en-IN" sz="1800" b="0" i="0" u="none" strike="noStrike" baseline="0" dirty="0" err="1">
+                <a:latin typeface="TeXGyreTermesX-Regular"/>
+              </a:rPr>
+              <a:t>Xiong</a:t>
+            </a:r>
+            <a:r>
+              <a:rPr lang="en-IN" sz="1800" b="0" i="0" u="none" strike="noStrike" baseline="0" dirty="0">
+                <a:latin typeface="TeXGyreTermesX-Regular"/>
+              </a:rPr>
+              <a:t> K. (eds) Algorithms </a:t>
+            </a:r>
+            <a:r>
+              <a:rPr lang="en-US" sz="1800" b="0" i="0" u="none" strike="noStrike" baseline="0" dirty="0">
+                <a:latin typeface="TeXGyreTermesX-Regular"/>
+              </a:rPr>
+              <a:t>and Architectures for Parallel Processing. ICA3PP 2013. Lecture Notes in Computer Science, </a:t>
+            </a:r>
+            <a:r>
+              <a:rPr lang="en-IN" sz="1800" b="0" i="0" u="none" strike="noStrike" baseline="0" dirty="0">
+                <a:latin typeface="TeXGyreTermesX-Regular"/>
+              </a:rPr>
+              <a:t>vol 8285. Springer, Cham. </a:t>
+            </a:r>
+            <a:r>
+              <a:rPr lang="en-IN" sz="1800" b="0" i="0" u="none" strike="noStrike" baseline="0" dirty="0">
+                <a:latin typeface="TeXGyreTermesX-Regular"/>
+                <a:hlinkClick r:id="rId3"/>
+              </a:rPr>
+              <a:t>https://doi.org/10.1007/978-3-319-03859-9_8</a:t>
+            </a:r>
+            <a:r>
+              <a:rPr lang="en-IN" sz="1800" b="0" i="0" u="none" strike="noStrike" baseline="0" dirty="0">
+                <a:latin typeface="TeXGyreTermesX-Regular"/>
+              </a:rPr>
+              <a:t>.</a:t>
+            </a:r>
+          </a:p>
+          <a:p>
+            <a:r>
+              <a:rPr lang="en-IN" sz="1800" b="0" i="0" u="none" strike="noStrike" baseline="0" dirty="0">
+                <a:latin typeface="TeXGyreTermesX-Regular"/>
+              </a:rPr>
+              <a:t>Dinesh Reddy, V., </a:t>
+            </a:r>
+            <a:r>
+              <a:rPr lang="en-IN" sz="1800" b="0" i="0" u="none" strike="noStrike" baseline="0" dirty="0" err="1">
+                <a:latin typeface="TeXGyreTermesX-Regular"/>
+              </a:rPr>
+              <a:t>Gangadharan</a:t>
+            </a:r>
+            <a:r>
+              <a:rPr lang="en-IN" sz="1800" b="0" i="0" u="none" strike="noStrike" baseline="0" dirty="0">
+                <a:latin typeface="TeXGyreTermesX-Regular"/>
+              </a:rPr>
+              <a:t>, G.R. Rao, G.S.V.R.K. Energy-aware virtual machine </a:t>
+            </a:r>
+            <a:r>
+              <a:rPr lang="en-US" sz="1800" b="0" i="0" u="none" strike="noStrike" baseline="0" dirty="0">
+                <a:latin typeface="TeXGyreTermesX-Regular"/>
+              </a:rPr>
+              <a:t>allocation and selection in cloud data centers. Soft </a:t>
+            </a:r>
+            <a:r>
+              <a:rPr lang="en-US" sz="1800" b="0" i="0" u="none" strike="noStrike" baseline="0" dirty="0" err="1">
+                <a:latin typeface="TeXGyreTermesX-Regular"/>
+              </a:rPr>
+              <a:t>Comput</a:t>
+            </a:r>
+            <a:r>
+              <a:rPr lang="en-US" sz="1800" b="0" i="0" u="none" strike="noStrike" baseline="0" dirty="0">
+                <a:latin typeface="TeXGyreTermesX-Regular"/>
+              </a:rPr>
+              <a:t> 23, 1917–1932 (2019). </a:t>
+            </a:r>
+            <a:r>
+              <a:rPr lang="en-IN" sz="1800" b="0" i="0" u="none" strike="noStrike" baseline="0" dirty="0">
+                <a:latin typeface="TeXGyreTermesX-Regular"/>
+              </a:rPr>
+              <a:t>https://doi.org/10.1007/s00500-017-2905-z.</a:t>
+            </a:r>
+          </a:p>
+          <a:p>
+            <a:pPr algn="l"/>
+            <a:endParaRPr lang="en-IN" sz="1800" b="0" i="0" u="none" strike="noStrike" baseline="0" dirty="0">
+              <a:latin typeface="TeXGyreTermesX-Regular"/>
+            </a:endParaRPr>
+          </a:p>
+        </p:txBody>
+      </p:sp>
+      <p:sp>
+        <p:nvSpPr>
+          <p:cNvPr id="4" name="Slide Number Placeholder 3">
+            <a:extLst>
+              <a:ext uri="{FF2B5EF4-FFF2-40B4-BE49-F238E27FC236}">
+                <a16:creationId xmlns:a16="http://schemas.microsoft.com/office/drawing/2014/main" id="{AD420248-C34E-47DB-9522-95D9ED54323D}"/>
+              </a:ext>
+            </a:extLst>
+          </p:cNvPr>
+          <p:cNvSpPr>
+            <a:spLocks noGrp="1"/>
+          </p:cNvSpPr>
+          <p:nvPr>
+            <p:ph type="sldNum" sz="quarter" idx="12"/>
+          </p:nvPr>
+        </p:nvSpPr>
+        <p:spPr/>
+        <p:txBody>
+          <a:bodyPr/>
+          <a:lstStyle/>
+          <a:p>
+            <a:fld id="{ACA2A22D-43A3-4325-8000-B0F614F5476E}" type="slidenum">
+              <a:rPr lang="en-US" smtClean="0"/>
+              <a:pPr/>
+              <a:t>17</a:t>
+            </a:fld>
+            <a:endParaRPr lang="en-US"/>
+          </a:p>
+        </p:txBody>
+      </p:sp>
+    </p:spTree>
+    <p:extLst>
+      <p:ext uri="{BB962C8B-B14F-4D97-AF65-F5344CB8AC3E}">
+        <p14:creationId xmlns:p14="http://schemas.microsoft.com/office/powerpoint/2010/main" val="2199242433"/>
+      </p:ext>
+    </p:extLst>
+  </p:cSld>
+  <p:clrMapOvr>
+    <a:masterClrMapping/>
+  </p:clrMapOvr>
+  <mc:AlternateContent xmlns:mc="http://schemas.openxmlformats.org/markup-compatibility/2006" xmlns:p14="http://schemas.microsoft.com/office/powerpoint/2010/main">
+    <mc:Choice Requires="p14">
+      <p:transition spd="med" p14:dur="700">
+        <p:fade/>
+      </p:transition>
+    </mc:Choice>
+    <mc:Fallback xmlns="">
+      <p:transition spd="med">
+        <p:fade/>
+      </p:transition>
+    </mc:Fallback>
+  </mc:AlternateContent>
+</p:sld>
+</file>
+
+<file path=ppt/slides/slide18.xml><?xml version="1.0" encoding="utf-8"?>
+<p:sld xmlns:a="http://schemas.openxmlformats.org/drawingml/2006/main" xmlns:r="http://schemas.openxmlformats.org/officeDocument/2006/relationships" xmlns:p="http://schemas.openxmlformats.org/presentationml/2006/main">
+  <p:cSld>
+    <p:spTree>
+      <p:nvGrpSpPr>
+        <p:cNvPr id="1" name=""/>
+        <p:cNvGrpSpPr/>
+        <p:nvPr/>
+      </p:nvGrpSpPr>
+      <p:grpSpPr>
+        <a:xfrm>
+          <a:off x="0" y="0"/>
+          <a:ext cx="0" cy="0"/>
+          <a:chOff x="0" y="0"/>
+          <a:chExt cx="0" cy="0"/>
+        </a:xfrm>
+      </p:grpSpPr>
+      <p:sp>
+        <p:nvSpPr>
+          <p:cNvPr id="2" name="Title 1">
+            <a:extLst>
+              <a:ext uri="{FF2B5EF4-FFF2-40B4-BE49-F238E27FC236}">
+                <a16:creationId xmlns:a16="http://schemas.microsoft.com/office/drawing/2014/main" id="{5C7E21CC-72F4-4356-A602-8A3506C3C7D3}"/>
+              </a:ext>
+            </a:extLst>
+          </p:cNvPr>
+          <p:cNvSpPr>
+            <a:spLocks noGrp="1"/>
+          </p:cNvSpPr>
+          <p:nvPr>
+            <p:ph type="title"/>
+          </p:nvPr>
+        </p:nvSpPr>
+        <p:spPr/>
+        <p:txBody>
+          <a:bodyPr/>
+          <a:lstStyle/>
+          <a:p>
+            <a:r>
+              <a:rPr lang="en-IN" dirty="0"/>
+              <a:t>References</a:t>
+            </a:r>
+          </a:p>
+        </p:txBody>
+      </p:sp>
+      <p:sp>
+        <p:nvSpPr>
+          <p:cNvPr id="3" name="Content Placeholder 2">
+            <a:extLst>
+              <a:ext uri="{FF2B5EF4-FFF2-40B4-BE49-F238E27FC236}">
+                <a16:creationId xmlns:a16="http://schemas.microsoft.com/office/drawing/2014/main" id="{B1CB3336-25F0-45C4-8648-A7488A880F33}"/>
+              </a:ext>
+            </a:extLst>
+          </p:cNvPr>
+          <p:cNvSpPr>
+            <a:spLocks noGrp="1"/>
+          </p:cNvSpPr>
+          <p:nvPr>
+            <p:ph idx="1"/>
+          </p:nvPr>
+        </p:nvSpPr>
+        <p:spPr/>
+        <p:txBody>
+          <a:bodyPr/>
+          <a:lstStyle/>
+          <a:p>
+            <a:pPr algn="l"/>
+            <a:r>
+              <a:rPr lang="en-IN" sz="1800" b="0" i="0" u="none" strike="noStrike" baseline="0" dirty="0" err="1">
+                <a:latin typeface="TeXGyreTermesX-Regular"/>
+              </a:rPr>
+              <a:t>Sukhpal</a:t>
+            </a:r>
+            <a:r>
+              <a:rPr lang="en-IN" sz="1800" b="0" i="0" u="none" strike="noStrike" baseline="0" dirty="0">
+                <a:latin typeface="TeXGyreTermesX-Regular"/>
+              </a:rPr>
+              <a:t> Singh Gill, </a:t>
+            </a:r>
+            <a:r>
+              <a:rPr lang="en-IN" sz="1800" b="0" i="0" u="none" strike="noStrike" baseline="0" dirty="0" err="1">
+                <a:latin typeface="TeXGyreTermesX-Regular"/>
+              </a:rPr>
+              <a:t>Shreshth</a:t>
+            </a:r>
+            <a:r>
+              <a:rPr lang="en-IN" sz="1800" b="0" i="0" u="none" strike="noStrike" baseline="0" dirty="0">
+                <a:latin typeface="TeXGyreTermesX-Regular"/>
+              </a:rPr>
+              <a:t> Tuli, Adel </a:t>
+            </a:r>
+            <a:r>
+              <a:rPr lang="en-IN" sz="1800" b="0" i="0" u="none" strike="noStrike" baseline="0" dirty="0" err="1">
+                <a:latin typeface="TeXGyreTermesX-Regular"/>
+              </a:rPr>
+              <a:t>Nadjaran</a:t>
+            </a:r>
+            <a:r>
+              <a:rPr lang="en-IN" sz="1800" b="0" i="0" u="none" strike="noStrike" baseline="0" dirty="0">
+                <a:latin typeface="TeXGyreTermesX-Regular"/>
+              </a:rPr>
+              <a:t> </a:t>
+            </a:r>
+            <a:r>
+              <a:rPr lang="en-IN" sz="1800" b="0" i="0" u="none" strike="noStrike" baseline="0" dirty="0" err="1">
+                <a:latin typeface="TeXGyreTermesX-Regular"/>
+              </a:rPr>
+              <a:t>Toosi</a:t>
+            </a:r>
+            <a:r>
+              <a:rPr lang="en-IN" sz="1800" b="0" i="0" u="none" strike="noStrike" baseline="0" dirty="0">
+                <a:latin typeface="TeXGyreTermesX-Regular"/>
+              </a:rPr>
+              <a:t>, Felix </a:t>
+            </a:r>
+            <a:r>
+              <a:rPr lang="en-IN" sz="1800" b="0" i="0" u="none" strike="noStrike" baseline="0" dirty="0" err="1">
+                <a:latin typeface="TeXGyreTermesX-Regular"/>
+              </a:rPr>
+              <a:t>Cuadrado</a:t>
+            </a:r>
+            <a:r>
+              <a:rPr lang="en-IN" sz="1800" b="0" i="0" u="none" strike="noStrike" baseline="0" dirty="0">
+                <a:latin typeface="TeXGyreTermesX-Regular"/>
+              </a:rPr>
+              <a:t>, Peter </a:t>
+            </a:r>
+            <a:r>
+              <a:rPr lang="en-IN" sz="1800" b="0" i="0" u="none" strike="noStrike" baseline="0" dirty="0" err="1">
+                <a:latin typeface="TeXGyreTermesX-Regular"/>
+              </a:rPr>
+              <a:t>Garraghan</a:t>
+            </a:r>
+            <a:r>
+              <a:rPr lang="en-IN" sz="1800" b="0" i="0" u="none" strike="noStrike" baseline="0" dirty="0">
+                <a:latin typeface="TeXGyreTermesX-Regular"/>
+              </a:rPr>
+              <a:t>, Rami </a:t>
+            </a:r>
+            <a:r>
+              <a:rPr lang="en-IN" sz="1800" b="0" i="0" u="none" strike="noStrike" baseline="0" dirty="0" err="1">
+                <a:latin typeface="TeXGyreTermesX-Regular"/>
+              </a:rPr>
+              <a:t>Bahsoon</a:t>
+            </a:r>
+            <a:r>
+              <a:rPr lang="en-IN" sz="1800" b="0" i="0" u="none" strike="noStrike" baseline="0" dirty="0">
+                <a:latin typeface="TeXGyreTermesX-Regular"/>
+              </a:rPr>
+              <a:t>, Hanan </a:t>
+            </a:r>
+            <a:r>
+              <a:rPr lang="en-IN" sz="1800" b="0" i="0" u="none" strike="noStrike" baseline="0" dirty="0" err="1">
+                <a:latin typeface="TeXGyreTermesX-Regular"/>
+              </a:rPr>
+              <a:t>Lutfiyya</a:t>
+            </a:r>
+            <a:r>
+              <a:rPr lang="en-IN" sz="1800" b="0" i="0" u="none" strike="noStrike" baseline="0" dirty="0">
+                <a:latin typeface="TeXGyreTermesX-Regular"/>
+              </a:rPr>
+              <a:t>, </a:t>
+            </a:r>
+            <a:r>
+              <a:rPr lang="en-IN" sz="1800" b="0" i="0" u="none" strike="noStrike" baseline="0" dirty="0" err="1">
+                <a:latin typeface="TeXGyreTermesX-Regular"/>
+              </a:rPr>
+              <a:t>Rizos</a:t>
+            </a:r>
+            <a:r>
+              <a:rPr lang="en-IN" sz="1800" b="0" i="0" u="none" strike="noStrike" baseline="0" dirty="0">
+                <a:latin typeface="TeXGyreTermesX-Regular"/>
+              </a:rPr>
+              <a:t> </a:t>
+            </a:r>
+            <a:r>
+              <a:rPr lang="en-IN" sz="1800" b="0" i="0" u="none" strike="noStrike" baseline="0" dirty="0" err="1">
+                <a:latin typeface="TeXGyreTermesX-Regular"/>
+              </a:rPr>
+              <a:t>Sakellariou</a:t>
+            </a:r>
+            <a:r>
+              <a:rPr lang="en-IN" sz="1800" b="0" i="0" u="none" strike="noStrike" baseline="0" dirty="0">
+                <a:latin typeface="TeXGyreTermesX-Regular"/>
+              </a:rPr>
+              <a:t>, Omer Rana, </a:t>
+            </a:r>
+            <a:r>
+              <a:rPr lang="en-IN" sz="1800" b="0" i="0" u="none" strike="noStrike" baseline="0" dirty="0" err="1">
+                <a:latin typeface="TeXGyreTermesX-Regular"/>
+              </a:rPr>
+              <a:t>Schahram</a:t>
+            </a:r>
+            <a:r>
+              <a:rPr lang="en-IN" sz="1800" b="0" i="0" u="none" strike="noStrike" baseline="0" dirty="0">
+                <a:latin typeface="TeXGyreTermesX-Regular"/>
+              </a:rPr>
+              <a:t> </a:t>
+            </a:r>
+            <a:r>
+              <a:rPr lang="en-IN" sz="1800" b="0" i="0" u="none" strike="noStrike" baseline="0" dirty="0" err="1">
+                <a:latin typeface="TeXGyreTermesX-Regular"/>
+              </a:rPr>
+              <a:t>Dustdar</a:t>
+            </a:r>
+            <a:r>
+              <a:rPr lang="en-IN" sz="1800" b="0" i="0" u="none" strike="noStrike" baseline="0" dirty="0">
+                <a:latin typeface="TeXGyreTermesX-Regular"/>
+              </a:rPr>
+              <a:t>, Rajkumar </a:t>
+            </a:r>
+            <a:r>
+              <a:rPr lang="en-IN" sz="1800" b="0" i="0" u="none" strike="noStrike" baseline="0" dirty="0" err="1">
+                <a:latin typeface="TeXGyreTermesX-Regular"/>
+              </a:rPr>
+              <a:t>Buyya</a:t>
+            </a:r>
+            <a:r>
+              <a:rPr lang="en-IN" sz="1800" b="0" i="0" u="none" strike="noStrike" baseline="0" dirty="0">
+                <a:latin typeface="TeXGyreTermesX-Regular"/>
+              </a:rPr>
+              <a:t>, </a:t>
+            </a:r>
+            <a:r>
+              <a:rPr lang="en-US" sz="1800" b="0" i="0" u="none" strike="noStrike" baseline="0" dirty="0" err="1">
+                <a:latin typeface="TeXGyreTermesX-Regular"/>
+              </a:rPr>
+              <a:t>ThermoSim</a:t>
+            </a:r>
+            <a:r>
+              <a:rPr lang="en-US" sz="1800" b="0" i="0" u="none" strike="noStrike" baseline="0" dirty="0">
+                <a:latin typeface="TeXGyreTermesX-Regular"/>
+              </a:rPr>
+              <a:t>: Deep learning based framework for modeling and simulation of thermal-aware resource management for cloud computing environments, Journal of Systems and Software, </a:t>
+            </a:r>
+            <a:r>
+              <a:rPr lang="en-IN" sz="1800" b="0" i="0" u="none" strike="noStrike" baseline="0" dirty="0">
+                <a:latin typeface="TeXGyreTermesX-Regular"/>
+              </a:rPr>
+              <a:t>Volume 166, 2020, 110596, ISSN 0164-1212, </a:t>
+            </a:r>
+            <a:r>
+              <a:rPr lang="en-IN" sz="1800" b="0" i="0" u="none" strike="noStrike" baseline="0" dirty="0">
+                <a:latin typeface="TeXGyreTermesX-Regular"/>
+                <a:hlinkClick r:id="rId3"/>
+              </a:rPr>
+              <a:t>https://doi.org/10.1016/j.jss.2020.110596</a:t>
+            </a:r>
+            <a:r>
+              <a:rPr lang="en-IN" sz="1800" b="0" i="0" u="none" strike="noStrike" baseline="0" dirty="0">
+                <a:latin typeface="TeXGyreTermesX-Regular"/>
+              </a:rPr>
+              <a:t>. (</a:t>
+            </a:r>
+            <a:r>
+              <a:rPr lang="en-IN" sz="1800" b="0" i="0" u="none" strike="noStrike" baseline="0" dirty="0">
+                <a:latin typeface="TeXGyreTermesX-Regular"/>
+                <a:hlinkClick r:id="rId4"/>
+              </a:rPr>
+              <a:t>http://www.sciencedirect.com/science/article/pii/S0164121220300753</a:t>
+            </a:r>
+            <a:r>
+              <a:rPr lang="en-IN" sz="1800" b="0" i="0" u="none" strike="noStrike" baseline="0" dirty="0">
+                <a:latin typeface="TeXGyreTermesX-Regular"/>
+              </a:rPr>
+              <a:t>).</a:t>
+            </a:r>
+          </a:p>
+          <a:p>
+            <a:pPr algn="l"/>
+            <a:r>
+              <a:rPr lang="en-US" sz="1800" b="0" i="0" u="none" strike="noStrike" baseline="0" dirty="0">
+                <a:latin typeface="TeXGyreTermesX-Regular"/>
+              </a:rPr>
+              <a:t>Z. Chen, J. Hu and G. Min, "Learning-Based Resource Allocation in Cloud Data Center using</a:t>
+            </a:r>
+            <a:r>
+              <a:rPr lang="en-IN" sz="1800" b="0" i="0" u="none" strike="noStrike" baseline="0" dirty="0">
+                <a:latin typeface="TeXGyreTermesX-Regular"/>
+              </a:rPr>
+              <a:t>Advantage Actor-</a:t>
+            </a:r>
+            <a:r>
+              <a:rPr lang="en-IN" sz="1800" b="0" i="0" u="none" strike="noStrike" baseline="0" dirty="0" err="1">
+                <a:latin typeface="TeXGyreTermesX-Regular"/>
+              </a:rPr>
+              <a:t>Critic,ÏCC</a:t>
+            </a:r>
+            <a:r>
+              <a:rPr lang="en-IN" sz="1800" b="0" i="0" u="none" strike="noStrike" baseline="0" dirty="0">
+                <a:latin typeface="TeXGyreTermesX-Regular"/>
+              </a:rPr>
+              <a:t> 2019 - 2019 IEEE International Conference on Communications(ICC), Shanghai, China, 2019, pp. 1-6, </a:t>
+            </a:r>
+            <a:r>
+              <a:rPr lang="en-IN" sz="1800" b="0" i="0" u="none" strike="noStrike" baseline="0" dirty="0" err="1">
+                <a:latin typeface="TeXGyreTermesX-Regular"/>
+              </a:rPr>
+              <a:t>doi</a:t>
+            </a:r>
+            <a:r>
+              <a:rPr lang="en-IN" sz="1800" b="0" i="0" u="none" strike="noStrike" baseline="0" dirty="0">
+                <a:latin typeface="TeXGyreTermesX-Regular"/>
+              </a:rPr>
+              <a:t>: 10.1109/ICC.2019.8761309.</a:t>
+            </a:r>
+          </a:p>
+          <a:p>
+            <a:pPr algn="l"/>
+            <a:r>
+              <a:rPr lang="en-US" sz="1800" b="0" i="0" u="none" strike="noStrike" baseline="0" dirty="0">
+                <a:latin typeface="TeXGyreTermesX-Regular"/>
+              </a:rPr>
+              <a:t>M. Ghosh, R. Kumar, M. </a:t>
+            </a:r>
+            <a:r>
+              <a:rPr lang="en-US" sz="1800" b="0" i="0" u="none" strike="noStrike" baseline="0" dirty="0" err="1">
+                <a:latin typeface="TeXGyreTermesX-Regular"/>
+              </a:rPr>
+              <a:t>Saha</a:t>
+            </a:r>
+            <a:r>
+              <a:rPr lang="en-US" sz="1800" b="0" i="0" u="none" strike="noStrike" baseline="0" dirty="0">
+                <a:latin typeface="TeXGyreTermesX-Regular"/>
+              </a:rPr>
+              <a:t> and B. K. </a:t>
+            </a:r>
+            <a:r>
+              <a:rPr lang="en-US" sz="1800" b="0" i="0" u="none" strike="noStrike" baseline="0" dirty="0" err="1">
+                <a:latin typeface="TeXGyreTermesX-Regular"/>
+              </a:rPr>
+              <a:t>Sikdar</a:t>
+            </a:r>
+            <a:r>
+              <a:rPr lang="en-US" sz="1800" b="0" i="0" u="none" strike="noStrike" baseline="0" dirty="0">
+                <a:latin typeface="TeXGyreTermesX-Regular"/>
+              </a:rPr>
+              <a:t>, "Cellular Automata and Its Applications,"2018 IEEE International Conference on Automatic Control and Intelligent Systems (I2CACIS), Shah </a:t>
+            </a:r>
+            <a:r>
+              <a:rPr lang="pt-BR" sz="1800" b="0" i="0" u="none" strike="noStrike" baseline="0" dirty="0">
+                <a:latin typeface="TeXGyreTermesX-Regular"/>
+              </a:rPr>
+              <a:t>Alam, 2018, pp. 52-56, doi: 10.1109/I2CACIS.2018.8603689.</a:t>
+            </a:r>
+          </a:p>
+          <a:p>
+            <a:pPr algn="l"/>
+            <a:r>
+              <a:rPr lang="en-IN" sz="1800" dirty="0">
+                <a:latin typeface="TeXGyreTermesX-Regular"/>
+              </a:rPr>
+              <a:t>Martinez, Genaro J. &amp; </a:t>
+            </a:r>
+            <a:r>
+              <a:rPr lang="en-IN" sz="1800" dirty="0" err="1">
+                <a:latin typeface="TeXGyreTermesX-Regular"/>
+              </a:rPr>
+              <a:t>Seck</a:t>
+            </a:r>
+            <a:r>
+              <a:rPr lang="en-IN" sz="1800" dirty="0">
+                <a:latin typeface="TeXGyreTermesX-Regular"/>
+              </a:rPr>
+              <a:t> </a:t>
+            </a:r>
+            <a:r>
+              <a:rPr lang="en-IN" sz="1800" dirty="0" err="1">
+                <a:latin typeface="TeXGyreTermesX-Regular"/>
+              </a:rPr>
+              <a:t>Tuoh</a:t>
+            </a:r>
+            <a:r>
+              <a:rPr lang="en-IN" sz="1800" dirty="0">
+                <a:latin typeface="TeXGyreTermesX-Regular"/>
+              </a:rPr>
+              <a:t> Mora, Juan &amp; </a:t>
+            </a:r>
+            <a:r>
+              <a:rPr lang="en-IN" sz="1800" dirty="0" err="1">
+                <a:latin typeface="TeXGyreTermesX-Regular"/>
+              </a:rPr>
+              <a:t>Zenil</a:t>
+            </a:r>
+            <a:r>
+              <a:rPr lang="en-IN" sz="1800" dirty="0">
+                <a:latin typeface="TeXGyreTermesX-Regular"/>
+              </a:rPr>
+              <a:t>, Hector. (2012). Wolfram's Classification and Computation in Cellular Automata </a:t>
+            </a:r>
+            <a:r>
+              <a:rPr lang="en-IN" sz="1800" dirty="0" err="1">
+                <a:latin typeface="TeXGyreTermesX-Regular"/>
+              </a:rPr>
+              <a:t>ClassesIII</a:t>
+            </a:r>
+            <a:r>
+              <a:rPr lang="en-IN" sz="1800" dirty="0">
+                <a:latin typeface="TeXGyreTermesX-Regular"/>
+              </a:rPr>
+              <a:t> and IV. 10.1007/978-3-642-35482-3_17. </a:t>
+            </a:r>
+          </a:p>
+        </p:txBody>
+      </p:sp>
+      <p:sp>
+        <p:nvSpPr>
+          <p:cNvPr id="4" name="Slide Number Placeholder 3">
+            <a:extLst>
+              <a:ext uri="{FF2B5EF4-FFF2-40B4-BE49-F238E27FC236}">
+                <a16:creationId xmlns:a16="http://schemas.microsoft.com/office/drawing/2014/main" id="{36F3B883-491B-479E-A388-43FCA39D54B9}"/>
+              </a:ext>
+            </a:extLst>
+          </p:cNvPr>
+          <p:cNvSpPr>
+            <a:spLocks noGrp="1"/>
+          </p:cNvSpPr>
+          <p:nvPr>
+            <p:ph type="sldNum" sz="quarter" idx="12"/>
+          </p:nvPr>
+        </p:nvSpPr>
+        <p:spPr/>
+        <p:txBody>
+          <a:bodyPr/>
+          <a:lstStyle/>
+          <a:p>
+            <a:fld id="{ACA2A22D-43A3-4325-8000-B0F614F5476E}" type="slidenum">
+              <a:rPr lang="en-US" smtClean="0"/>
+              <a:pPr/>
+              <a:t>18</a:t>
+            </a:fld>
+            <a:endParaRPr lang="en-US"/>
+          </a:p>
+        </p:txBody>
+      </p:sp>
+    </p:spTree>
+    <p:extLst>
+      <p:ext uri="{BB962C8B-B14F-4D97-AF65-F5344CB8AC3E}">
+        <p14:creationId xmlns:p14="http://schemas.microsoft.com/office/powerpoint/2010/main" val="4239051467"/>
+      </p:ext>
+    </p:extLst>
+  </p:cSld>
+  <p:clrMapOvr>
+    <a:masterClrMapping/>
+  </p:clrMapOvr>
+  <mc:AlternateContent xmlns:mc="http://schemas.openxmlformats.org/markup-compatibility/2006" xmlns:p14="http://schemas.microsoft.com/office/powerpoint/2010/main">
+    <mc:Choice Requires="p14">
+      <p:transition spd="med" p14:dur="700">
+        <p:fade/>
+      </p:transition>
+    </mc:Choice>
+    <mc:Fallback xmlns="">
+      <p:transition spd="med">
+        <p:fade/>
+      </p:transition>
+    </mc:Fallback>
+  </mc:AlternateContent>
+</p:sld>
+</file>
+
+<file path=ppt/slides/slide19.xml><?xml version="1.0" encoding="utf-8"?>
+<p:sld xmlns:a="http://schemas.openxmlformats.org/drawingml/2006/main" xmlns:r="http://schemas.openxmlformats.org/officeDocument/2006/relationships" xmlns:p="http://schemas.openxmlformats.org/presentationml/2006/main">
+  <p:cSld>
+    <p:spTree>
+      <p:nvGrpSpPr>
+        <p:cNvPr id="1" name=""/>
+        <p:cNvGrpSpPr/>
+        <p:nvPr/>
+      </p:nvGrpSpPr>
+      <p:grpSpPr>
+        <a:xfrm>
+          <a:off x="0" y="0"/>
+          <a:ext cx="0" cy="0"/>
+          <a:chOff x="0" y="0"/>
+          <a:chExt cx="0" cy="0"/>
+        </a:xfrm>
+      </p:grpSpPr>
+      <p:sp>
+        <p:nvSpPr>
+          <p:cNvPr id="7" name="Titel 6"/>
+          <p:cNvSpPr>
+            <a:spLocks noGrp="1"/>
+          </p:cNvSpPr>
+          <p:nvPr>
+            <p:ph type="title"/>
+          </p:nvPr>
+        </p:nvSpPr>
+        <p:spPr/>
+        <p:txBody>
+          <a:bodyPr/>
+          <a:lstStyle/>
+          <a:p>
+            <a:r>
+              <a:rPr lang="de-DE" dirty="0"/>
+              <a:t>Thank you!</a:t>
+            </a:r>
+          </a:p>
+        </p:txBody>
+      </p:sp>
+    </p:spTree>
+    <p:extLst>
+      <p:ext uri="{BB962C8B-B14F-4D97-AF65-F5344CB8AC3E}">
+        <p14:creationId xmlns:p14="http://schemas.microsoft.com/office/powerpoint/2010/main" val="4188520193"/>
+      </p:ext>
+    </p:extLst>
+  </p:cSld>
+  <p:clrMapOvr>
+    <a:masterClrMapping/>
+  </p:clrMapOvr>
+  <mc:AlternateContent xmlns:mc="http://schemas.openxmlformats.org/markup-compatibility/2006" xmlns:p14="http://schemas.microsoft.com/office/powerpoint/2010/main">
+    <mc:Choice Requires="p14">
+      <p:transition spd="slow" p14:dur="1400">
+        <p14:ripple/>
+      </p:transition>
+    </mc:Choice>
+    <mc:Fallback xmlns="">
+      <p:transition spd="slow">
+        <p:fade/>
+      </p:transition>
+    </mc:Fallback>
+  </mc:AlternateContent>
+</p:sld>
+</file>
+
+<file path=ppt/slides/slide2.xml><?xml version="1.0" encoding="utf-8"?>
+<p:sld xmlns:a="http://schemas.openxmlformats.org/drawingml/2006/main" xmlns:r="http://schemas.openxmlformats.org/officeDocument/2006/relationships" xmlns:p="http://schemas.openxmlformats.org/presentationml/2006/main">
+  <p:cSld>
+    <p:spTree>
+      <p:nvGrpSpPr>
+        <p:cNvPr id="1" name=""/>
+        <p:cNvGrpSpPr/>
+        <p:nvPr/>
+      </p:nvGrpSpPr>
+      <p:grpSpPr>
+        <a:xfrm>
+          <a:off x="0" y="0"/>
+          <a:ext cx="0" cy="0"/>
+          <a:chOff x="0" y="0"/>
+          <a:chExt cx="0" cy="0"/>
+        </a:xfrm>
+      </p:grpSpPr>
+      <p:sp>
+        <p:nvSpPr>
+          <p:cNvPr id="5" name="Titel 4"/>
+          <p:cNvSpPr>
+            <a:spLocks noGrp="1"/>
+          </p:cNvSpPr>
+          <p:nvPr>
+            <p:ph type="title"/>
+          </p:nvPr>
+        </p:nvSpPr>
+        <p:spPr/>
+        <p:txBody>
+          <a:bodyPr/>
+          <a:lstStyle/>
+          <a:p>
+            <a:r>
+              <a:rPr lang="de-DE" dirty="0"/>
+              <a:t>Overview</a:t>
+            </a:r>
+          </a:p>
+        </p:txBody>
+      </p:sp>
+      <p:sp>
+        <p:nvSpPr>
+          <p:cNvPr id="6" name="Inhaltsplatzhalter 5"/>
+          <p:cNvSpPr>
+            <a:spLocks noGrp="1"/>
+          </p:cNvSpPr>
+          <p:nvPr>
+            <p:ph idx="1"/>
+          </p:nvPr>
+        </p:nvSpPr>
+        <p:spPr/>
+        <p:txBody>
+          <a:bodyPr/>
+          <a:lstStyle/>
+          <a:p>
+            <a:r>
+              <a:rPr lang="de-DE" dirty="0"/>
+              <a:t>Introduction</a:t>
+            </a:r>
+          </a:p>
+          <a:p>
+            <a:r>
+              <a:rPr lang="de-DE" dirty="0"/>
+              <a:t>Modelling and Simulation</a:t>
+            </a:r>
+          </a:p>
+          <a:p>
+            <a:r>
+              <a:rPr lang="de-DE" dirty="0"/>
+              <a:t>Optimization Algorithm</a:t>
+            </a:r>
+          </a:p>
+          <a:p>
+            <a:r>
+              <a:rPr lang="de-DE" dirty="0"/>
+              <a:t>Rule 23 and Rule 232</a:t>
+            </a:r>
+          </a:p>
+          <a:p>
+            <a:r>
+              <a:rPr lang="de-DE" dirty="0"/>
+              <a:t>Wolfram classification</a:t>
+            </a:r>
+          </a:p>
+          <a:p>
+            <a:r>
+              <a:rPr lang="de-DE" dirty="0"/>
+              <a:t>Result</a:t>
+            </a:r>
+          </a:p>
+          <a:p>
+            <a:r>
+              <a:rPr lang="de-DE" dirty="0"/>
+              <a:t>Conclusion</a:t>
+            </a:r>
+          </a:p>
+          <a:p>
+            <a:r>
+              <a:rPr lang="de-DE" dirty="0"/>
+              <a:t>Future Work</a:t>
+            </a:r>
+          </a:p>
+          <a:p>
+            <a:r>
+              <a:rPr lang="de-DE" dirty="0"/>
+              <a:t>References</a:t>
+            </a:r>
+          </a:p>
+          <a:p>
+            <a:pPr marL="457200" lvl="1" indent="0">
+              <a:buNone/>
+            </a:pPr>
+            <a:endParaRPr lang="de-DE" dirty="0"/>
+          </a:p>
+        </p:txBody>
+      </p:sp>
+    </p:spTree>
+    <p:extLst>
+      <p:ext uri="{BB962C8B-B14F-4D97-AF65-F5344CB8AC3E}">
+        <p14:creationId xmlns:p14="http://schemas.microsoft.com/office/powerpoint/2010/main" val="3205123493"/>
+      </p:ext>
+    </p:extLst>
+  </p:cSld>
+  <p:clrMapOvr>
+    <a:masterClrMapping/>
+  </p:clrMapOvr>
+  <mc:AlternateContent xmlns:mc="http://schemas.openxmlformats.org/markup-compatibility/2006" xmlns:p14="http://schemas.microsoft.com/office/powerpoint/2010/main">
+    <mc:Choice Requires="p14">
+      <p:transition spd="med" p14:dur="700">
+        <p:fade/>
+      </p:transition>
+    </mc:Choice>
+    <mc:Fallback xmlns="">
+      <p:transition spd="med">
+        <p:fade/>
+      </p:transition>
+    </mc:Fallback>
+  </mc:AlternateContent>
+</p:sld>
+</file>
+
+<file path=ppt/slides/slide3.xml><?xml version="1.0" encoding="utf-8"?>
+<p:sld xmlns:a="http://schemas.openxmlformats.org/drawingml/2006/main" xmlns:r="http://schemas.openxmlformats.org/officeDocument/2006/relationships" xmlns:p="http://schemas.openxmlformats.org/presentationml/2006/main">
+  <p:cSld>
+    <p:spTree>
+      <p:nvGrpSpPr>
+        <p:cNvPr id="1" name=""/>
+        <p:cNvGrpSpPr/>
+        <p:nvPr/>
+      </p:nvGrpSpPr>
+      <p:grpSpPr>
+        <a:xfrm>
+          <a:off x="0" y="0"/>
+          <a:ext cx="0" cy="0"/>
+          <a:chOff x="0" y="0"/>
+          <a:chExt cx="0" cy="0"/>
+        </a:xfrm>
+      </p:grpSpPr>
+      <p:sp>
+        <p:nvSpPr>
+          <p:cNvPr id="2" name="Title 1">
+            <a:extLst>
+              <a:ext uri="{FF2B5EF4-FFF2-40B4-BE49-F238E27FC236}">
+                <a16:creationId xmlns:a16="http://schemas.microsoft.com/office/drawing/2014/main" id="{2DF92882-B9C8-43BD-A90C-9AA1A3624951}"/>
+              </a:ext>
+            </a:extLst>
+          </p:cNvPr>
+          <p:cNvSpPr>
+            <a:spLocks noGrp="1"/>
+          </p:cNvSpPr>
+          <p:nvPr>
+            <p:ph type="title"/>
+          </p:nvPr>
+        </p:nvSpPr>
+        <p:spPr/>
+        <p:txBody>
+          <a:bodyPr/>
+          <a:lstStyle/>
+          <a:p>
+            <a:r>
+              <a:rPr lang="en-IN" dirty="0"/>
+              <a:t>Introduction</a:t>
+            </a:r>
+          </a:p>
+        </p:txBody>
+      </p:sp>
+      <p:sp>
+        <p:nvSpPr>
+          <p:cNvPr id="3" name="Content Placeholder 2">
+            <a:extLst>
+              <a:ext uri="{FF2B5EF4-FFF2-40B4-BE49-F238E27FC236}">
+                <a16:creationId xmlns:a16="http://schemas.microsoft.com/office/drawing/2014/main" id="{155343C9-531B-4F65-827A-98948005EB16}"/>
+              </a:ext>
+            </a:extLst>
+          </p:cNvPr>
+          <p:cNvSpPr>
+            <a:spLocks noGrp="1"/>
+          </p:cNvSpPr>
+          <p:nvPr>
+            <p:ph idx="1"/>
+          </p:nvPr>
+        </p:nvSpPr>
+        <p:spPr/>
+        <p:txBody>
+          <a:bodyPr/>
+          <a:lstStyle/>
+          <a:p>
+            <a:r>
+              <a:rPr lang="en-IN" b="1" u="sng" dirty="0"/>
+              <a:t>Cellular Automata:</a:t>
+            </a:r>
+          </a:p>
+          <a:p>
+            <a:pPr lvl="1"/>
+            <a:r>
+              <a:rPr lang="en-IN" dirty="0"/>
+              <a:t>A cell on grid that represent a state of a instance in a system is called a Cellular Automata. Collection of Cellular Automata is called a Cellular Automaton.</a:t>
+            </a:r>
+          </a:p>
+          <a:p>
+            <a:pPr lvl="1"/>
+            <a:r>
+              <a:rPr lang="en-IN" dirty="0"/>
+              <a:t>Cellular Automata can be used to represent complex systems.</a:t>
+            </a:r>
+          </a:p>
+          <a:p>
+            <a:pPr lvl="1"/>
+            <a:r>
+              <a:rPr lang="en-IN" dirty="0"/>
+              <a:t>State of the Cellular Automata can be evolved as a function of state of itself and its neighbours from previous generation. The function can be defined by the rule.</a:t>
+            </a:r>
+          </a:p>
+          <a:p>
+            <a:pPr marL="457200" lvl="1" indent="0">
+              <a:buNone/>
+            </a:pPr>
+            <a:endParaRPr lang="en-IN" b="1" u="sng" dirty="0"/>
+          </a:p>
+          <a:p>
+            <a:r>
+              <a:rPr lang="en-IN" b="1" u="sng" dirty="0"/>
+              <a:t>Cooling Cost in Data </a:t>
+            </a:r>
+            <a:r>
+              <a:rPr lang="en-IN" b="1" u="sng" dirty="0" err="1"/>
+              <a:t>Center</a:t>
+            </a:r>
+            <a:r>
+              <a:rPr lang="en-IN" b="1" u="sng" dirty="0"/>
+              <a:t>:</a:t>
+            </a:r>
+          </a:p>
+          <a:p>
+            <a:pPr lvl="1"/>
+            <a:r>
+              <a:rPr lang="en-IN" dirty="0"/>
+              <a:t>One of metrics considered in sustainable data </a:t>
+            </a:r>
+            <a:r>
+              <a:rPr lang="en-IN" dirty="0" err="1"/>
+              <a:t>center</a:t>
+            </a:r>
+            <a:r>
+              <a:rPr lang="en-IN" dirty="0"/>
+              <a:t> is cooling cost. The energy consumed by the data </a:t>
+            </a:r>
+            <a:r>
+              <a:rPr lang="en-IN" dirty="0" err="1"/>
+              <a:t>center</a:t>
+            </a:r>
+            <a:r>
+              <a:rPr lang="en-IN" dirty="0"/>
+              <a:t> can be reduced by reducing the cooling cost of data </a:t>
+            </a:r>
+            <a:r>
+              <a:rPr lang="en-IN" dirty="0" err="1"/>
+              <a:t>center</a:t>
+            </a:r>
+            <a:r>
+              <a:rPr lang="en-IN" dirty="0"/>
+              <a:t>.</a:t>
+            </a:r>
+          </a:p>
+          <a:p>
+            <a:pPr lvl="1"/>
+            <a:r>
+              <a:rPr lang="en-IN" dirty="0"/>
+              <a:t>The cooling cost of the data </a:t>
+            </a:r>
+            <a:r>
+              <a:rPr lang="en-IN" dirty="0" err="1"/>
+              <a:t>center</a:t>
+            </a:r>
+            <a:r>
+              <a:rPr lang="en-IN" dirty="0"/>
+              <a:t> depends on the temperature produced by the hosts in the data </a:t>
+            </a:r>
+            <a:r>
+              <a:rPr lang="en-IN" dirty="0" err="1"/>
+              <a:t>center</a:t>
+            </a:r>
+            <a:r>
+              <a:rPr lang="en-IN" dirty="0"/>
+              <a:t>, which in turn depends on the utilization of the hosts.</a:t>
+            </a:r>
+          </a:p>
+          <a:p>
+            <a:pPr marL="457200" lvl="1" indent="0">
+              <a:buNone/>
+            </a:pPr>
+            <a:endParaRPr lang="en-IN" dirty="0"/>
+          </a:p>
+          <a:p>
+            <a:pPr marL="0" indent="0">
+              <a:buNone/>
+            </a:pPr>
+            <a:endParaRPr lang="en-IN" dirty="0"/>
+          </a:p>
+        </p:txBody>
+      </p:sp>
+      <p:sp>
+        <p:nvSpPr>
+          <p:cNvPr id="4" name="Slide Number Placeholder 3">
+            <a:extLst>
+              <a:ext uri="{FF2B5EF4-FFF2-40B4-BE49-F238E27FC236}">
+                <a16:creationId xmlns:a16="http://schemas.microsoft.com/office/drawing/2014/main" id="{B726ABAF-40C2-4491-A542-73AEFBB6B53B}"/>
+              </a:ext>
+            </a:extLst>
+          </p:cNvPr>
+          <p:cNvSpPr>
+            <a:spLocks noGrp="1"/>
+          </p:cNvSpPr>
+          <p:nvPr>
+            <p:ph type="sldNum" sz="quarter" idx="12"/>
+          </p:nvPr>
+        </p:nvSpPr>
+        <p:spPr/>
+        <p:txBody>
+          <a:bodyPr/>
+          <a:lstStyle/>
+          <a:p>
+            <a:fld id="{ACA2A22D-43A3-4325-8000-B0F614F5476E}" type="slidenum">
+              <a:rPr lang="en-US" smtClean="0"/>
+              <a:pPr/>
+              <a:t>3</a:t>
+            </a:fld>
+            <a:endParaRPr lang="en-US"/>
+          </a:p>
+        </p:txBody>
+      </p:sp>
+    </p:spTree>
+    <p:extLst>
+      <p:ext uri="{BB962C8B-B14F-4D97-AF65-F5344CB8AC3E}">
+        <p14:creationId xmlns:p14="http://schemas.microsoft.com/office/powerpoint/2010/main" val="3592034424"/>
+      </p:ext>
+    </p:extLst>
+  </p:cSld>
+  <p:clrMapOvr>
+    <a:masterClrMapping/>
+  </p:clrMapOvr>
+  <mc:AlternateContent xmlns:mc="http://schemas.openxmlformats.org/markup-compatibility/2006" xmlns:p14="http://schemas.microsoft.com/office/powerpoint/2010/main">
+    <mc:Choice Requires="p14">
+      <p:transition spd="med" p14:dur="700">
+        <p:fade/>
+      </p:transition>
+    </mc:Choice>
+    <mc:Fallback xmlns="">
+      <p:transition spd="med">
+        <p:fade/>
+      </p:transition>
+    </mc:Fallback>
+  </mc:AlternateContent>
+</p:sld>
+</file>
+
+<file path=ppt/slides/slide4.xml><?xml version="1.0" encoding="utf-8"?>
+<p:sld xmlns:a="http://schemas.openxmlformats.org/drawingml/2006/main" xmlns:r="http://schemas.openxmlformats.org/officeDocument/2006/relationships" xmlns:p="http://schemas.openxmlformats.org/presentationml/2006/main">
+  <p:cSld>
+    <p:spTree>
+      <p:nvGrpSpPr>
+        <p:cNvPr id="1" name=""/>
+        <p:cNvGrpSpPr/>
+        <p:nvPr/>
+      </p:nvGrpSpPr>
+      <p:grpSpPr>
+        <a:xfrm>
+          <a:off x="0" y="0"/>
+          <a:ext cx="0" cy="0"/>
+          <a:chOff x="0" y="0"/>
+          <a:chExt cx="0" cy="0"/>
+        </a:xfrm>
+      </p:grpSpPr>
+      <p:sp>
+        <p:nvSpPr>
+          <p:cNvPr id="2" name="Title 1">
+            <a:extLst>
+              <a:ext uri="{FF2B5EF4-FFF2-40B4-BE49-F238E27FC236}">
+                <a16:creationId xmlns:a16="http://schemas.microsoft.com/office/drawing/2014/main" id="{549FD818-1048-4EC7-B806-B6DB0EAB148C}"/>
+              </a:ext>
+            </a:extLst>
+          </p:cNvPr>
+          <p:cNvSpPr>
+            <a:spLocks noGrp="1"/>
+          </p:cNvSpPr>
+          <p:nvPr>
+            <p:ph type="title"/>
+          </p:nvPr>
+        </p:nvSpPr>
+        <p:spPr/>
+        <p:txBody>
+          <a:bodyPr/>
+          <a:lstStyle/>
+          <a:p>
+            <a:r>
+              <a:rPr lang="en-IN" dirty="0"/>
+              <a:t>Modelling and Simulation</a:t>
+            </a:r>
+          </a:p>
+        </p:txBody>
+      </p:sp>
+      <p:sp>
+        <p:nvSpPr>
+          <p:cNvPr id="3" name="Content Placeholder 2">
+            <a:extLst>
+              <a:ext uri="{FF2B5EF4-FFF2-40B4-BE49-F238E27FC236}">
+                <a16:creationId xmlns:a16="http://schemas.microsoft.com/office/drawing/2014/main" id="{54087063-9865-4E84-B326-C2DF6CB58B84}"/>
+              </a:ext>
+            </a:extLst>
+          </p:cNvPr>
+          <p:cNvSpPr>
+            <a:spLocks noGrp="1"/>
+          </p:cNvSpPr>
+          <p:nvPr>
+            <p:ph idx="1"/>
+          </p:nvPr>
+        </p:nvSpPr>
+        <p:spPr/>
+        <p:txBody>
+          <a:bodyPr/>
+          <a:lstStyle/>
+          <a:p>
+            <a:r>
+              <a:rPr lang="en-IN" b="1" u="sng" dirty="0"/>
+              <a:t>Modelling:</a:t>
+            </a:r>
+          </a:p>
+          <a:p>
+            <a:pPr lvl="1"/>
+            <a:r>
+              <a:rPr lang="en-IN" b="1" u="sng" dirty="0"/>
+              <a:t>Host:</a:t>
+            </a:r>
+          </a:p>
+          <a:p>
+            <a:pPr lvl="2"/>
+            <a:r>
+              <a:rPr lang="en-IN" dirty="0"/>
+              <a:t>The host temperature depends on it Utilisation and neighbour’s Utilization. As follows:</a:t>
+            </a:r>
+          </a:p>
+          <a:p>
+            <a:pPr lvl="2"/>
+            <a:endParaRPr lang="en-IN" dirty="0"/>
+          </a:p>
+          <a:p>
+            <a:pPr lvl="2"/>
+            <a:endParaRPr lang="en-IN" dirty="0"/>
+          </a:p>
+          <a:p>
+            <a:pPr lvl="1"/>
+            <a:r>
+              <a:rPr lang="en-IN" b="1" u="sng" dirty="0"/>
+              <a:t>Data </a:t>
+            </a:r>
+            <a:r>
+              <a:rPr lang="en-IN" b="1" u="sng" dirty="0" err="1"/>
+              <a:t>Center</a:t>
+            </a:r>
+            <a:r>
+              <a:rPr lang="en-IN" b="1" u="sng" dirty="0"/>
+              <a:t>:</a:t>
+            </a:r>
+          </a:p>
+          <a:p>
+            <a:pPr lvl="2"/>
+            <a:r>
+              <a:rPr lang="en-IN" dirty="0"/>
+              <a:t>The Data </a:t>
+            </a:r>
+            <a:r>
+              <a:rPr lang="en-IN" dirty="0" err="1"/>
+              <a:t>center</a:t>
+            </a:r>
+            <a:r>
+              <a:rPr lang="en-IN" dirty="0"/>
+              <a:t> updates the temperature of the host at regular interval. As follows:</a:t>
+            </a:r>
+          </a:p>
+          <a:p>
+            <a:pPr marL="892175" lvl="2" indent="0">
+              <a:buNone/>
+            </a:pPr>
+            <a:endParaRPr lang="en-IN" dirty="0"/>
+          </a:p>
+          <a:p>
+            <a:pPr marL="892175" lvl="2" indent="0">
+              <a:buNone/>
+            </a:pPr>
+            <a:endParaRPr lang="en-IN" dirty="0"/>
+          </a:p>
+          <a:p>
+            <a:pPr marL="892175" lvl="2" indent="0">
+              <a:buNone/>
+            </a:pPr>
+            <a:endParaRPr lang="en-IN" dirty="0"/>
+          </a:p>
+        </p:txBody>
+      </p:sp>
+      <p:sp>
+        <p:nvSpPr>
+          <p:cNvPr id="4" name="Slide Number Placeholder 3">
+            <a:extLst>
+              <a:ext uri="{FF2B5EF4-FFF2-40B4-BE49-F238E27FC236}">
+                <a16:creationId xmlns:a16="http://schemas.microsoft.com/office/drawing/2014/main" id="{699DAD55-4F7F-4D8E-AC36-1C9226923185}"/>
+              </a:ext>
+            </a:extLst>
+          </p:cNvPr>
+          <p:cNvSpPr>
+            <a:spLocks noGrp="1"/>
+          </p:cNvSpPr>
+          <p:nvPr>
+            <p:ph type="sldNum" sz="quarter" idx="12"/>
+          </p:nvPr>
+        </p:nvSpPr>
+        <p:spPr/>
+        <p:txBody>
+          <a:bodyPr/>
+          <a:lstStyle/>
+          <a:p>
+            <a:fld id="{ACA2A22D-43A3-4325-8000-B0F614F5476E}" type="slidenum">
+              <a:rPr lang="en-US" smtClean="0"/>
+              <a:pPr/>
+              <a:t>4</a:t>
+            </a:fld>
+            <a:endParaRPr lang="en-US"/>
+          </a:p>
+        </p:txBody>
+      </p:sp>
+      <p:pic>
+        <p:nvPicPr>
+          <p:cNvPr id="6" name="Picture 5">
+            <a:extLst>
+              <a:ext uri="{FF2B5EF4-FFF2-40B4-BE49-F238E27FC236}">
+                <a16:creationId xmlns:a16="http://schemas.microsoft.com/office/drawing/2014/main" id="{E61765AF-324E-425A-8CDF-718329256719}"/>
+              </a:ext>
+            </a:extLst>
+          </p:cNvPr>
+          <p:cNvPicPr>
+            <a:picLocks noChangeAspect="1"/>
+          </p:cNvPicPr>
+          <p:nvPr/>
+        </p:nvPicPr>
+        <p:blipFill>
+          <a:blip r:embed="rId3"/>
+          <a:stretch>
+            <a:fillRect/>
+          </a:stretch>
+        </p:blipFill>
+        <p:spPr>
+          <a:xfrm>
+            <a:off x="1961977" y="2289574"/>
+            <a:ext cx="6462320" cy="609653"/>
+          </a:xfrm>
+          <a:prstGeom prst="rect">
+            <a:avLst/>
+          </a:prstGeom>
+        </p:spPr>
+      </p:pic>
+      <p:pic>
+        <p:nvPicPr>
+          <p:cNvPr id="8" name="Picture 7">
+            <a:extLst>
+              <a:ext uri="{FF2B5EF4-FFF2-40B4-BE49-F238E27FC236}">
+                <a16:creationId xmlns:a16="http://schemas.microsoft.com/office/drawing/2014/main" id="{07DA6952-D7C9-42C3-805A-D2B703086A2E}"/>
+              </a:ext>
+            </a:extLst>
+          </p:cNvPr>
+          <p:cNvPicPr>
+            <a:picLocks noChangeAspect="1"/>
+          </p:cNvPicPr>
+          <p:nvPr/>
+        </p:nvPicPr>
+        <p:blipFill>
+          <a:blip r:embed="rId4"/>
+          <a:stretch>
+            <a:fillRect/>
+          </a:stretch>
+        </p:blipFill>
+        <p:spPr>
+          <a:xfrm>
+            <a:off x="1961977" y="4149080"/>
+            <a:ext cx="6934801" cy="1501270"/>
+          </a:xfrm>
+          <a:prstGeom prst="rect">
+            <a:avLst/>
+          </a:prstGeom>
+        </p:spPr>
+      </p:pic>
+    </p:spTree>
+    <p:extLst>
+      <p:ext uri="{BB962C8B-B14F-4D97-AF65-F5344CB8AC3E}">
+        <p14:creationId xmlns:p14="http://schemas.microsoft.com/office/powerpoint/2010/main" val="567451947"/>
+      </p:ext>
+    </p:extLst>
+  </p:cSld>
+  <p:clrMapOvr>
+    <a:masterClrMapping/>
+  </p:clrMapOvr>
+  <mc:AlternateContent xmlns:mc="http://schemas.openxmlformats.org/markup-compatibility/2006" xmlns:p14="http://schemas.microsoft.com/office/powerpoint/2010/main">
+    <mc:Choice Requires="p14">
+      <p:transition spd="med" p14:dur="700">
+        <p:fade/>
+      </p:transition>
+    </mc:Choice>
+    <mc:Fallback xmlns="">
+      <p:transition spd="med">
+        <p:fade/>
+      </p:transition>
+    </mc:Fallback>
+  </mc:AlternateContent>
+</p:sld>
+</file>
+
+<file path=ppt/slides/slide5.xml><?xml version="1.0" encoding="utf-8"?>
+<p:sld xmlns:a="http://schemas.openxmlformats.org/drawingml/2006/main" xmlns:r="http://schemas.openxmlformats.org/officeDocument/2006/relationships" xmlns:p="http://schemas.openxmlformats.org/presentationml/2006/main">
+  <p:cSld>
+    <p:spTree>
+      <p:nvGrpSpPr>
+        <p:cNvPr id="1" name=""/>
+        <p:cNvGrpSpPr/>
+        <p:nvPr/>
+      </p:nvGrpSpPr>
+      <p:grpSpPr>
+        <a:xfrm>
+          <a:off x="0" y="0"/>
+          <a:ext cx="0" cy="0"/>
+          <a:chOff x="0" y="0"/>
+          <a:chExt cx="0" cy="0"/>
+        </a:xfrm>
+      </p:grpSpPr>
+      <p:sp>
+        <p:nvSpPr>
+          <p:cNvPr id="2" name="Title 1">
+            <a:extLst>
+              <a:ext uri="{FF2B5EF4-FFF2-40B4-BE49-F238E27FC236}">
+                <a16:creationId xmlns:a16="http://schemas.microsoft.com/office/drawing/2014/main" id="{B7D6280C-7E7F-4654-964A-483CFD60DB6A}"/>
+              </a:ext>
+            </a:extLst>
+          </p:cNvPr>
+          <p:cNvSpPr>
+            <a:spLocks noGrp="1"/>
+          </p:cNvSpPr>
+          <p:nvPr>
+            <p:ph type="title"/>
+          </p:nvPr>
+        </p:nvSpPr>
+        <p:spPr/>
+        <p:txBody>
+          <a:bodyPr/>
+          <a:lstStyle/>
+          <a:p>
+            <a:r>
+              <a:rPr lang="en-IN" dirty="0"/>
+              <a:t>Modelling and Simulation</a:t>
+            </a:r>
+          </a:p>
+        </p:txBody>
+      </p:sp>
+      <p:sp>
+        <p:nvSpPr>
+          <p:cNvPr id="3" name="Content Placeholder 2">
+            <a:extLst>
+              <a:ext uri="{FF2B5EF4-FFF2-40B4-BE49-F238E27FC236}">
+                <a16:creationId xmlns:a16="http://schemas.microsoft.com/office/drawing/2014/main" id="{63329B60-02E1-4964-92E9-4CE7226D95F5}"/>
+              </a:ext>
+            </a:extLst>
+          </p:cNvPr>
+          <p:cNvSpPr>
+            <a:spLocks noGrp="1"/>
+          </p:cNvSpPr>
+          <p:nvPr>
+            <p:ph idx="1"/>
+          </p:nvPr>
+        </p:nvSpPr>
+        <p:spPr/>
+        <p:txBody>
+          <a:bodyPr/>
+          <a:lstStyle/>
+          <a:p>
+            <a:r>
+              <a:rPr lang="en-IN" b="1" u="sng" dirty="0"/>
+              <a:t>Simulation:</a:t>
+            </a:r>
+          </a:p>
+          <a:p>
+            <a:pPr lvl="1"/>
+            <a:r>
+              <a:rPr lang="en-IN" dirty="0"/>
+              <a:t>The experiment is conducted for number of simulation. The experiment is done for different number of VM and different rules of cellular automata.</a:t>
+            </a:r>
+          </a:p>
+          <a:p>
+            <a:pPr lvl="1"/>
+            <a:r>
+              <a:rPr lang="en-IN" dirty="0"/>
+              <a:t>Each simulation is initiated with number of VM and rule for evolving cellular automata.</a:t>
+            </a:r>
+          </a:p>
+          <a:p>
+            <a:pPr lvl="1"/>
+            <a:r>
+              <a:rPr lang="en-IN" dirty="0"/>
+              <a:t>At start of each simulation, the cellular automata is evolved for finite number of generation and recorded at each generation.</a:t>
+            </a:r>
+          </a:p>
+          <a:p>
+            <a:pPr lvl="1"/>
+            <a:r>
+              <a:rPr lang="en-IN" dirty="0"/>
+              <a:t>At each optimization of simulation, the states of host is determined by the states of cellular automata in the generation from recording.</a:t>
+            </a:r>
+          </a:p>
+          <a:p>
+            <a:pPr lvl="1"/>
+            <a:r>
+              <a:rPr lang="en-IN" dirty="0"/>
+              <a:t>After every simulation the energy consumed is observed.</a:t>
+            </a:r>
+          </a:p>
+        </p:txBody>
+      </p:sp>
+      <p:sp>
+        <p:nvSpPr>
+          <p:cNvPr id="4" name="Slide Number Placeholder 3">
+            <a:extLst>
+              <a:ext uri="{FF2B5EF4-FFF2-40B4-BE49-F238E27FC236}">
+                <a16:creationId xmlns:a16="http://schemas.microsoft.com/office/drawing/2014/main" id="{2E4744EC-F7E1-41EC-80CA-6D2DA6A78BA7}"/>
+              </a:ext>
+            </a:extLst>
+          </p:cNvPr>
+          <p:cNvSpPr>
+            <a:spLocks noGrp="1"/>
+          </p:cNvSpPr>
+          <p:nvPr>
+            <p:ph type="sldNum" sz="quarter" idx="12"/>
+          </p:nvPr>
+        </p:nvSpPr>
+        <p:spPr/>
+        <p:txBody>
+          <a:bodyPr/>
+          <a:lstStyle/>
+          <a:p>
+            <a:fld id="{ACA2A22D-43A3-4325-8000-B0F614F5476E}" type="slidenum">
+              <a:rPr lang="en-US" smtClean="0"/>
+              <a:pPr/>
+              <a:t>5</a:t>
+            </a:fld>
+            <a:endParaRPr lang="en-US"/>
+          </a:p>
+        </p:txBody>
+      </p:sp>
+    </p:spTree>
+    <p:extLst>
+      <p:ext uri="{BB962C8B-B14F-4D97-AF65-F5344CB8AC3E}">
+        <p14:creationId xmlns:p14="http://schemas.microsoft.com/office/powerpoint/2010/main" val="4093925886"/>
+      </p:ext>
+    </p:extLst>
+  </p:cSld>
+  <p:clrMapOvr>
+    <a:masterClrMapping/>
+  </p:clrMapOvr>
+  <mc:AlternateContent xmlns:mc="http://schemas.openxmlformats.org/markup-compatibility/2006" xmlns:p14="http://schemas.microsoft.com/office/powerpoint/2010/main">
+    <mc:Choice Requires="p14">
+      <p:transition spd="med" p14:dur="700">
+        <p:fade/>
+      </p:transition>
+    </mc:Choice>
+    <mc:Fallback xmlns="">
+      <p:transition spd="med">
+        <p:fade/>
+      </p:transition>
+    </mc:Fallback>
+  </mc:AlternateContent>
+</p:sld>
+</file>
+
+<file path=ppt/slides/slide6.xml><?xml version="1.0" encoding="utf-8"?>
+<p:sld xmlns:a="http://schemas.openxmlformats.org/drawingml/2006/main" xmlns:r="http://schemas.openxmlformats.org/officeDocument/2006/relationships" xmlns:p="http://schemas.openxmlformats.org/presentationml/2006/main">
+  <p:cSld>
+    <p:spTree>
+      <p:nvGrpSpPr>
+        <p:cNvPr id="1" name=""/>
+        <p:cNvGrpSpPr/>
+        <p:nvPr/>
+      </p:nvGrpSpPr>
+      <p:grpSpPr>
+        <a:xfrm>
+          <a:off x="0" y="0"/>
+          <a:ext cx="0" cy="0"/>
+          <a:chOff x="0" y="0"/>
+          <a:chExt cx="0" cy="0"/>
+        </a:xfrm>
+      </p:grpSpPr>
+      <p:sp>
+        <p:nvSpPr>
+          <p:cNvPr id="2" name="Title 1">
+            <a:extLst>
+              <a:ext uri="{FF2B5EF4-FFF2-40B4-BE49-F238E27FC236}">
+                <a16:creationId xmlns:a16="http://schemas.microsoft.com/office/drawing/2014/main" id="{D87CFE91-9A34-49F2-87B1-FB708282C74C}"/>
+              </a:ext>
+            </a:extLst>
+          </p:cNvPr>
+          <p:cNvSpPr>
+            <a:spLocks noGrp="1"/>
+          </p:cNvSpPr>
+          <p:nvPr>
+            <p:ph type="title"/>
+          </p:nvPr>
+        </p:nvSpPr>
+        <p:spPr/>
+        <p:txBody>
+          <a:bodyPr/>
+          <a:lstStyle/>
+          <a:p>
+            <a:r>
+              <a:rPr lang="en-IN" dirty="0"/>
+              <a:t>Modelling and Simulation</a:t>
+            </a:r>
+          </a:p>
+        </p:txBody>
+      </p:sp>
+      <p:sp>
+        <p:nvSpPr>
+          <p:cNvPr id="3" name="Content Placeholder 2">
+            <a:extLst>
+              <a:ext uri="{FF2B5EF4-FFF2-40B4-BE49-F238E27FC236}">
+                <a16:creationId xmlns:a16="http://schemas.microsoft.com/office/drawing/2014/main" id="{8AE81363-59C5-4195-8578-42DCB631A1FB}"/>
+              </a:ext>
+            </a:extLst>
+          </p:cNvPr>
+          <p:cNvSpPr>
+            <a:spLocks noGrp="1"/>
+          </p:cNvSpPr>
+          <p:nvPr>
+            <p:ph idx="1"/>
+          </p:nvPr>
+        </p:nvSpPr>
+        <p:spPr/>
+        <p:txBody>
+          <a:bodyPr/>
+          <a:lstStyle/>
+          <a:p>
+            <a:r>
+              <a:rPr lang="en-IN" dirty="0"/>
+              <a:t>Architecture Diagram</a:t>
+            </a:r>
+          </a:p>
+        </p:txBody>
+      </p:sp>
+      <p:sp>
+        <p:nvSpPr>
+          <p:cNvPr id="4" name="Slide Number Placeholder 3">
+            <a:extLst>
+              <a:ext uri="{FF2B5EF4-FFF2-40B4-BE49-F238E27FC236}">
+                <a16:creationId xmlns:a16="http://schemas.microsoft.com/office/drawing/2014/main" id="{AD33CAA5-4D69-41CB-8252-CCA18C323A8D}"/>
+              </a:ext>
+            </a:extLst>
+          </p:cNvPr>
+          <p:cNvSpPr>
+            <a:spLocks noGrp="1"/>
+          </p:cNvSpPr>
+          <p:nvPr>
+            <p:ph type="sldNum" sz="quarter" idx="12"/>
+          </p:nvPr>
+        </p:nvSpPr>
+        <p:spPr/>
+        <p:txBody>
+          <a:bodyPr/>
+          <a:lstStyle/>
+          <a:p>
+            <a:fld id="{ACA2A22D-43A3-4325-8000-B0F614F5476E}" type="slidenum">
+              <a:rPr lang="en-US" smtClean="0"/>
+              <a:pPr/>
+              <a:t>6</a:t>
+            </a:fld>
+            <a:endParaRPr lang="en-US"/>
+          </a:p>
+        </p:txBody>
+      </p:sp>
+      <p:pic>
+        <p:nvPicPr>
+          <p:cNvPr id="6" name="Picture 5">
+            <a:extLst>
+              <a:ext uri="{FF2B5EF4-FFF2-40B4-BE49-F238E27FC236}">
+                <a16:creationId xmlns:a16="http://schemas.microsoft.com/office/drawing/2014/main" id="{B9AB8BB6-166A-480F-91B7-31A629273677}"/>
+              </a:ext>
+            </a:extLst>
+          </p:cNvPr>
+          <p:cNvPicPr>
+            <a:picLocks noChangeAspect="1"/>
+          </p:cNvPicPr>
+          <p:nvPr/>
+        </p:nvPicPr>
+        <p:blipFill>
+          <a:blip r:embed="rId2"/>
+          <a:stretch>
+            <a:fillRect/>
+          </a:stretch>
+        </p:blipFill>
+        <p:spPr>
+          <a:xfrm>
+            <a:off x="2760386" y="1558634"/>
+            <a:ext cx="5212126" cy="5059926"/>
+          </a:xfrm>
+          <a:prstGeom prst="rect">
+            <a:avLst/>
+          </a:prstGeom>
+        </p:spPr>
+      </p:pic>
+    </p:spTree>
+    <p:extLst>
+      <p:ext uri="{BB962C8B-B14F-4D97-AF65-F5344CB8AC3E}">
+        <p14:creationId xmlns:p14="http://schemas.microsoft.com/office/powerpoint/2010/main" val="3790127788"/>
+      </p:ext>
+    </p:extLst>
+  </p:cSld>
+  <p:clrMapOvr>
+    <a:masterClrMapping/>
+  </p:clrMapOvr>
+  <mc:AlternateContent xmlns:mc="http://schemas.openxmlformats.org/markup-compatibility/2006" xmlns:p14="http://schemas.microsoft.com/office/powerpoint/2010/main">
+    <mc:Choice Requires="p14">
+      <p:transition spd="med" p14:dur="700">
+        <p:fade/>
+      </p:transition>
+    </mc:Choice>
+    <mc:Fallback xmlns="">
+      <p:transition spd="med">
+        <p:fade/>
+      </p:transition>
+    </mc:Fallback>
+  </mc:AlternateContent>
+</p:sld>
+</file>
+
+<file path=ppt/slides/slide7.xml><?xml version="1.0" encoding="utf-8"?>
+<p:sld xmlns:a="http://schemas.openxmlformats.org/drawingml/2006/main" xmlns:r="http://schemas.openxmlformats.org/officeDocument/2006/relationships" xmlns:p="http://schemas.openxmlformats.org/presentationml/2006/main">
+  <p:cSld>
+    <p:spTree>
+      <p:nvGrpSpPr>
+        <p:cNvPr id="1" name=""/>
+        <p:cNvGrpSpPr/>
+        <p:nvPr/>
+      </p:nvGrpSpPr>
+      <p:grpSpPr>
+        <a:xfrm>
+          <a:off x="0" y="0"/>
+          <a:ext cx="0" cy="0"/>
+          <a:chOff x="0" y="0"/>
+          <a:chExt cx="0" cy="0"/>
+        </a:xfrm>
+      </p:grpSpPr>
+      <p:sp>
+        <p:nvSpPr>
+          <p:cNvPr id="2" name="Title 1">
+            <a:extLst>
+              <a:ext uri="{FF2B5EF4-FFF2-40B4-BE49-F238E27FC236}">
+                <a16:creationId xmlns:a16="http://schemas.microsoft.com/office/drawing/2014/main" id="{0616E7AD-2682-49A5-9659-32FE179C33B0}"/>
+              </a:ext>
+            </a:extLst>
+          </p:cNvPr>
+          <p:cNvSpPr>
+            <a:spLocks noGrp="1"/>
+          </p:cNvSpPr>
+          <p:nvPr>
+            <p:ph type="title"/>
+          </p:nvPr>
+        </p:nvSpPr>
+        <p:spPr/>
+        <p:txBody>
+          <a:bodyPr/>
+          <a:lstStyle/>
+          <a:p>
+            <a:r>
+              <a:rPr lang="en-IN" dirty="0"/>
+              <a:t>Modelling and Simulation</a:t>
+            </a:r>
+          </a:p>
+        </p:txBody>
+      </p:sp>
+      <p:sp>
+        <p:nvSpPr>
+          <p:cNvPr id="3" name="Content Placeholder 2">
+            <a:extLst>
+              <a:ext uri="{FF2B5EF4-FFF2-40B4-BE49-F238E27FC236}">
+                <a16:creationId xmlns:a16="http://schemas.microsoft.com/office/drawing/2014/main" id="{60118690-BFFA-4BF2-97B3-6B11746D73A6}"/>
+              </a:ext>
+            </a:extLst>
+          </p:cNvPr>
+          <p:cNvSpPr>
+            <a:spLocks noGrp="1"/>
+          </p:cNvSpPr>
+          <p:nvPr>
+            <p:ph idx="1"/>
+          </p:nvPr>
+        </p:nvSpPr>
+        <p:spPr/>
+        <p:txBody>
+          <a:bodyPr/>
+          <a:lstStyle/>
+          <a:p>
+            <a:r>
+              <a:rPr lang="en-IN" dirty="0"/>
+              <a:t>Sequence Diagram</a:t>
+            </a:r>
+          </a:p>
+        </p:txBody>
+      </p:sp>
+      <p:sp>
+        <p:nvSpPr>
+          <p:cNvPr id="4" name="Slide Number Placeholder 3">
+            <a:extLst>
+              <a:ext uri="{FF2B5EF4-FFF2-40B4-BE49-F238E27FC236}">
+                <a16:creationId xmlns:a16="http://schemas.microsoft.com/office/drawing/2014/main" id="{B2432C32-63D4-4B6A-B65F-89AE10A69A6C}"/>
+              </a:ext>
+            </a:extLst>
+          </p:cNvPr>
+          <p:cNvSpPr>
+            <a:spLocks noGrp="1"/>
+          </p:cNvSpPr>
+          <p:nvPr>
+            <p:ph type="sldNum" sz="quarter" idx="12"/>
+          </p:nvPr>
+        </p:nvSpPr>
+        <p:spPr/>
+        <p:txBody>
+          <a:bodyPr/>
+          <a:lstStyle/>
+          <a:p>
+            <a:fld id="{ACA2A22D-43A3-4325-8000-B0F614F5476E}" type="slidenum">
+              <a:rPr lang="en-US" smtClean="0"/>
+              <a:pPr/>
+              <a:t>7</a:t>
+            </a:fld>
+            <a:endParaRPr lang="en-US"/>
+          </a:p>
+        </p:txBody>
+      </p:sp>
+      <p:pic>
+        <p:nvPicPr>
+          <p:cNvPr id="5" name="Content Placeholder 4">
+            <a:extLst>
+              <a:ext uri="{FF2B5EF4-FFF2-40B4-BE49-F238E27FC236}">
+                <a16:creationId xmlns:a16="http://schemas.microsoft.com/office/drawing/2014/main" id="{E7E26498-CAD2-41FF-A824-9A250FCC0290}"/>
+              </a:ext>
+            </a:extLst>
+          </p:cNvPr>
+          <p:cNvPicPr>
+            <a:picLocks noChangeAspect="1"/>
+          </p:cNvPicPr>
+          <p:nvPr/>
+        </p:nvPicPr>
+        <p:blipFill>
+          <a:blip r:embed="rId2"/>
+          <a:stretch>
+            <a:fillRect/>
+          </a:stretch>
+        </p:blipFill>
+        <p:spPr>
+          <a:xfrm>
+            <a:off x="2181664" y="1510485"/>
+            <a:ext cx="6896698" cy="4785775"/>
+          </a:xfrm>
+          <a:prstGeom prst="rect">
+            <a:avLst/>
+          </a:prstGeom>
+        </p:spPr>
+      </p:pic>
+    </p:spTree>
+    <p:extLst>
+      <p:ext uri="{BB962C8B-B14F-4D97-AF65-F5344CB8AC3E}">
+        <p14:creationId xmlns:p14="http://schemas.microsoft.com/office/powerpoint/2010/main" val="189090092"/>
+      </p:ext>
+    </p:extLst>
+  </p:cSld>
+  <p:clrMapOvr>
+    <a:masterClrMapping/>
+  </p:clrMapOvr>
+  <mc:AlternateContent xmlns:mc="http://schemas.openxmlformats.org/markup-compatibility/2006" xmlns:p14="http://schemas.microsoft.com/office/powerpoint/2010/main">
+    <mc:Choice Requires="p14">
+      <p:transition spd="med" p14:dur="700">
+        <p:fade/>
+      </p:transition>
+    </mc:Choice>
+    <mc:Fallback xmlns="">
+      <p:transition spd="med">
+        <p:fade/>
+      </p:transition>
+    </mc:Fallback>
+  </mc:AlternateContent>
+</p:sld>
+</file>
+
+<file path=ppt/slides/slide8.xml><?xml version="1.0" encoding="utf-8"?>
+<p:sld xmlns:a="http://schemas.openxmlformats.org/drawingml/2006/main" xmlns:r="http://schemas.openxmlformats.org/officeDocument/2006/relationships" xmlns:p="http://schemas.openxmlformats.org/presentationml/2006/main">
+  <p:cSld>
+    <p:spTree>
+      <p:nvGrpSpPr>
+        <p:cNvPr id="1" name=""/>
+        <p:cNvGrpSpPr/>
+        <p:nvPr/>
+      </p:nvGrpSpPr>
+      <p:grpSpPr>
+        <a:xfrm>
+          <a:off x="0" y="0"/>
+          <a:ext cx="0" cy="0"/>
+          <a:chOff x="0" y="0"/>
+          <a:chExt cx="0" cy="0"/>
+        </a:xfrm>
+      </p:grpSpPr>
+      <p:sp>
+        <p:nvSpPr>
+          <p:cNvPr id="2" name="Title 1">
+            <a:extLst>
+              <a:ext uri="{FF2B5EF4-FFF2-40B4-BE49-F238E27FC236}">
+                <a16:creationId xmlns:a16="http://schemas.microsoft.com/office/drawing/2014/main" id="{EFECF739-BD3D-4D1E-9C5E-52F4392308F2}"/>
+              </a:ext>
+            </a:extLst>
+          </p:cNvPr>
+          <p:cNvSpPr>
+            <a:spLocks noGrp="1"/>
+          </p:cNvSpPr>
+          <p:nvPr>
+            <p:ph type="title"/>
+          </p:nvPr>
+        </p:nvSpPr>
+        <p:spPr/>
+        <p:txBody>
+          <a:bodyPr/>
+          <a:lstStyle/>
+          <a:p>
+            <a:r>
+              <a:rPr lang="de-DE" dirty="0"/>
+              <a:t>Optimization Algorithm</a:t>
+            </a:r>
+            <a:br>
+              <a:rPr lang="de-DE" dirty="0"/>
+            </a:br>
+            <a:endParaRPr lang="en-IN" dirty="0"/>
+          </a:p>
+        </p:txBody>
+      </p:sp>
+      <p:sp>
+        <p:nvSpPr>
+          <p:cNvPr id="3" name="Content Placeholder 2">
+            <a:extLst>
+              <a:ext uri="{FF2B5EF4-FFF2-40B4-BE49-F238E27FC236}">
+                <a16:creationId xmlns:a16="http://schemas.microsoft.com/office/drawing/2014/main" id="{D6A9624C-3ED5-4064-B74F-DB2941F6B54F}"/>
+              </a:ext>
+            </a:extLst>
+          </p:cNvPr>
+          <p:cNvSpPr>
+            <a:spLocks noGrp="1"/>
+          </p:cNvSpPr>
+          <p:nvPr>
+            <p:ph idx="1"/>
+          </p:nvPr>
+        </p:nvSpPr>
+        <p:spPr/>
+        <p:txBody>
+          <a:bodyPr/>
+          <a:lstStyle/>
+          <a:p>
+            <a:r>
+              <a:rPr lang="en-IN" b="1" u="sng" dirty="0"/>
+              <a:t>VM Allocation Policy:</a:t>
+            </a:r>
+          </a:p>
+          <a:p>
+            <a:pPr lvl="1"/>
+            <a:r>
+              <a:rPr lang="en-IN" dirty="0"/>
+              <a:t>The switched off host at current generation is obtained and the all the VMs from these host have to be migrated.</a:t>
+            </a:r>
+          </a:p>
+          <a:p>
+            <a:pPr lvl="1"/>
+            <a:r>
+              <a:rPr lang="en-IN" dirty="0"/>
+              <a:t>The algorithm finds the suitable host for these VMs to be migrated. </a:t>
+            </a:r>
+          </a:p>
+          <a:p>
+            <a:pPr lvl="1"/>
+            <a:r>
+              <a:rPr lang="en-IN" dirty="0"/>
+              <a:t>The VMs and suitable host is mapped and returned for allocation.</a:t>
+            </a:r>
+          </a:p>
+        </p:txBody>
+      </p:sp>
+      <p:sp>
+        <p:nvSpPr>
+          <p:cNvPr id="4" name="Slide Number Placeholder 3">
+            <a:extLst>
+              <a:ext uri="{FF2B5EF4-FFF2-40B4-BE49-F238E27FC236}">
+                <a16:creationId xmlns:a16="http://schemas.microsoft.com/office/drawing/2014/main" id="{D8A5F499-1671-4F68-9237-23E306520968}"/>
+              </a:ext>
+            </a:extLst>
+          </p:cNvPr>
+          <p:cNvSpPr>
+            <a:spLocks noGrp="1"/>
+          </p:cNvSpPr>
+          <p:nvPr>
+            <p:ph type="sldNum" sz="quarter" idx="12"/>
+          </p:nvPr>
+        </p:nvSpPr>
+        <p:spPr/>
+        <p:txBody>
+          <a:bodyPr/>
+          <a:lstStyle/>
+          <a:p>
+            <a:fld id="{ACA2A22D-43A3-4325-8000-B0F614F5476E}" type="slidenum">
+              <a:rPr lang="en-US" smtClean="0"/>
+              <a:pPr/>
+              <a:t>8</a:t>
+            </a:fld>
+            <a:endParaRPr lang="en-US"/>
+          </a:p>
+        </p:txBody>
+      </p:sp>
+      <p:pic>
+        <p:nvPicPr>
+          <p:cNvPr id="6" name="Picture 5">
+            <a:extLst>
+              <a:ext uri="{FF2B5EF4-FFF2-40B4-BE49-F238E27FC236}">
+                <a16:creationId xmlns:a16="http://schemas.microsoft.com/office/drawing/2014/main" id="{DC6AE06A-C596-409C-B948-9ABDA10A8B8D}"/>
+              </a:ext>
+            </a:extLst>
+          </p:cNvPr>
+          <p:cNvPicPr>
+            <a:picLocks noChangeAspect="1"/>
+          </p:cNvPicPr>
+          <p:nvPr/>
+        </p:nvPicPr>
+        <p:blipFill>
+          <a:blip r:embed="rId3"/>
+          <a:stretch>
+            <a:fillRect/>
+          </a:stretch>
+        </p:blipFill>
+        <p:spPr>
+          <a:xfrm>
+            <a:off x="1529929" y="3068960"/>
+            <a:ext cx="7056784" cy="3789040"/>
+          </a:xfrm>
+          <a:prstGeom prst="rect">
+            <a:avLst/>
+          </a:prstGeom>
+        </p:spPr>
+      </p:pic>
+    </p:spTree>
+    <p:extLst>
+      <p:ext uri="{BB962C8B-B14F-4D97-AF65-F5344CB8AC3E}">
+        <p14:creationId xmlns:p14="http://schemas.microsoft.com/office/powerpoint/2010/main" val="207285116"/>
+      </p:ext>
+    </p:extLst>
+  </p:cSld>
+  <p:clrMapOvr>
+    <a:masterClrMapping/>
+  </p:clrMapOvr>
+  <mc:AlternateContent xmlns:mc="http://schemas.openxmlformats.org/markup-compatibility/2006" xmlns:p14="http://schemas.microsoft.com/office/powerpoint/2010/main">
+    <mc:Choice Requires="p14">
+      <p:transition spd="med" p14:dur="700">
+        <p:fade/>
+      </p:transition>
+    </mc:Choice>
+    <mc:Fallback xmlns="">
+      <p:transition spd="med">
+        <p:fade/>
+      </p:transition>
+    </mc:Fallback>
+  </mc:AlternateContent>
+</p:sld>
+</file>
+
+<file path=ppt/slides/slide9.xml><?xml version="1.0" encoding="utf-8"?>
+<p:sld xmlns:a="http://schemas.openxmlformats.org/drawingml/2006/main" xmlns:r="http://schemas.openxmlformats.org/officeDocument/2006/relationships" xmlns:p="http://schemas.openxmlformats.org/presentationml/2006/main">
+  <p:cSld>
+    <p:spTree>
+      <p:nvGrpSpPr>
+        <p:cNvPr id="1" name=""/>
+        <p:cNvGrpSpPr/>
+        <p:nvPr/>
+      </p:nvGrpSpPr>
+      <p:grpSpPr>
+        <a:xfrm>
+          <a:off x="0" y="0"/>
+          <a:ext cx="0" cy="0"/>
+          <a:chOff x="0" y="0"/>
+          <a:chExt cx="0" cy="0"/>
+        </a:xfrm>
+      </p:grpSpPr>
+      <p:sp>
+        <p:nvSpPr>
+          <p:cNvPr id="2" name="Title 1">
+            <a:extLst>
+              <a:ext uri="{FF2B5EF4-FFF2-40B4-BE49-F238E27FC236}">
+                <a16:creationId xmlns:a16="http://schemas.microsoft.com/office/drawing/2014/main" id="{DBB84955-5F35-46C9-AF80-F322E12622E5}"/>
+              </a:ext>
+            </a:extLst>
+          </p:cNvPr>
+          <p:cNvSpPr>
+            <a:spLocks noGrp="1"/>
+          </p:cNvSpPr>
+          <p:nvPr>
+            <p:ph type="title"/>
+          </p:nvPr>
+        </p:nvSpPr>
+        <p:spPr/>
+        <p:txBody>
+          <a:bodyPr/>
+          <a:lstStyle/>
+          <a:p>
+            <a:r>
+              <a:rPr lang="en-IN" dirty="0"/>
+              <a:t>Rule 23 and Rule 232 </a:t>
+            </a:r>
+          </a:p>
+        </p:txBody>
+      </p:sp>
+      <p:sp>
+        <p:nvSpPr>
+          <p:cNvPr id="3" name="Content Placeholder 2">
+            <a:extLst>
+              <a:ext uri="{FF2B5EF4-FFF2-40B4-BE49-F238E27FC236}">
+                <a16:creationId xmlns:a16="http://schemas.microsoft.com/office/drawing/2014/main" id="{85629FE3-5E4C-4585-908C-B0694D5D82A4}"/>
+              </a:ext>
+            </a:extLst>
+          </p:cNvPr>
+          <p:cNvSpPr>
+            <a:spLocks noGrp="1"/>
+          </p:cNvSpPr>
+          <p:nvPr>
+            <p:ph idx="1"/>
+          </p:nvPr>
+        </p:nvSpPr>
+        <p:spPr/>
+        <p:txBody>
+          <a:bodyPr/>
+          <a:lstStyle/>
+          <a:p>
+            <a:r>
+              <a:rPr lang="en-IN" b="1" u="sng" dirty="0"/>
+              <a:t>Rule 23:</a:t>
+            </a:r>
+          </a:p>
+          <a:p>
+            <a:pPr lvl="1"/>
+            <a:r>
+              <a:rPr lang="en-IN" dirty="0"/>
+              <a:t>The host is switched off, if the less than 2 hosts from itself, left and right is switched on, else host is switched on.</a:t>
+            </a:r>
+          </a:p>
+          <a:p>
+            <a:pPr lvl="1"/>
+            <a:r>
+              <a:rPr lang="en-IN" dirty="0"/>
+              <a:t>Converges to state where it does not change the state in upcoming generation.</a:t>
+            </a:r>
+          </a:p>
+          <a:p>
+            <a:pPr marL="457200" lvl="1" indent="0">
+              <a:buNone/>
+            </a:pPr>
+            <a:endParaRPr lang="en-IN" dirty="0"/>
+          </a:p>
+          <a:p>
+            <a:r>
+              <a:rPr lang="en-IN" b="1" u="sng" dirty="0"/>
+              <a:t>Rule 232:</a:t>
+            </a:r>
+          </a:p>
+          <a:p>
+            <a:pPr lvl="1"/>
+            <a:r>
+              <a:rPr lang="en-IN" dirty="0"/>
+              <a:t>The host is switched off, if the more than 1 hosts from itself, left and right host is switched on, else host is switched on.</a:t>
+            </a:r>
+          </a:p>
+          <a:p>
+            <a:pPr lvl="1"/>
+            <a:r>
+              <a:rPr lang="en-IN" dirty="0"/>
+              <a:t>Forms a pattern.</a:t>
+            </a:r>
+          </a:p>
+        </p:txBody>
+      </p:sp>
+      <p:sp>
+        <p:nvSpPr>
+          <p:cNvPr id="4" name="Slide Number Placeholder 3">
+            <a:extLst>
+              <a:ext uri="{FF2B5EF4-FFF2-40B4-BE49-F238E27FC236}">
+                <a16:creationId xmlns:a16="http://schemas.microsoft.com/office/drawing/2014/main" id="{838CF6D6-5C19-4E49-AF58-96D3C4E7FB2A}"/>
+              </a:ext>
+            </a:extLst>
+          </p:cNvPr>
+          <p:cNvSpPr>
+            <a:spLocks noGrp="1"/>
+          </p:cNvSpPr>
+          <p:nvPr>
+            <p:ph type="sldNum" sz="quarter" idx="12"/>
+          </p:nvPr>
+        </p:nvSpPr>
+        <p:spPr/>
+        <p:txBody>
+          <a:bodyPr/>
+          <a:lstStyle/>
+          <a:p>
+            <a:fld id="{ACA2A22D-43A3-4325-8000-B0F614F5476E}" type="slidenum">
+              <a:rPr lang="en-US" smtClean="0"/>
+              <a:pPr/>
+              <a:t>9</a:t>
+            </a:fld>
+            <a:endParaRPr lang="en-US"/>
+          </a:p>
+        </p:txBody>
+      </p:sp>
+    </p:spTree>
+    <p:extLst>
+      <p:ext uri="{BB962C8B-B14F-4D97-AF65-F5344CB8AC3E}">
+        <p14:creationId xmlns:p14="http://schemas.microsoft.com/office/powerpoint/2010/main" val="1404598216"/>
+      </p:ext>
+    </p:extLst>
+  </p:cSld>
+  <p:clrMapOvr>
+    <a:masterClrMapping/>
+  </p:clrMapOvr>
+  <mc:AlternateContent xmlns:mc="http://schemas.openxmlformats.org/markup-compatibility/2006" xmlns:p14="http://schemas.microsoft.com/office/powerpoint/2010/main">
+    <mc:Choice Requires="p14">
+      <p:transition spd="med" p14:dur="700">
+        <p:fade/>
+      </p:transition>
+    </mc:Choice>
+    <mc:Fallback xmlns="">
       <p:transition spd="med">
         <p:fade/>
       </p:transition>

--- a/Cellular Automata for Cloud Resource Allocation.pptx
+++ b/Cellular Automata for Cloud Resource Allocation.pptx
@@ -272,7 +272,7 @@
           <a:p>
             <a:fld id="{438334B2-D815-4D95-BE0F-6329721836ED}" type="datetimeFigureOut">
               <a:rPr lang="en-US" smtClean="0"/>
-              <a:t>1/22/2021</a:t>
+              <a:t>2/1/2021</a:t>
             </a:fld>
             <a:endParaRPr lang="en-US"/>
           </a:p>
@@ -437,7 +437,7 @@
           <a:p>
             <a:fld id="{52F49A5B-5940-4F90-A959-5747455D0893}" type="datetimeFigureOut">
               <a:rPr lang="en-US" smtClean="0"/>
-              <a:t>1/22/2021</a:t>
+              <a:t>2/1/2021</a:t>
             </a:fld>
             <a:endParaRPr lang="en-US"/>
           </a:p>
@@ -2847,7 +2847,7 @@
           <a:p>
             <a:fld id="{F5B3BFA2-E80D-4A5D-8542-5C9C8D55CE8C}" type="datetime1">
               <a:rPr lang="en-US" smtClean="0"/>
-              <a:t>1/22/2021</a:t>
+              <a:t>2/1/2021</a:t>
             </a:fld>
             <a:endParaRPr lang="en-US"/>
           </a:p>
@@ -3970,7 +3970,7 @@
           <a:p>
             <a:fld id="{F5B3BFA2-E80D-4A5D-8542-5C9C8D55CE8C}" type="datetime1">
               <a:rPr lang="en-US" smtClean="0"/>
-              <a:t>1/22/2021</a:t>
+              <a:t>2/1/2021</a:t>
             </a:fld>
             <a:endParaRPr lang="en-US"/>
           </a:p>
@@ -4833,7 +4833,7 @@
           <a:p>
             <a:fld id="{F5B3BFA2-E80D-4A5D-8542-5C9C8D55CE8C}" type="datetime1">
               <a:rPr lang="en-US" smtClean="0"/>
-              <a:t>1/22/2021</a:t>
+              <a:t>2/1/2021</a:t>
             </a:fld>
             <a:endParaRPr lang="en-US"/>
           </a:p>
@@ -5659,7 +5659,7 @@
           <a:p>
             <a:fld id="{F5B3BFA2-E80D-4A5D-8542-5C9C8D55CE8C}" type="datetime1">
               <a:rPr lang="en-US" smtClean="0"/>
-              <a:t>1/22/2021</a:t>
+              <a:t>2/1/2021</a:t>
             </a:fld>
             <a:endParaRPr lang="en-US"/>
           </a:p>
@@ -7978,7 +7978,7 @@
           <a:p>
             <a:fld id="{B55B54FC-8FED-40AA-BD89-30FE731A98E4}" type="datetime1">
               <a:rPr lang="en-US" smtClean="0"/>
-              <a:t>1/22/2021</a:t>
+              <a:t>2/1/2021</a:t>
             </a:fld>
             <a:endParaRPr lang="en-US"/>
           </a:p>
@@ -9500,7 +9500,7 @@
               <a:rPr lang="en-US" sz="1800" dirty="0">
                 <a:latin typeface="Arial-BoldMT"/>
               </a:rPr>
-              <a:t>Classification of rule from rule set when cellular automata and immediate </a:t>
+              <a:t>Classification of rule from rule set when cellular automata and it’s immediate </a:t>
             </a:r>
             <a:r>
               <a:rPr lang="en-US" sz="1800" dirty="0" err="1">
@@ -9512,7 +9512,7 @@
               <a:rPr lang="en-US" sz="1800" dirty="0">
                 <a:latin typeface="Arial-BoldMT"/>
               </a:rPr>
-              <a:t> are used for evolution. The total number of rules for evolution is 255. Some rules from these 255 rule set is classified into four classes as follows:</a:t>
+              <a:t> are used for evolution. The total number of rules for evolution is 255. Some rules from these 255 rule set are classified into four classes as follows:</a:t>
             </a:r>
           </a:p>
           <a:p>
@@ -9604,7 +9604,7 @@
               <a:rPr lang="en-US" sz="1800" b="0" i="0" u="none" strike="noStrike" baseline="0" dirty="0">
                 <a:latin typeface="ArialMT"/>
               </a:rPr>
-              <a:t>Cellular automata which form areas of repetitive or stable states, but also form structures that interact with each other in complicated ways. An example is rule 110.</a:t>
+              <a:t>Cellular automata which form areas of repetitive or stable states, but also form structures that interacts with each other in complicated ways. An example is rule 110.</a:t>
             </a:r>
             <a:endParaRPr lang="en-IN" dirty="0"/>
           </a:p>
@@ -10061,7 +10061,7 @@
           <a:p>
             <a:r>
               <a:rPr lang="en-IN" dirty="0"/>
-              <a:t>The Rule 23 evolution form a hot spot in the data </a:t>
+              <a:t>The Rule 23 evolution forms a hot spot in the data </a:t>
             </a:r>
             <a:r>
               <a:rPr lang="en-IN" dirty="0" err="1"/>
@@ -10089,7 +10089,7 @@
           <a:p>
             <a:r>
               <a:rPr lang="en-IN" dirty="0"/>
-              <a:t>From the results we can conclude when the temperature is distributed in the data </a:t>
+              <a:t>From the results we can conclude that, when the temperature is distributed in the data </a:t>
             </a:r>
             <a:r>
               <a:rPr lang="en-IN" dirty="0" err="1"/>
@@ -10111,7 +10111,7 @@
           <a:p>
             <a:r>
               <a:rPr lang="en-IN" dirty="0"/>
-              <a:t>From the results from Wolfram classification graph the order of performance is class 3 &gt; class 2 &gt; class 4 &gt; class 1. But class 3 remains in random state, so it is not possible say it is better. Therefore from results, we can say class 2 has better performance. </a:t>
+              <a:t>From the results of Wolfram classification graph the order of performance is class 3 &gt; class 2 &gt; class 4 &gt; class 1. However, class 3 remains in random state, so it is not possible say it is better. Therefore from results, we can say class 2 has better performance. </a:t>
             </a:r>
           </a:p>
         </p:txBody>
@@ -11499,7 +11499,7 @@
             <a:pPr lvl="1"/>
             <a:r>
               <a:rPr lang="en-IN" dirty="0"/>
-              <a:t>A cell on grid that represent a state of a instance in a system is called a Cellular Automata. Collection of Cellular Automata is called a Cellular Automaton.</a:t>
+              <a:t>A cell on grid that represents a state of a instance in a system is called as Cellular Automata. Collection of Cellular Automata is called as Cellular Automaton.</a:t>
             </a:r>
           </a:p>
           <a:p>
@@ -11540,7 +11540,7 @@
             <a:pPr lvl="1"/>
             <a:r>
               <a:rPr lang="en-IN" dirty="0"/>
-              <a:t>One of metrics considered in sustainable data </a:t>
+              <a:t>One of the metrics considered in sustainable data </a:t>
             </a:r>
             <a:r>
               <a:rPr lang="en-IN" dirty="0" err="1"/>
@@ -11548,7 +11548,7 @@
             </a:r>
             <a:r>
               <a:rPr lang="en-IN" dirty="0"/>
-              <a:t> is cooling cost. The energy consumed by the data </a:t>
+              <a:t> is “cooling cost”. The energy consumed by the data </a:t>
             </a:r>
             <a:r>
               <a:rPr lang="en-IN" dirty="0" err="1"/>
@@ -11741,7 +11741,7 @@
             <a:pPr lvl="2"/>
             <a:r>
               <a:rPr lang="en-IN" dirty="0"/>
-              <a:t>The host temperature depends on it Utilisation and neighbour’s Utilization. As follows:</a:t>
+              <a:t>The host temperature depends on it’s utilisation and it’s neighbour’s utilization as given below:</a:t>
             </a:r>
           </a:p>
           <a:p>
@@ -11779,7 +11779,7 @@
             </a:r>
             <a:r>
               <a:rPr lang="en-IN" dirty="0"/>
-              <a:t> updates the temperature of the host at regular interval. As follows:</a:t>
+              <a:t> updates the temperature of the host at regular interval as follows:</a:t>
             </a:r>
           </a:p>
           <a:p>
@@ -11992,7 +11992,7 @@
             <a:pPr lvl="1"/>
             <a:r>
               <a:rPr lang="en-IN" dirty="0"/>
-              <a:t>The experiment is conducted for number of simulation. The experiment is done for different number of VM and different rules of cellular automata.</a:t>
+              <a:t>The experiment is conducted for a number of simulations. The experiment is done for different number of VM and different rules of cellular automata.</a:t>
             </a:r>
           </a:p>
           <a:p>
@@ -12475,7 +12475,7 @@
             <a:pPr lvl="1"/>
             <a:r>
               <a:rPr lang="en-IN" dirty="0"/>
-              <a:t>The switched off host at current generation is obtained and the all the VMs from these host have to be migrated.</a:t>
+              <a:t>The switched off host at current generation is obtained and the all the VMs from this these host have to be migrated.</a:t>
             </a:r>
           </a:p>
           <a:p>
@@ -12654,7 +12654,7 @@
             <a:pPr lvl="1"/>
             <a:r>
               <a:rPr lang="en-IN" dirty="0"/>
-              <a:t>The host is switched off, if the less than 2 hosts from itself, left and right is switched on, else host is switched on.</a:t>
+              <a:t>The host is switched off, if less than 2 hosts from itself, left and right is switched on, else host is switched on.</a:t>
             </a:r>
           </a:p>
           <a:p>
@@ -12680,7 +12680,7 @@
             <a:pPr lvl="1"/>
             <a:r>
               <a:rPr lang="en-IN" dirty="0"/>
-              <a:t>The host is switched off, if the more than 1 hosts from itself, left and right host is switched on, else host is switched on.</a:t>
+              <a:t>The host is switched off, if more than 1 hosts from itself, left and right host is switched on, else host is switched on.</a:t>
             </a:r>
           </a:p>
           <a:p>
